--- a/day 11/SAC_Training Day 11.pptx
+++ b/day 11/SAC_Training Day 11.pptx
@@ -6,16 +6,17 @@
     <p:sldMasterId id="2147483660" r:id="rId2"/>
   </p:sldMasterIdLst>
   <p:notesMasterIdLst>
-    <p:notesMasterId r:id="rId10"/>
+    <p:notesMasterId r:id="rId11"/>
   </p:notesMasterIdLst>
   <p:sldIdLst>
     <p:sldId id="256" r:id="rId3"/>
     <p:sldId id="463" r:id="rId4"/>
-    <p:sldId id="431" r:id="rId5"/>
-    <p:sldId id="462" r:id="rId6"/>
-    <p:sldId id="475" r:id="rId7"/>
-    <p:sldId id="399" r:id="rId8"/>
-    <p:sldId id="409" r:id="rId9"/>
+    <p:sldId id="476" r:id="rId5"/>
+    <p:sldId id="431" r:id="rId6"/>
+    <p:sldId id="462" r:id="rId7"/>
+    <p:sldId id="475" r:id="rId8"/>
+    <p:sldId id="399" r:id="rId9"/>
+    <p:sldId id="409" r:id="rId10"/>
   </p:sldIdLst>
   <p:sldSz cx="12192000" cy="6858000"/>
   <p:notesSz cx="6858000" cy="9144000"/>
@@ -122,6 +123,535 @@
 </p:presentation>
 </file>
 
+<file path=ppt/ink/ink1.xml><?xml version="1.0" encoding="utf-8"?>
+<inkml:ink xmlns:inkml="http://www.w3.org/2003/InkML">
+  <inkml:definitions>
+    <inkml:context xml:id="ctx0">
+      <inkml:inkSource xml:id="inkSrc0">
+        <inkml:traceFormat>
+          <inkml:channel name="X" type="integer" max="1920" units="cm"/>
+          <inkml:channel name="Y" type="integer" max="1080" units="cm"/>
+          <inkml:channel name="T" type="integer" max="2.14748E9" units="dev"/>
+        </inkml:traceFormat>
+        <inkml:channelProperties>
+          <inkml:channelProperty channel="X" name="resolution" value="55.81395" units="1/cm"/>
+          <inkml:channelProperty channel="Y" name="resolution" value="55.6701" units="1/cm"/>
+          <inkml:channelProperty channel="T" name="resolution" value="1" units="1/dev"/>
+        </inkml:channelProperties>
+      </inkml:inkSource>
+      <inkml:timestamp xml:id="ts0" timeString="2020-12-21T05:53:00.993"/>
+    </inkml:context>
+    <inkml:brush xml:id="br0">
+      <inkml:brushProperty name="width" value="0.05" units="cm"/>
+      <inkml:brushProperty name="height" value="0.05" units="cm"/>
+      <inkml:brushProperty name="fitToCurve" value="1"/>
+    </inkml:brush>
+  </inkml:definitions>
+  <inkml:trace contextRef="#ctx0" brushRef="#br0">160 389 0,'0'-26'0,"0"0"16,-26 1-16,26-1 16,-26 26-16,0 0 15,0 26-15,0-1 16,26 1-16,0 26 15,0 26-15,-26-26 0,26 26 16,0-1-16,0 27 0,26-26 16,-26-1-16,26 1 15,-26-26-15,26 26 0,-26-52 16,26 26-16,0-27 16,0-25-16</inkml:trace>
+  <inkml:trace contextRef="#ctx0" brushRef="#br0" timeOffset="624">626 441 0,'0'-26'16,"26"26"-1,-26 26 1,0 0-16,0 0 0,0 0 15,26 0-15,-26 26 0,0-1 16,0 1-16,0 0 16,0 0-16,0-26 0,0 26 15,0-26-15,0 0 0,0-1 16,0 1-16,0-52 31,26 1-31,-26-1 16,26 0-16,-26-26 0,26 0 15,0 0-15,0 0 0,-26 1 16,26-1-16,0-26 16,0 26-16,-26 0 0,26 26 15,-1 0-15,1 1 16,26 25-16,-26 25 0,0 1 16,0 0-16,26 26 0,-26 0 15,26 0-15,-27 26 16,1-27-16,26 27 0,-26-26 15,26 0-15,-26 0 16,0-1-16,0 1 0,0-26 16,0 0-16,-1-26 15,1-26 1,-26 0-16,0 0 0,0-25 16,0-1-16,0-26 15,0 0-15,0 0 0,0 1 16,0-1-16,0 0 0,-26 0 15,26 1-15,0 25 16,0 0-16,0 26 0,26 0 16,0 26-1,-26 26-15,26-26 0,-26 26 16,26 0-16,0 0 0,0 26 16</inkml:trace>
+  <inkml:trace contextRef="#ctx0" brushRef="#br0" timeOffset="881">2467 467 0,'-26'0'0,"0"0"16,0 0-16,0 0 15,52-26 1,0 26-1,0 0-15,26-26 0,-1 26 16,1 0-16,0-26 16,26 26-16,-26 0 0,-1 0 15,1-26-15,-26 26 0,0 0 16,0 0 0</inkml:trace>
+  <inkml:trace contextRef="#ctx0" brushRef="#br0" timeOffset="1158">3452 156 0,'25'0'31,"1"26"-31,-26 0 16,26 0-16,0 0 0,-26 26 15,26-27-15,0 27 16,0 26-16,0-26 0,0 0 16,-26 0-16,26-1 0,-26-25 15,26 26-15,-26-26 16,0 0-16</inkml:trace>
+  <inkml:trace contextRef="#ctx0" brushRef="#br0" timeOffset="1465">3322 337 0,'-26'-25'15,"0"-27"-15,26 0 0,0 26 16,26 0-16,0 0 0,26 0 15,-26 0-15,51 26 16,-25 0-16,26 0 0,0 26 16,0 0-16,-1 0 0,1 0 15,0 26-15,-26 0 16,25-1-16,-25 1 0,-26 0 16,0 0-16,-26 0 15,-26 0-15,0-1 0,0 1 16,-51 0-16,25-26 15,-26 0-15,26 0 0,-26 0 16,27-26-16,-1 0 16,0 0-16,0-26 0,26 0 15</inkml:trace>
+  <inkml:trace contextRef="#ctx0" brushRef="#br0" timeOffset="1782">4722 260 0,'25'0'0,"1"-26"0,-26 0 16,0 0 0,-26 0-16,1 0 15,-1 26-15,0 0 16,0 0-16,0 26 0,0 0 15,0 26-15,0-26 16,26 26-16,0-27 16,0 27-16,0 0 0,0 0 15,0-26-15,26 26 0,0-26 16,0 0-16,0-1 16,26 1-16,-26 0 0,25-26 15,-25 0-15,26 0 16,-26 0-16</inkml:trace>
+  <inkml:trace contextRef="#ctx0" brushRef="#br0" timeOffset="1938">4773 415 0,'-51'-26'16,"25"26"-16,0 0 0,0 0 16,52 0-1,0 0 1,0 0-16,25 0 0,1 0 15,26 0-15,-26 0 16,26-26-16</inkml:trace>
+  <inkml:trace contextRef="#ctx0" brushRef="#br0" timeOffset="2262">5473 182 0,'0'-26'0,"0"0"15,0 0-15,0 0 0,-26 0 16,26 0-16,-26 0 15,52 26 17,-26 26-32,26 0 15,-26 0-15,0 26 0,26 0 16,-26-26-16,0 26 0,0 25 16,0-25-16,0 0 15,0 0-15,0-26 0,0 26 16,-26 0-16,26-27 15,0 1-15,26 0 0,0-26 16,0 0-16,26 0 0,25 0 16,1 0-16,26-26 15,0 26-15,-1-26 0,1 26 16,0-25-16,-27 25 16,-25 0-16,0 0 0</inkml:trace>
+</inkml:ink>
+</file>
+
+<file path=ppt/ink/ink10.xml><?xml version="1.0" encoding="utf-8"?>
+<inkml:ink xmlns:inkml="http://www.w3.org/2003/InkML">
+  <inkml:definitions>
+    <inkml:context xml:id="ctx0">
+      <inkml:inkSource xml:id="inkSrc0">
+        <inkml:traceFormat>
+          <inkml:channel name="X" type="integer" max="1920" units="cm"/>
+          <inkml:channel name="Y" type="integer" max="1080" units="cm"/>
+          <inkml:channel name="T" type="integer" max="2.14748E9" units="dev"/>
+        </inkml:traceFormat>
+        <inkml:channelProperties>
+          <inkml:channelProperty channel="X" name="resolution" value="55.81395" units="1/cm"/>
+          <inkml:channelProperty channel="Y" name="resolution" value="55.6701" units="1/cm"/>
+          <inkml:channelProperty channel="T" name="resolution" value="1" units="1/dev"/>
+        </inkml:channelProperties>
+      </inkml:inkSource>
+      <inkml:timestamp xml:id="ts0" timeString="2020-12-21T05:55:02.003"/>
+    </inkml:context>
+    <inkml:brush xml:id="br0">
+      <inkml:brushProperty name="width" value="0.05" units="cm"/>
+      <inkml:brushProperty name="height" value="0.05" units="cm"/>
+      <inkml:brushProperty name="fitToCurve" value="1"/>
+    </inkml:brush>
+  </inkml:definitions>
+  <inkml:trace contextRef="#ctx0" brushRef="#br0">19 2074 0,'-26'0'15,"52"0"32,0-26-31,-1 26 0,1 0-16,26 0 0,0-26 15,0 26-15,0 0 16,25-26-16,1 26 0,-26-25 15,0 25-15,26-26 16,-27 26-16,-25 0 0,0-26 16,0 26-16,0 0 0,0 0 15</inkml:trace>
+  <inkml:trace contextRef="#ctx0" brushRef="#br0" timeOffset="391">718 1737 0,'-26'0'0,"1"0"15,50 0 32,1 0-47,0 0 16,26 0-16,-26 26 16,26-26-16,-26 26 0,26-26 15,-26 0-15,-1 26 0,1-26 16,0 26-16,0-26 15,-26 26-15,0 0 0,0 0 16,0 0 0,-26 0-16,0-26 0,0 25 15,1 1-15,-1 0 0,0-26 16,26 26-16,-26 0 16,0-26-16,26 26 0,-26 0 15,0-26 1</inkml:trace>
+  <inkml:trace contextRef="#ctx0" brushRef="#br0" timeOffset="984">1626 1348 0,'-26'-25'16,"26"-1"-1,-26 26-15,26-26 16,26 26 0,0 0-1,-1-26-15,1 26 0,26 0 16,0 0-16,0-26 0,0 26 15,25 0-15,-25 0 16,0-26-16,0 26 0,0 0 16,-26 0-16,0-26 15,0 26-15,-1 0 0,-50 0 32</inkml:trace>
+  <inkml:trace contextRef="#ctx0" brushRef="#br0" timeOffset="1248">1859 1193 0,'0'26'16,"26"-26"-16,-26 26 15,26 0-15,-26 0 0,26 0 16,-26 25-16,25-25 15,-25 26-15,26-26 0,-26 26 16,26 0-16,-26-26 16,0 25-16,26-25 0,-26 0 15,0 26-15,0-26 0,0 0 16,0 0-16,0 0 16</inkml:trace>
+  <inkml:trace contextRef="#ctx0" brushRef="#br0" timeOffset="1853">2662 1556 0,'26'0'16,"0"-26"0,-26 0-1,0 0 1,0 0-16,-26 0 16,0 0-16,0 0 15,0 26 1,1 0-16,25 26 15,-26-26-15,26 26 16,-26 0-16,26 0 0,-26 0 16,26 26-16,0-26 15,0 0-15,0 25 0,0-25 16,0 0-16,0 0 0,26 0 16,0 0-1,0-26-15,-1 0 16,1 0-16,0 0 15,0 0-15,0-26 0,-26 0 16,26 26-16,0-26 0,0 0 16,-26 0-16,0 1 15,26-1-15,-26 0 0,0 0 16,0 0 0,0 52-1,0 0 1,0 0-1,26 0-15,-26-1 0,0 1 16,26 0-16,-26 0 16,26 0-16,-1-26 15,1 0 1</inkml:trace>
+  <inkml:trace contextRef="#ctx0" brushRef="#br0" timeOffset="2339">3025 1323 0,'0'-52'0,"-26"26"0,26 0 15,0 0-15,26 52 32,-26 0-32,0 0 15,26 0-15,-26 25 16,26 1-16,-26-26 0,26 26 15,-26 0-15,0 0 0,26-26 16,-26 25-16,0-25 16,0 0-16,0 26 0,0-26 15,0 0 1,0 0-16,0-52 31,0 0-31,0 0 16,26-26-16,-26 26 0,0 0 15,0-25-15,26 25 16,0 0-16,-1 0 0,1 26 16,0-26-16,0 26 0,26 0 15,-26 0-15,0 26 16,0-26-16,26 26 0,-52 0 16,26 0-16,-1-26 15,-25 26-15,0-1 0,-25 1 16,-1 0-1,0-26-15,0 26 0,-26-26 16,0 26-16,26-26 0,-26 26 16,26-26-16,1 0 15,-1 0-15,0-26 0</inkml:trace>
+  <inkml:trace contextRef="#ctx0" brushRef="#br0" timeOffset="2646">3699 1012 0,'26'0'0,"-26"-26"0,26 26 15,-26-26-15,26 26 0,0 0 16,-26 26-1,26 0-15,-26-1 0,0 1 16,26 0-16,-26 26 0,0 0 16,0 0-16,25 0 15,-25-1-15,0 1 0,0 0 16,26-26-16,-26 26 16,0-26-16,0 0 0,26 0 15,-26 0-15,26-1 16</inkml:trace>
+  <inkml:trace contextRef="#ctx0" brushRef="#br0" timeOffset="3108">4243 1426 0,'-26'0'0,"0"0"16,52 0 31,0 26-32,0-26-15,26 0 16,-26 0-16,0-26 16,0 26-16,0-26 0,26 26 15,-27-26-15,1 26 16,0-26-16,0 1 15,-26-1 1,-26 0-16,0 26 16,0 0-16,1-26 0,-27 26 15,26 0-15,0 0 16,-26 0-16,26 0 0,0 26 16,0 0-16,0 25 15,26-25-15,-26 0 16,26 26-16,0 0 0,0-26 15,0 0-15,26 26 16,-26-26-16,26-1 0,0 1 16,0-26-16,26 26 15,-26-26-15,26 0 0,0-26 16,-1 26-16,1-26 0</inkml:trace>
+  <inkml:trace contextRef="#ctx0" brushRef="#br0" timeOffset="3473">5073 1193 0,'-26'0'15,"0"26"-15,52-26 47,-26-26-47,26 26 16,0 0-16,0 0 0,-1 0 15,1-26-15,26 26 0,-26 0 16,0 0-16,26 0 16,-26 0-16,0 0 0,0 0 15,-26-26-15</inkml:trace>
+  <inkml:trace contextRef="#ctx0" brushRef="#br0" timeOffset="4368">6369 1012 0,'26'0'16,"-26"-26"-1,0 0 1,0 0-16,0 0 16,-26 0-1,0 0-15,0 0 16,0 26-16,0-26 16,0 26-16,0 0 15,0 0-15,0 26 16,0 0-16,26 0 15,-26 26-15,26 0 0,-26-1 16,26 1-16,-25 0 16,25 0-16,0-26 0,0 26 15,25-26-15,1 0 0,0-26 16,0 0-16,0 0 16,0 0-16,26 0 0,-26-26 15,26 0-15,-26 0 16,0 0-16,-1-26 0,1 26 15,0-26-15,-26 0 0,0-25 16,0 25-16,0 0 16,0 0-16,0 0 0,-26 1 15,26-1-15,0 0 16,0 26-16,0 0 0,0 0 16,0 52-1,0 0-15,0 0 16,0 26-16,26 0 0,-26-1 15,0 1-15,0 0 0,26 0 16,-26 0-16,0 0 16,0-1-16,26 1 0,-26 0 15,0 0-15,26-26 16,-26 0-16,0 0 0,26-26 16</inkml:trace>
+  <inkml:trace contextRef="#ctx0" brushRef="#br0" timeOffset="4782">6887 856 0,'-26'0'47,"0"0"-31,0 26-16,0 0 15,26 0 1,0 0-16,-26 0 0,26 0 16,0-1-16,0 27 15,26-26-15,-26 0 0,26 0 16,0-26-16,-26 26 0,26-26 16,0 26-16,0-26 15,0 0-15,0-26 0,0 26 16,0-26-16,-1 0 15,1-26-15,-26 26 0,26-25 16,-26 25-16,0-26 0,0 0 16,0 26-16,0-26 15,0 26-15,-26 0 0,0 26 16,1 0 0,-1 26-16,0 0 15,26 0-15,-26-26 0,26 26 16,0 0-16,26-26 15</inkml:trace>
+  <inkml:trace contextRef="#ctx0" brushRef="#br0" timeOffset="5478">7846 726 0,'0'-25'31,"0"50"16,0 1-31,0 26-16,0-26 0,0 0 15,0 26-15,0-26 16,0 0-16,0 26 0,0-27 15,26 1-15,-26 0 16,26-26-16,0 26 0,0-26 16,0 0-16,-1 0 15,1-26-15,0 0 16,0 0-16,-26 1 0,26-1 16,-26-26-16,0 0 15,26 26-15,-26-26 0,0 0 16,0 26-16,0 1 0,0-1 15,26 26 1,-26 26 0,0-1-16,26 1 0,-26 0 15,0 26-15,26-26 16,-26 26-16,0-26 0,26 0 16,-26 26-16,26-27 15,0 1-15,-1-26 16,1 0-16,0 0 15,0 0-15,0-26 16,0 1-16,0-27 16,-26 26-16,0-26 0,26 26 15,-26-26-15,0 0 16,0 26-16,0-25 0,0-1 16,0 26-16,0 0 15,0 0-15,0 0 0,-26 26 16,0 0-1,26 26-15,-26 0 16,26 0-16,-26 0 0,26 0 16,0 0-16,0 0 15,0-1-15,0 1 0,0 0 16,26-26-16</inkml:trace>
+  <inkml:trace contextRef="#ctx0" brushRef="#br0" timeOffset="5945">8883 701 0,'-26'0'16,"52"0"30,0 0-30,0 0 0,-1 0-16,1 0 15,-26-26-15,26 26 0,0 0 16,0-26-16,-26 0 31,0 0-31,-26 26 16,26-26-16,-26 26 0,0 0 15,-25-26-15,25 26 0,0 0 16,0 0-16,0 0 16,0 0-1,26 26-15,0 0 16,0 0-16,0 26 0,0-26 16,0 25-16,0 1 0,0-26 15,0 26-15,0-26 16,26 26-16,0-26 0,0-26 15,0 26-15,25-26 16,-25 0-16,26-26 0,-26 26 16,26-52-16</inkml:trace>
+  <inkml:trace contextRef="#ctx0" brushRef="#br0" timeOffset="6389">9505 415 0,'0'-26'0,"0"1"16,0-1-1,-26 26-15,26-26 0,-26 0 16,0 0-16,0 26 16,26-26-16,-26 0 0,26 0 15,0 0-15,0 0 0,0 0 16,0 0-16,26 1 0,0-1 15,0 26-15,0-26 16,0 26-16,26 0 0,-27 0 16,1 0-16,0 0 15,0 0-15,0 26 0,0-26 16,-26 26-16,26-1 16,-26 1-16,0 0 0,0 0 15,0 0-15,-26 0 0,26 0 16,-26 0-16,26 26 15,-26-26-15,0 0 0,26-1 16,0 1-16,-26 26 16,26-26-16,0 0 0,0 0 15,0 0-15,0 0 0,0 0 16,0 0 0,0 0-16,0 0 0,0-1 15</inkml:trace>
+  <inkml:trace contextRef="#ctx0" brushRef="#br0" timeOffset="6587">9660 908 0,'26'0'31,"-26"-26"-31,26 26 15</inkml:trace>
+  <inkml:trace contextRef="#ctx0" brushRef="#br0" timeOffset="29012">2092 2437 0,'0'-26'0,"26"26"31,-26 26 16,0 0-47,0 0 15,0 0 1,0 26-16,0-26 0,26 25 16,-26 1-16,0 0 0,0 0 15,0 0-15,0 0 16,0-1-16,-26-25 0,26 26 16,0-26-16,0 0 0,0 0 15,26 0 1,0-26-16,0 0 15,0 0 1,0 0-16,-1 0 0,1-26 16,0 26-16,0 0 0,0-26 15,26 26-15,-26 0 16,0-26-16,0 26 0,0 0 16,-26-26-16,26 26 15,0 0-15</inkml:trace>
+  <inkml:trace contextRef="#ctx0" brushRef="#br0" timeOffset="29509">2662 2670 0,'-26'0'32,"26"26"-1,26 0-15,-26 0-16,0 0 15,0 0-15,0 0 0,26 0 16,-26 0-16,26 0 15,-26-1-15,26 1 0,-26 0 16,26-26-16,0 0 0,0 26 16,0-26-16,0 0 15,0-26-15,25 26 16,-25-26-16,0 0 0,0 1 16,0-1-16,-26 0 0,26 0 15,-26 0-15,0 0 0,-26-26 16,26 26-16,-26 0 15,0 26-15,0-26 0,0 26 16,0-26-16,1 26 16,-1 0-16,0 26 0,0-26 15,0 26-15,26 0 16,-26-26-16,26 26 0,0 0 16,0 0-1</inkml:trace>
+  <inkml:trace contextRef="#ctx0" brushRef="#br0" timeOffset="29977">3492 2593 0,'0'-26'0,"0"0"15,-26 26-15,0-26 16,0 26 0,0-26-16,0 26 15,26 26-15,-26 0 16,0 26-16,26-27 16,0 1-16,-26 26 15,26-26-15,0 26 0,0-26 16,26 26-16,-26-26 0,26 0 15,0-1-15,26 1 16,-26-26-16,0 0 16,0 0-16,25 0 15,-25-26-15,0 26 0,0-25 16,0-1-16,0 0 0,-26 0 16,0 0-16,0 0 15,0 0-15,0-26 0,-26 26 16,0 0-16,0 0 0,0 26 15,0-25-15,1 25 16,-1 0-16,0 0 0,0 0 16,0 25-16,0 1 15,26 0-15,0 0 16</inkml:trace>
+  <inkml:trace contextRef="#ctx0" brushRef="#br0" timeOffset="30535">3932 2489 0,'-26'-26'0,"0"26"15,1 0-15,25-26 16,-26 26-16,26 26 15,0 0-15,26 0 16,-1 0-16,-25 26 16,26-27-16,0 53 0,-26-26 15,26 0-15,0 26 0,-26-27 16,0 27-16,26-26 16,-26 0-16,0 0 0,0-26 15,0 26-15,0-27 16,0 1-16,0 0 15,0-52 1,0 0-16,-26-25 16,26 25-16,0-26 0,0-26 15,-26 26-15,26-26 16,0 1-16,0 25 0,0 0 16,0 0-16,0 26 0,26 0 15,0 0-15,0 26 16,0 0-16,0 0 0,0 26 15,26-26-15,-27 26 16,1-26-16,0 26 0,0-26 16,0 26-16,-26 0 0,0 0 15,0 0 1,-26 0-16,0-26 0,0 26 16,-25 0-16,25 0 15,-26-26-15,26 25 0,0-25 16,0 0-16,0 26 15</inkml:trace>
+  <inkml:trace contextRef="#ctx0" brushRef="#br0" timeOffset="31040">4865 2463 0,'0'-26'0,"-26"0"16,26 0 0,-26 26-16,26 26 31,0 0-16,-25 0-15,25 0 0,0 26 16,0-26-16,-26 25 0,26-25 16,0 26-16,0 0 15,26-26-15,-1 0 0,-25 0 16,26 0-16,0 0 16,26-26-16,-26 0 0,0 0 15,26 0-15,-26 0 0,0-26 16,26 0-16,-27 0 15,-25 0-15,26-26 0,-26 26 16,0-26-16,-26 26 16,1-25-16,25 25 0,-26 0 15,-26 0-15,26 0 0,0 0 16,0 26-16,0 0 16,0 0-16,0 26 15,26 0 1,-26-26-16,26 26 0,0 0 15</inkml:trace>
+  <inkml:trace contextRef="#ctx0" brushRef="#br0" timeOffset="31473">5254 2411 0,'0'-26'16,"0"0"-16,0 0 31,26 26-15,0 26-16,0 0 0,0 0 16,0 0-16,0 0 15,25 0-15,-25 0 0,0 26 16,0-26-16,-26-1 0,26 27 15,-26-26-15,26 0 16,-26 0-16,26 0 16,-26-52 15,0 0-31,0 0 0,0-26 16,0 26-16,-26-25 15,26-1-15,0 0 0,0 26 16,0-26-16,0 26 0,0 0 15,26 0-15,0 26 16,0 0 0,0 0-16,0 0 15,0 26-15,-1-26 16</inkml:trace>
+  <inkml:trace contextRef="#ctx0" brushRef="#br0" timeOffset="31963">6135 2411 0,'-26'0'16,"0"0"0,1 0-16,25 26 46,25-26-46,1 0 16,0 0 0,0 26-16,0-26 15,0 0-15,0-26 0,0 26 16,0 0-16,-26-26 16,26 0-16,0 0 15,-26 0-15,0 0 16,-26 1-16,26-1 0,-26 26 15,0-26-15,0 0 16,0 26-16,-26 0 0,26 0 16,0 0-16,0 0 0,-25 0 15,25 26-15,26 0 16,-26 0-16,26-1 0,0 27 16,0-26-16,26 26 0,0-26 15,0 26-15,-1-26 16,1 26-16,0-27 0,26 1 15,-26 0-15,0 0 16,26-26-16,0 0 0,-26 0 16,25 0-16,-25-26 0,26 0 15,-26-25-15</inkml:trace>
+  <inkml:trace contextRef="#ctx0" brushRef="#br0" timeOffset="32623">6654 2230 0,'-26'0'0,"0"0"15,26-26-15,-26 26 0,26-26 32,26 26-17,0 0-15,0 0 16,-26 26-16,26-26 16,0 26-16,-1 0 0,1 0 15,0-1-15,-26 1 0,26 0 16,0 0-16,-26 0 15,26 0-15,-26 0 16,0 0 0,-26-26-1,0 0 1,26-26-16,-26 0 16,26 0-16,0 0 0,0 0 15,0-26-15,0 27 16,26-27-16,-26 0 0,26 26 15,0 0-15,0 0 0,0 0 16,0 26 0,0 0-16,0 26 15,0-26 1,-26 26-16,0 0 16</inkml:trace>
+  <inkml:trace contextRef="#ctx0" brushRef="#br0" timeOffset="33146">7820 1893 0,'0'-26'0,"-26"0"15,26 0 1,26 52-1,-26 0 1,26 0-16,-26 26 16,26-26-16,-26 25 0,26 1 15,-26-26-15,26 26 0,-26 0 16,26-26-16,-26 26 16,0-27-16,26 1 0,-26 0 15,25-26 1</inkml:trace>
+  <inkml:trace contextRef="#ctx0" brushRef="#br0" timeOffset="33572">7924 2074 0,'0'-26'0,"-26"26"16,52 0 15,0 0-16,0 0 1,-1 0-16,1-26 16,26 26-16,-26 0 0,0 0 15,0-26-15,0 26 16,0-25-16,0 25 0,-26-26 16,0 0-1,-26 0 1,26 0-16,-26 0 0,0 0 15,26 0 1,-26 26-16,26 26 31,0 0-31,0 0 16,0 0-16,26 26 0,-26-26 16,0 25-16,26-25 15,-26 26-15,0-26 0,26 26 16,-26-26-16,0 0 0,0 0 15,26 0-15,-26-1 16,26-25-16,0 0 16</inkml:trace>
+  <inkml:trace contextRef="#ctx0" brushRef="#br0" timeOffset="33884">8572 1841 0,'0'-26'16,"0"0"-16,0 0 16,-26 26-1,0 0 1,26 26 15,-26 0-31,26 0 0,0 0 16,0 0-16,0 0 15,0 0-15,0 25 0,0-25 16,0 0-16,26 26 16,-26-26-16,0 26 0,26-26 15,-26 0-15,0 0 0,26-26 16,-26 26-16,26-26 16,-26 25-16,25-25 15</inkml:trace>
+  <inkml:trace contextRef="#ctx0" brushRef="#br0" timeOffset="35223">9064 1737 0,'26'0'16,"-26"-26"15,-26 26 1,0 0-17,0 26 1,26 0-16,-26 0 0,0 26 15,1-26 1,25 0-16,0 0 0,0 26 16,0-27-16,0 1 0,0 0 15,0 0-15,25 0 16,1 0-16,0-26 16,0 0-16,0 0 15,0 0-15,26 0 0,-26-26 16,0 26-16,0-26 0,-26 0 15,26 0-15,-26 0 16,0 1-16,-26 25 16,0-26-16,0 26 15,0-26-15,0 26 0,-26 0 16,26 0-16,0 0 0,0 0 16,0 0-16,1 0 15,-1 0-15,52 0 31,-1 0-31,1 0 16,0 0-16,0-26 0,0 26 16,26 0-16,-26-26 15,26 0-15,-26 26 0,0-26 16,-1 26-16,1-26 0,0 26 16,0 0-16,-26-26 15,0 0 1,0 0 15,0 52 0,0 0-15,0 0 0,26-26-16,-26 52 0,0-26 15,0 0-15,0 0 16,0 26-16,0-27 0,0 1 15,0 0-15,0 0 16,26-26 0,-26-26-1,0 0 1,26-25-16,-26 25 16,0 0-16,0-26 0,0 0 15,0 0-15,0 0 16,26 26-16,-26-25 0,26-1 15,-26 26-15,26 0 0,0 0 16,0 26-16,-1 0 16,1 0-16,0 26 0,-26 0 15,26 0-15,0 0 16,-26 0-16,0-1 0,0 1 16,0 0-16,0 0 0,-26 0 15,0 0-15,0 0 16,0 0-16,1 0 0,-1-26 15,0 26-15,0-26 16,0 0-16,26-26 16,26 26-1,0-26 1,0 26-16,0 0 0,-1 0 16,1 0-16,0 26 15,0-26-15,-26 26 0,26 0 16,0-26-16,0 26 0,-26 0 15,26-1-15,0-25 16,-26 26-16,26-26 0,0 0 16,0 0-16,-1 0 15,1 0-15,0 0 16,0-26-16,0 1 16,-26-1-16,0 0 15,0 0-15,0 0 16,0 0-1,-26 26 1,0 0 15,26 26-31,-26-26 0,0 0 16</inkml:trace>
+</inkml:ink>
+</file>
+
+<file path=ppt/ink/ink11.xml><?xml version="1.0" encoding="utf-8"?>
+<inkml:ink xmlns:inkml="http://www.w3.org/2003/InkML">
+  <inkml:definitions>
+    <inkml:context xml:id="ctx0">
+      <inkml:inkSource xml:id="inkSrc0">
+        <inkml:traceFormat>
+          <inkml:channel name="X" type="integer" max="1920" units="cm"/>
+          <inkml:channel name="Y" type="integer" max="1080" units="cm"/>
+          <inkml:channel name="T" type="integer" max="2.14748E9" units="dev"/>
+        </inkml:traceFormat>
+        <inkml:channelProperties>
+          <inkml:channelProperty channel="X" name="resolution" value="55.81395" units="1/cm"/>
+          <inkml:channelProperty channel="Y" name="resolution" value="55.6701" units="1/cm"/>
+          <inkml:channelProperty channel="T" name="resolution" value="1" units="1/dev"/>
+        </inkml:channelProperties>
+      </inkml:inkSource>
+      <inkml:timestamp xml:id="ts0" timeString="2020-12-21T05:55:45.942"/>
+    </inkml:context>
+    <inkml:brush xml:id="br0">
+      <inkml:brushProperty name="width" value="0.05" units="cm"/>
+      <inkml:brushProperty name="height" value="0.05" units="cm"/>
+      <inkml:brushProperty name="fitToCurve" value="1"/>
+    </inkml:brush>
+  </inkml:definitions>
+  <inkml:trace contextRef="#ctx0" brushRef="#br0">31 131 0,'-26'0'0,"26"-26"0,0 0 16,0 0 15,26 26-31,-26-26 15,26 26-15,0 0 16,0 0-16,0-26 0,-1 26 16,27 0-16,-26 0 0,0 0 15,26 0-15,-26 0 16,26 26-16,-26-26 0,0 26 16,-1-26-16,1 26 15,-26 0-15,0 0 16,0-1-16,0 1 0,-26 0 15,1 0-15,-1 0 16,0 0-16,-26 26 0,26-26 16,-26 0-16,26 0 15,-26 0-15,26 0 0,1-1 16,-1 1-16,0 0 16,26 26-16,0-26 15,0 0-15,0 0 0,0 0 16,26 0-16,0 0 0,-1 0 15,1-26-15,0 25 16,0 1-16,0-26 0,26 0 16,-26 26-16,26-26 15,-26 0-15,25 26 0,-25-26 16,26 0-16,-26 0 16,0-26-16,0 26 0,0 0 15,0-26-15,0 26 0,0-26 16,-26 1-1,-26 25 1,0 0-16,0 0 16,0 0-16,0 0 15,-26 25-15,26 1 0,0-26 16,-25 26-16,25 0 16,-26 0-16,26 0 0,0 0 15,0 26-15,26-26 16,0 0-16,0 0 0,0-1 15,0 1-15,26 26 0,0-26 16,0 0 0,0 0-16,0 0 0,0-26 15,-1 26-15,1 0 16,0-26-16,0 26 16,0-26-16,0 0 0,0 26 15,0-1 1,-26 1-16,26 0 15,-26 0-15,0 0 16,-26 0-16,0 0 16,26 0-16,-26 0 0,-26 0 15,26 0-15,0 0 16,-25-26-16,25 26 0,-26-1 16,0-25-16,26 0 0,0 0 15,-26 0-15,26 0 16,0 0-16,1 0 0,-1-25 15,0 25 1,0-26-16</inkml:trace>
+</inkml:ink>
+</file>
+
+<file path=ppt/ink/ink12.xml><?xml version="1.0" encoding="utf-8"?>
+<inkml:ink xmlns:inkml="http://www.w3.org/2003/InkML">
+  <inkml:definitions>
+    <inkml:context xml:id="ctx0">
+      <inkml:inkSource xml:id="inkSrc0">
+        <inkml:traceFormat>
+          <inkml:channel name="X" type="integer" max="1920" units="cm"/>
+          <inkml:channel name="Y" type="integer" max="1080" units="cm"/>
+          <inkml:channel name="T" type="integer" max="2.14748E9" units="dev"/>
+        </inkml:traceFormat>
+        <inkml:channelProperties>
+          <inkml:channelProperty channel="X" name="resolution" value="55.81395" units="1/cm"/>
+          <inkml:channelProperty channel="Y" name="resolution" value="55.6701" units="1/cm"/>
+          <inkml:channelProperty channel="T" name="resolution" value="1" units="1/dev"/>
+        </inkml:channelProperties>
+      </inkml:inkSource>
+      <inkml:timestamp xml:id="ts0" timeString="2020-12-21T05:56:25.100"/>
+    </inkml:context>
+    <inkml:brush xml:id="br0">
+      <inkml:brushProperty name="width" value="0.05" units="cm"/>
+      <inkml:brushProperty name="height" value="0.05" units="cm"/>
+      <inkml:brushProperty name="fitToCurve" value="1"/>
+    </inkml:brush>
+  </inkml:definitions>
+  <inkml:trace contextRef="#ctx0" brushRef="#br0">52 155 0,'26'0'16,"0"-25"-1,0 25-15,26 0 16,-26 0 0,0 0 30,-1 0-30,1-26-16,0 26 16,26 0-1,-26-26-15,26 26 0,0 0 16,-26-26-16,51 26 0,-25 0 16,0-26-16,0 26 15,-26 0-15,26 0 0,-26 0 16,0-26-16,-1 26 15,1 0-15,0 0 16,-26 26 31,-26-26-47,26 26 16,0 0-16,-26-26 15,26 52-15,0-27 0,0 1 16,0 26-16,0 0 15,26 0-15,-26 0 0,0-26 16,26 25-16,-26 27 16,0-26-16,0 0 0,26 0 15,-26 0-15,0-1 0,0 1 16,26 0-16,-26 26 16,0-26-16,0 0 0,0 25 15,26-25-15,-26 26 16,0 0-16,0-27 0,0 27 15,0 0-15,0 0 0,0-1 16,0-25-16,0 26 16,0 0-16,0-26 0,0-1 15,0 1-15,0 26 16,0-52-16,0 26 0,0 0 16,0 0-16,0-27 0,0 27 15,26-26-15,-26 0 16,0 0-16,0 0 0,0 0 15,0 0-15,26 0 16,-26 0-16,0 0 0,0-1 16,0 1-16,0 0 31,0 0-15,0 0 15,-26-26 47,0 0-62,26-26-16,-26 26 15,0 0-15,0 0 0,0 0 16,-25 0-16,-1 26 15,-26-26-15,26 0 0,-26 0 16,1 26-16,-1-26 0,26 0 16,-26 0-16,26 26 15,1-26-15,-1 0 0,26 0 16,0 0-16,0 26 16,0-26-16,0 0 0,0 0 15,0 0 1</inkml:trace>
+</inkml:ink>
+</file>
+
+<file path=ppt/ink/ink13.xml><?xml version="1.0" encoding="utf-8"?>
+<inkml:ink xmlns:inkml="http://www.w3.org/2003/InkML">
+  <inkml:definitions>
+    <inkml:context xml:id="ctx0">
+      <inkml:inkSource xml:id="inkSrc0">
+        <inkml:traceFormat>
+          <inkml:channel name="X" type="integer" max="1920" units="cm"/>
+          <inkml:channel name="Y" type="integer" max="1080" units="cm"/>
+          <inkml:channel name="T" type="integer" max="2.14748E9" units="dev"/>
+        </inkml:traceFormat>
+        <inkml:channelProperties>
+          <inkml:channelProperty channel="X" name="resolution" value="55.81395" units="1/cm"/>
+          <inkml:channelProperty channel="Y" name="resolution" value="55.6701" units="1/cm"/>
+          <inkml:channelProperty channel="T" name="resolution" value="1" units="1/dev"/>
+        </inkml:channelProperties>
+      </inkml:inkSource>
+      <inkml:timestamp xml:id="ts0" timeString="2020-12-21T05:56:40.721"/>
+    </inkml:context>
+    <inkml:brush xml:id="br0">
+      <inkml:brushProperty name="width" value="0.05" units="cm"/>
+      <inkml:brushProperty name="height" value="0.05" units="cm"/>
+      <inkml:brushProperty name="fitToCurve" value="1"/>
+    </inkml:brush>
+  </inkml:definitions>
+  <inkml:trace contextRef="#ctx0" brushRef="#br0">2671 217 0,'-26'0'0,"0"-25"0,0 25 16,0 0-16,1-26 0,-27 26 15,0 0-15,26-26 16,-26 26-16,0 0 0,0-26 16,1 26-16,25 0 15,-26 0-15,0-26 0,0 26 16,26 0-16,-26 0 0,1 0 15,25 0-15,-26 0 16,26 0-16,-26 0 0,0 0 16,0 0-16,1 0 0,-1 0 15,0 0-15,-26 26 16,26-26-16,0 0 0,-25 26 16,25-26-16,0 26 15,-26-26-15,26 26 0,1-1 16,-1-25-16,26 26 0,-26-26 15,0 26-15,0 0 16,26-26-16,-25 26 0,-1 0 16,26 0-16,-26 0 15,0 0-15,0 0 0,26 0 16,-25 0-16,-1-1 0,26 1 16,-26 26-16,26-26 15,0 0-15,0 26 0,0-26 16,0 0-16,26 26 15,-26-27-15,26 27 0,0-26 16,0 0-16,0 26 0,-25-26 16,25 0-16,0 26 15,0-26-15,0 25 0,0-25 16,0 26-16,0-26 16,0 26-16,25-26 0,-25 26 15,0-26-15,26 25 0,-26-25 16,26 26-16,-26-26 15,26 26-15,0-26 0,0 0 16,0 0-16,26 26 16,-26-27-16,26 1 0,-27 0 15,27 0-15,0 0 0,0 0 16,0 0-16,0 0 16,-1 0-16,1 0 0,0-26 15,0 26-15,0-26 16,0 26-16,-1-26 0,1 25 15,26-25-15,-26 26 0,0-26 16,0 26-16,-1-26 16,1 26-16,0-26 0,0 26 15,0-26-15,0 26 16,-1-26-16,27 0 0,-26 26 16,0-26-16,26 0 0,-27 26 15,27-26-15,0 0 16,-26 0-16,26 0 0,-1 26 15,1-26-15,0 0 0,0 0 16,-1 0-16,1 0 16,0 0-16,0 0 0,-27 0 15,27 0-15,0 0 16,0-26-16,-1 26 0,1 0 16,-26-26-16,26 26 0,-26-26 15,25 26-15,-25 0 16,0-26-16,0 26 0,0-26 15,0 26-15,-1-26 16,1 0-16,0 26 0,-26-26 16,52 1-16,-26-1 0,-1 0 15,1 0-15,0 0 16,0 0-16,0 0 0,0 0 16,-1 0-16,-25 0 15,26 0-15,-26 0 0,0 1 16,-26-1-16,26 0 15,-26 0-15,0-26 0,0 26 16,0-26-16,0 0 0,0 1 16,0-1-16,-26 0 15,26 0-15,-26-26 0,0 26 16,26 1-16,-26-1 0,0 0 16,0 0-16,1 26 15,-27-26-15,26 0 0,-26 1 16,26 25-16,-26-26 0,26 0 15,-26 0-15,1 26 16,25-26-16,-26 27 0,26-27 16,-26 26-16,26-26 15,-26 26-15,1 0 0,25 0 16,-26 0-16,0 26 16,26-26-16,-26 0 0,0 26 15,0-25-15,1 25 0,-1-26 16,0 0-16,-26 26 15,26-26-15,1 26 0,-27-26 16,26 26-16,-26-26 16,0 26-16,1-26 0,-1 26 15,0-26-15,0 26 0,1 0 16,-1 0-16,26 0 16,-26 0-16,26 0 0,1 0 15,-1 0-15,26 26 16,0-26-16,-26 26 0,26 0 15,0-26-15,26 26 16,-26-26-16,26 26 16,0 0-16</inkml:trace>
+  <inkml:trace contextRef="#ctx0" brushRef="#br0" timeOffset="1229">3941 1954 0,'-26'0'16,"26"26"15,26 0-31,-26 0 16,0 0-16,26 0 15,-26-1-15,26 27 0,-26-26 16,0 0-16,0 26 0,26 0 16,-26-26-16,26 26 15,-26-1-15,26 1 0,0 0 16,-26 0-16,51 0 16,-25 0-16,0-1 0,26 27 15,-26-26-15,26 26 0,-26-26 16,0 25-16,26 1 15,-27 0-15,27 0 0,-26-27 16,0 27-16,0 0 16,0-26-16,0 26 0,0-1 15,0-25-15,0 26 16,0-26-16,-1 0 0,27 25 16,-26-25-16,0 0 0,0 0 15,26 0-15,-26 25 16,0-25-16,0 0 0,0 0 15,0 26-15,-1-26 16,1-1-16,0 27 0,0-26 16,0 26-16,0-26 0,0-1 15,0 1-15,0 0 16,26 0-16,-26 0 0,-1 0 16,1-26-16,0 25 0,0-25 15,0 26-15,0-26 16,0 0-16,0 26 0,0-26 15,0 0-15,0 25 16,0-25-16,-1 0 0,1 0 16,0 26-16,0-26 0,0 0 15,0 0-15,0 0 16,0 0-16,0 0 0,0-1 16,0 1-16,0 0 15,-1 0-15,1 0 0,0 0 16,-26 0-16,26 0 0,0 0 15,0 0-15,-26 0 16,26 0-16,0 0 0,0-26 16,0 25-16,0 1 15,0 0-15,0-26 16,-26 26-16,25-26 0,-25 26 16,26-26-16,-26 26 15,26-26-15,-26 26 16,0-52 15</inkml:trace>
+  <inkml:trace contextRef="#ctx0" brushRef="#br0" timeOffset="1968">6377 6023 0,'0'-26'15,"0"52"32,0 0-31,0 0 0,26 0-16,-26 0 15,0 0-15,26-26 16,-26 26-16,26 0 0,-26 0 15,26-1-15,-26 1 0,26 0 16,-26 0-16,26-26 16,-26 52-16,26-26 0,-26 0 15,26 0-15,-26 0 16,26 0-16,-26 0 0,26-1 16,-26 1-1,0 0-15,0 0 16,-26-26 15,0 0 0,0 0-31,0 0 16,0 0-16,0 0 16,0 0-16,0 26 15,0-26-15,0 0 0,-25 0 16,25 26-16,0-26 0,0 0 15,0 0-15,0 26 16,0-26-16,0 0 16,0 0-1,26 26 32</inkml:trace>
+</inkml:ink>
+</file>
+
+<file path=ppt/ink/ink2.xml><?xml version="1.0" encoding="utf-8"?>
+<inkml:ink xmlns:inkml="http://www.w3.org/2003/InkML">
+  <inkml:definitions>
+    <inkml:context xml:id="ctx0">
+      <inkml:inkSource xml:id="inkSrc0">
+        <inkml:traceFormat>
+          <inkml:channel name="X" type="integer" max="1920" units="cm"/>
+          <inkml:channel name="Y" type="integer" max="1080" units="cm"/>
+          <inkml:channel name="T" type="integer" max="2.14748E9" units="dev"/>
+        </inkml:traceFormat>
+        <inkml:channelProperties>
+          <inkml:channelProperty channel="X" name="resolution" value="55.81395" units="1/cm"/>
+          <inkml:channelProperty channel="Y" name="resolution" value="55.6701" units="1/cm"/>
+          <inkml:channelProperty channel="T" name="resolution" value="1" units="1/dev"/>
+        </inkml:channelProperties>
+      </inkml:inkSource>
+      <inkml:timestamp xml:id="ts0" timeString="2020-12-21T05:53:09.843"/>
+    </inkml:context>
+    <inkml:brush xml:id="br0">
+      <inkml:brushProperty name="width" value="0.05" units="cm"/>
+      <inkml:brushProperty name="height" value="0.05" units="cm"/>
+      <inkml:brushProperty name="fitToCurve" value="1"/>
+    </inkml:brush>
+  </inkml:definitions>
+  <inkml:trace contextRef="#ctx0" brushRef="#br0">78 545 0,'0'-26'0,"-26"26"16,26-25-16,-25 25 0,25 25 15,0 1-15,0 0 16,-26 26-16,26 26 0,0 0 16,0-1-16,0 27 0,26-26 15,-1 0-15,1-1 16,0 1-16,0-26 0,26 0 15,0-26-15,0 0 16,0 0-16,25-26 0,-25-26 16,26 0-16,-26 0 0,0-26 15,-1 26-15,1-52 16,-26 26-16,0-25 0,0-1 16,-26 0-16,0 0 15,-26 1-15,26 25 0,-26-26 16,0 26-16,0 0 0,26 1 15,-26 25-15,26 0 16,26 26 15,-26 26-31</inkml:trace>
+  <inkml:trace contextRef="#ctx0" brushRef="#br0" timeOffset="371">1582 364 0,'52'-26'16,"-27"0"-1,-25 0-15,-25 26 16,-1 0 0,-26 0-16,26 26 15,-26-26-15,26 26 0,-26 0 16,0 0-16,26 0 15,1 26-15,-1-26 0,26 25 16,0-25-16,0 26 0,26 0 16,25-26-16,-25 26 15,26-26-15,0 0 0,0-1 16,0 1-16,0 0 16,-1 0-16,-25 0 0,0 0 15,-26 0-15,0 0 16,0 0-16,-26 26 0,-26-26 15,27 25-15,-27-25 0,0 0 16,0 0-16,0 0 16,0 0-16,26-26 0,0 0 15,1 0-15</inkml:trace>
+  <inkml:trace contextRef="#ctx0" brushRef="#br0" timeOffset="618">2463 753 0,'52'0'0,"-26"0"16,0 0-16,-1 0 0,27 0 16,-26 0-16,0-26 0,0 26 15,26-26-15,-26 26 16,26-26-16,0 26 0,-1-26 15,-25 26-15,26 0 16,-26 0-16,0 0 0,0 0 16</inkml:trace>
+  <inkml:trace contextRef="#ctx0" brushRef="#br0" timeOffset="954">3733 105 0,'26'-26'16,"-26"0"-16,26 26 16,-26 26-16,26-26 15,-26 26-15,26 26 0,-26-1 16,0 1-16,0 26 15,0 0-15,0 0 0,0-1 16,0 1-16,0 0 0,0-26 16,0-1-16,25 1 15,1 0-15,-26-26 0,52 0 16,-26-26-16,26 0 16,-26 0-16,52 0 0,-26 0 15,-1-26-15,27 0 0,-26 26 16,0-26-16,0 26 15,-1-26-15,-25 0 0</inkml:trace>
+  <inkml:trace contextRef="#ctx0" brushRef="#br0" timeOffset="1429">4770 312 0,'-26'0'15,"0"0"1,26 26-16,0 0 16,0 0-16,0 26 15,0-26-15,0 25 0,0 1 16,0 0-16,0 0 16,0-26-16,0 26 0,0 0 15,0-27-15,0 1 16,0 0-16,0-52 31,26 0-15,-26-25-16,26 25 0,-26-52 15,26 26-15,-26-26 16,25 1-16,1-1 0,0 0 16,0 0-16,0 27 15,0-27-15,0 26 0,26 26 16,-26 0-16,0 26 0,25 0 15,-25 0-15,0 26 16,0 0-16,0 26 0,0 0 16,0-1-16,0 1 0,0 26 15,0-26-15,0 26 16,-26-27-16,26 1 0,0 0 16,-26 0-16,25 0 15,-25 0-15,0-26 0,-25-1 16</inkml:trace>
+  <inkml:trace contextRef="#ctx0" brushRef="#br0" timeOffset="1626">4744 519 0,'-26'0'0,"26"-25"15,26 25-15,0 0 16,25-26-16,1 26 15,0-26-15,26 26 0,0-26 16,-1 26-16,27-26 0,-26 26 16,-26 0-16,0 0 15,-1 0-15</inkml:trace>
+</inkml:ink>
+</file>
+
+<file path=ppt/ink/ink3.xml><?xml version="1.0" encoding="utf-8"?>
+<inkml:ink xmlns:inkml="http://www.w3.org/2003/InkML">
+  <inkml:definitions>
+    <inkml:context xml:id="ctx0">
+      <inkml:inkSource xml:id="inkSrc0">
+        <inkml:traceFormat>
+          <inkml:channel name="X" type="integer" max="1920" units="cm"/>
+          <inkml:channel name="Y" type="integer" max="1080" units="cm"/>
+          <inkml:channel name="T" type="integer" max="2.14748E9" units="dev"/>
+        </inkml:traceFormat>
+        <inkml:channelProperties>
+          <inkml:channelProperty channel="X" name="resolution" value="55.81395" units="1/cm"/>
+          <inkml:channelProperty channel="Y" name="resolution" value="55.6701" units="1/cm"/>
+          <inkml:channelProperty channel="T" name="resolution" value="1" units="1/dev"/>
+        </inkml:channelProperties>
+      </inkml:inkSource>
+      <inkml:timestamp xml:id="ts0" timeString="2020-12-21T05:53:03.861"/>
+    </inkml:context>
+    <inkml:brush xml:id="br0">
+      <inkml:brushProperty name="width" value="0.05" units="cm"/>
+      <inkml:brushProperty name="height" value="0.05" units="cm"/>
+      <inkml:brushProperty name="fitToCurve" value="1"/>
+    </inkml:brush>
+  </inkml:definitions>
+  <inkml:trace contextRef="#ctx0" brushRef="#br0">103 856 0,'-26'0'0,"0"-26"0,0 0 16,1 26 0,25 26-1,0 25 1,25 1-16,-25 0 0,0 26 15,0 0-15,26-1 16,-26 27-16,0-26 0,0-26 16,0 25-16,0-25 15,0 0-15,0 0 0,26-26 16,-26 0-16,26-26 16</inkml:trace>
+  <inkml:trace contextRef="#ctx0" brushRef="#br0" timeOffset="618">518 856 0,'26'-26'0,"0"26"32,-26 26-32,0-1 15,0 1-15,0 26 0,0 0 16,0 0-16,0 0 15,0 0-15,0-1 0,0 1 16,0 0-16,0 0 0,0 0 16,0-26-16,0 0 15,0 0-15,0-1 0,26-50 32,-26-1-17,26 0-15,-26-26 0,25 0 16,1 0-16,-26-26 15,26 1-15,0-1 0,0 0 16,0 26-16,0 0 16,0 1-16,26 25 0,-26 0 15,0 26-15,25 0 0,-25 26 16,0 26-16,0-1 16,0 1-16,26 0 0,-26 26 15,0-26-15,0 25 16,0-25-16,0 0 0,25 0 15,-25-26-15,0 0 16,0 0-16,-26 0 0,26-26 16,0 0-16,-26-26 0,0 0 15,26 0-15,-26-26 16,26-26-16,-26 26 0,0-51 16,26 25-16,-26 0 0,0-25 15,0 25-15,0 0 16,0 0-16,0 26 0,0 1 15,26 25-15,0 26 16,-1 26-16,-25 0 16,26-1-16,0 1 0,0 0 15,0 26-15,0-26 16,0 0-16</inkml:trace>
+  <inkml:trace contextRef="#ctx0" brushRef="#br0" timeOffset="895">2462 752 0,'26'0'16,"0"0"-1,0 0 1,-1 0-16,1 0 16,26 0-16,-26 0 15,26-26-15,0 26 0,26-26 16,-27 26-16,27-26 15,0 26-15,-26 0 0,0-26 16,-1 26-16,-25 0 0,0 0 16,0 0-16,-52 0 15,0 0 1,26 26-16,-52-26 16,27 0-16,-1 0 0,0 26 15</inkml:trace>
+  <inkml:trace contextRef="#ctx0" brushRef="#br0" timeOffset="1805">3887 467 0,'-26'0'15,"0"0"-15,1-26 16,25 52 15,0 0-31,-26 0 16,26 0-16,0 25 0,0 1 15,0 0-15,0 0 16,0 0-16,0 0 0,0-1 16,0-25-16,0 0 0,0 0 15,0 0-15,0 0 16,0-52-16,0 0 16,0-26-1,0 26-15,0-25 0,0-1 16,0 0-16,0 0 0,0-26 15,0 26-15,0-25 16,0-1-16,0 26 0,0 0 16,26 0-16,-1 1 15,1 25-15,26 0 0,0 0 16,0 26-16,0 0 0,-26 26 16,25-26-16,1 26 15,-26 0-15,0 0 0,0-1 16,0 1-16,-26 0 15,-26 0-15,0 0 0,0 26 16,0-26-16,-26 0 0,27 0 16,-27 0-16,0 0 15,26-1-15,0-25 0,0 26 16,0-26-16,26 26 16,26-26-16,0 0 15,26 0-15,0 26 0,-26-26 16,25 0-16,1 26 15,0 0-15,0-26 0,-26 26 16,0 0-16,0 0 0,-26 0 16,0 0-16,0 0 15,-52-1-15,26 27 0,-26-26 16,0-26-16,0 26 16,1 0-16,-1-26 0,0 0 15,0 0-15,26 0 0,-26-26 16,26 0-16,26 0 15,-25 0-15</inkml:trace>
+  <inkml:trace contextRef="#ctx0" brushRef="#br0" timeOffset="2160">4509 389 0,'52'-26'16,"0"0"-16,0 26 0,-26-26 15,26 0-15,-26 26 0,25 0 16,-25-26-16,0 26 16,0 0-16,0 26 0,-26 0 15,26 0-15,0 0 16,-26 26-16,0 0 0,0 0 16,-26-1-16,26 27 0,-26-26 15,0 26-15,0 0 16,0-27-16,0 1 0,0 0 15,1 0-15,25-26 16,0 0-16,25-26 16,1 0-16,0-26 0,26 0 15,0 0-15,0 0 16,26 0-16,-27 0 0,1 26 16,0-26-16,26 0 15,-26 0-15,-26 1 0,25 25 16</inkml:trace>
+  <inkml:trace contextRef="#ctx0" brushRef="#br0" timeOffset="2748">5650 415 0,'-26'0'15,"26"26"16,0 0-31,0 0 0,0 0 16,26 0-16,-26 25 16,0-25-16,0 26 0,0-26 15,26 26-15,-26 0 0,0-26 16,0 25-16,0-25 16,0 0-16,0 0 0,0-52 46,0-26-46,0 27 0,0-27 16,0 0-16,0-26 16,0 26-16,0-25 0,0-1 15,26 0-15,-1-26 0,-25 53 16,26-27-16,0 26 16,0 0-16,26 26 0,-26 0 15,0 26-15,26 0 0,-26 26 16,0 0-16,0 0 15,-26 0-15,25 26 0,-25-26 16,-25 26-16,-1-27 16,0 27-16,0-26 0,0 0 15,-26 26-15,26-26 16,-26-26-16,0 26 0,26 0 16,1-26-16,-1 0 0,0 26 15,52-26 1,0 0-1,25 26-15,-25-1 0,26-25 16,0 52-16,26-26 16,-26 26-16,-1 0 0,1 0 15,-26 25-15,26-25 16,-52 26-16,0 0 0</inkml:trace>
+  <inkml:trace contextRef="#ctx0" brushRef="#br0" timeOffset="3516">596 2463 0,'-26'0'15,"26"-26"-15,26 26 32,0 0-32,-1 26 15,-25 25-15,26 1 16,0 0-16,-26 26 0,26-26 15,-26 25-15,26 1 0,-26 0 16,0 0 0,26-27-16,-26 1 0,0 0 0,26-26 15,0 0-15,0-26 16,0 0-16,26-26 16,-26 0-16,25-26 0,1 0 15,-26 1-15,26-27 16,-26 0-16,0-26 0,0 27 15,-26-1-15,0 0 16,0 0-16,0 1 0,0 25 16,-26 0-16,26 0 0,-26 26 15,26 52 1,26 0 0,-26 26-16,26-26 0</inkml:trace>
+  <inkml:trace contextRef="#ctx0" brushRef="#br0" timeOffset="3899">1762 2411 0,'0'-26'0,"26"0"16,-26 0-16,26 26 15,-26-26-15,0 0 0,0 0 16,0 0-16,-26 26 15,0 26 1,0 0 0,0 0-16,0 0 15,26 0-15,-26 0 0,26 26 16,0-26-16,0-1 0,0 27 16,26-26-16,-26 26 15,52-26-15,-26 26 0,0 0 16,0-26-16,0-1 0,0 27 15,-26-26-15,26 0 16,-26 26-16,0-26 0,-26 26 16,26-26-16,-26 0 15,0-1-15,0 1 0,-26 0 16,26 0 0,0-26-16,26-26 15</inkml:trace>
+  <inkml:trace contextRef="#ctx0" brushRef="#br0" timeOffset="4169">2773 2644 0,'52'0'0,"-26"0"15,-1 0-15,1-26 16,0 26-16,0-26 15,0 26-15,0-26 0,26 26 16,0-26-16,-26 26 16,51-26-16,-25 26 0,0 0 15,0-26-15,0 26 16,-26 0-16,0 0 0,0 0 16,-1 0-16,-50 0 31,-1 0-31</inkml:trace>
+  <inkml:trace contextRef="#ctx0" brushRef="#br0" timeOffset="4440">4095 2177 0,'0'26'32,"0"0"-17,0 26-15,26-26 16,-26 26-16,0 26 0,25-27 16,-25 1-16,0 26 15,26-26-15,-26 26 0,0-27 16,0-25-16,0 26 0,0-26 15,0 0-15</inkml:trace>
+  <inkml:trace contextRef="#ctx0" brushRef="#br0" timeOffset="4758">4017 2151 0,'26'-51'0,"0"25"16,0 26-16,25-26 0,1 26 16,0 0-16,26 0 15,0 0-15,-27 26 0,27 0 16,0 0-16,0 25 16,-26-25-16,-1 26 0,-25 0 15,0 26-15,-26-26 0,0-1 16,-26 27-16,0-26 15,-25 0-15,-1 0 0,-26 0 16,26-1-16,-26 1 16,1-26-16,25 0 0,0 0 15,0 0-15,26-26 0,0 0 16,0-26-16,0 0 16,26 0-16</inkml:trace>
+  <inkml:trace contextRef="#ctx0" brushRef="#br0" timeOffset="5141">4950 2177 0,'26'-26'0,"0"1"0,0 25 15,0-26-15,0 26 16,-1-26-16,1 26 15,0 0-15,-26 26 16,26 0 0,-26 25-16,0-25 0,0 26 15,0 0-15,0 0 16,26 0-16,-26 0 0,0-1 16,0 1-16,0-26 0,26 26 15,-26 0-15,26-26 16,0 26-16,-26-27 0,26 1 15,26 0-15,-26 0 16,-1 0-16,27-26 0,0 0 16,-26 0-16,26 0 15,0 0-15,-26 0 0,25 0 16,-25-26-16,0 26 0,-26-26 16</inkml:trace>
+</inkml:ink>
+</file>
+
+<file path=ppt/ink/ink4.xml><?xml version="1.0" encoding="utf-8"?>
+<inkml:ink xmlns:inkml="http://www.w3.org/2003/InkML">
+  <inkml:definitions>
+    <inkml:context xml:id="ctx0">
+      <inkml:inkSource xml:id="inkSrc0">
+        <inkml:traceFormat>
+          <inkml:channel name="X" type="integer" max="1920" units="cm"/>
+          <inkml:channel name="Y" type="integer" max="1080" units="cm"/>
+          <inkml:channel name="T" type="integer" max="2.14748E9" units="dev"/>
+        </inkml:traceFormat>
+        <inkml:channelProperties>
+          <inkml:channelProperty channel="X" name="resolution" value="55.81395" units="1/cm"/>
+          <inkml:channelProperty channel="Y" name="resolution" value="55.6701" units="1/cm"/>
+          <inkml:channelProperty channel="T" name="resolution" value="1" units="1/dev"/>
+        </inkml:channelProperties>
+      </inkml:inkSource>
+      <inkml:timestamp xml:id="ts0" timeString="2020-12-21T05:53:12.267"/>
+    </inkml:context>
+    <inkml:brush xml:id="br0">
+      <inkml:brushProperty name="width" value="0.05" units="cm"/>
+      <inkml:brushProperty name="height" value="0.05" units="cm"/>
+      <inkml:brushProperty name="fitToCurve" value="1"/>
+    </inkml:brush>
+  </inkml:definitions>
+  <inkml:trace contextRef="#ctx0" brushRef="#br0">0 570 0,'26'-26'15,"0"0"-15,-26 0 0,25 1 16,-25-1-16,-25 52 31,25-1-31,0 1 0,0 0 16,0 26-16,0 0 0,0 26 15,0-1-15,25 1 16,-25 0-16,0-26 0,26 26 16,-26-1-16,0-25 15,26 0-15,0-26 0,-26 26 16,52-26-16,-26-26 0,0 26 16,26-26-16,0-26 15,-1 0-15,1 0 0,0 0 16,0-26-16,0 0 15,0-26-15,-27 1 0,1-1 16,0 0-16,-26 0 0,0-25 16,0 25-16,-26 0 15,0 26-15,26-25 0,-25 51 16,25 0-16,0 0 0,25 52 31,1 0-31</inkml:trace>
+  <inkml:trace contextRef="#ctx0" brushRef="#br0" timeOffset="396">1399 415 0,'26'-26'15,"-26"0"1,0 0-16,-26 26 0,26-26 15,-26 0-15,0 26 16,26 26 0,-25 0-16,-1 0 0,0 0 15,0 0-15,0 26 0,26-1 16,-26-25-16,26 26 16,0 0-16,26-26 0,0 26 15,0-26-15,26 0 16,-27 25-16,27-25 0,0 0 15,0 0-15,0 0 16,0 0-16,-26 0 0,-1 0 16,1 0-16,-26 0 0,0 0 15,-26-1-15,1 1 16,-27 0-16,26-26 0,-26 26 16,26 0-16,-26-26 0,26 0 15,0 0-15,0 0 16,1-26-16,25 0 15</inkml:trace>
+  <inkml:trace contextRef="#ctx0" brushRef="#br0" timeOffset="666">2358 726 0,'26'0'0,"0"0"15,0 0 1,-26-26 0,26 26-1,0 0-15,0-26 0,0 26 16,26-26-16,-27 26 0,27-26 16,0 26-16,0-26 15,-26 26-15,26 0 0,-26 0 16,-52 0-1,0 26 1,0-26-16</inkml:trace>
+  <inkml:trace contextRef="#ctx0" brushRef="#br0" timeOffset="1526">3991 337 0,'26'-26'0,"-26"0"15,26 26 1,-26-26-16,26 0 0,-26 0 16,26 0-1,-26 0-15,0 1 16,-26 25-16,26-26 0,-26 26 15,0 0 1,0 0-16,0 0 0,0 26 16,0-26-16,0 25 0,1-25 15,25 26 1,-26-26-16,52 0 109,-26 26-93,0 0 171</inkml:trace>
+  <inkml:trace contextRef="#ctx0" brushRef="#br0" timeOffset="2429">4017 285 0,'26'-26'16,"-26"0"-1,0 0 1,26 26-16,-26-26 15,-26 26 1,0 0-16,0 0 16,-26 0-16,26 26 0,-25-26 15,-1 26-15,26 0 16,-26 0-16,26 0 0,-26 0 16,26 0-16,0 26 15,0-26-15,26 25 0,-25 1 16,25 0-16,0-26 0,0 26 15,0-26-15,0 26 16,25-26-16,-25-1 16,26 1-16,-26 0 15,26-26-15,0 0 47,0 0-47,26 0 16,-26 0-1,0 0-15,26 0 0,-1-26 16,1 26-16,-26 0 0,26 0 16,-26-26-16,0 26 15,0 0-15,0 0 0,0 0 16,-26 26-16,26-26 0,-26 26 16,25-26-16,-25 26 15,26-26-15,-26 26 0,26-26 16,-26 26-16,26 0 15,-26 0 1,-26 0 0,0-26-16,26 26 15,-26-26-15,-25 26 0,25-26 16,-26 26-16,26-26 16,-26 0-16,0 25 0,0-25 15,1 0-15,-1 26 16,26-26-16,-26 0 0,0 0 15,26 0-15,0 0 0,0 26 16,1-26-16,-1 0 16</inkml:trace>
+  <inkml:trace contextRef="#ctx0" brushRef="#br0" timeOffset="3000">4613 311 0,'26'0'16,"-26"26"15,0 0-16,0 26 1,-26-26-16,26 25 0,-26 1 16,26 26-16,-26-26 0,26 0 15,-26 0-15,26-1 16,0 1-16,0-26 0,-26 0 16,26 0-16,0 0 15,0 0-15,26-26 16,-26-26-16,0 0 15,26 0-15,-26 0 16,26-26-16,-26 0 0,26 1 16,0-1-16,-26-26 15,26 0-15,0 1 0,0-27 16,0 26-16,0 0 0,0 26 16,25-25-16,-25 51 15,0-26-15,0 52 0,0 0 16,0 26-16,0 0 15,-26 0-15,26 26 0,-26 25 16,0-25-16,26 26 0,-26 0 16,26-1-16,-26 1 15,26 0-15,-26 0 0,26-26 16,-1-1-16,-25 1 16,26-26-16,-26 0 0,0 0 15,0 0-15</inkml:trace>
+  <inkml:trace contextRef="#ctx0" brushRef="#br0" timeOffset="3227">4613 648 0,'-52'0'16,"26"0"-16,26 26 15,26-26 1,0-26-16,26 26 15,-26-26-15,26 26 0,0-26 16,25 26-16,-25-26 16,26 0-16,-26 26 0,0-26 15,0 26-15,-27 0 0,1 0 16,0 0-16</inkml:trace>
+</inkml:ink>
+</file>
+
+<file path=ppt/ink/ink5.xml><?xml version="1.0" encoding="utf-8"?>
+<inkml:ink xmlns:inkml="http://www.w3.org/2003/InkML">
+  <inkml:definitions>
+    <inkml:context xml:id="ctx0">
+      <inkml:inkSource xml:id="inkSrc0">
+        <inkml:traceFormat>
+          <inkml:channel name="X" type="integer" max="1920" units="cm"/>
+          <inkml:channel name="Y" type="integer" max="1080" units="cm"/>
+          <inkml:channel name="T" type="integer" max="2.14748E9" units="dev"/>
+        </inkml:traceFormat>
+        <inkml:channelProperties>
+          <inkml:channelProperty channel="X" name="resolution" value="55.81395" units="1/cm"/>
+          <inkml:channelProperty channel="Y" name="resolution" value="55.6701" units="1/cm"/>
+          <inkml:channelProperty channel="T" name="resolution" value="1" units="1/dev"/>
+        </inkml:channelProperties>
+      </inkml:inkSource>
+      <inkml:timestamp xml:id="ts0" timeString="2020-12-21T05:54:13.679"/>
+    </inkml:context>
+    <inkml:brush xml:id="br0">
+      <inkml:brushProperty name="width" value="0.05" units="cm"/>
+      <inkml:brushProperty name="height" value="0.05" units="cm"/>
+      <inkml:brushProperty name="fitToCurve" value="1"/>
+    </inkml:brush>
+  </inkml:definitions>
+  <inkml:trace contextRef="#ctx0" brushRef="#br0">106 445 0,'-25'-51'0,"-1"25"31,26-26-31,0 26 0,26 0 16,-26 0-16,25 26 15,-25-26-15,26 26 0,0 0 16,-26 26-1,0 0-15,0 26 16,0-26-16,0 26 0,0-1 16,0 1-16,-26 0 15,26 26-15,-26-26 0,26 25 16,0-25-16,-25 26 0,25 0 16,-26-26-16,26-1 15,0 1-15,0 0 0,0 0 16,0-26-16,0 0 15,0 0-15,0 0 0,26-26 16,-1 25-16,1-25 16,0 0-16,26 0 15,0-25-15,0 25 0,0-26 16,25 26-16,27-26 0,-26 26 16,25 0-16,1-26 15,26 26-15,-27 0 0,53 0 16,-26 26-16,25-26 15,1 26-15,25-26 0,0 0 16,1 26-16,-1-26 0,-25 0 16,25 0-16,-25 0 15,-1 0-15,-25 0 0,-27 0 16,1 0-16,-26 0 16,0 0-16,-27-26 0,1 26 15,0 0-15,-26-26 0,0 26 16,0 0-16,-26-26 15,26 26-15,0 0 16,-26-26 0,0 0-1,0 0 1,26 26 0,-26-26-16,0 0 15,0 0-15,26 26 16,-26-26-16,0 0 0,0 1 15,0-1-15,0-26 0,0 26 16,26 0-16,-26-26 16,0 0-16,0 26 0,25-25 15,-25-1-15,0 0 16,0 0-16,0 0 0,0 0 16,0 1-16,0-1 15,-25 0-15,25-26 0,-26 52 16,26-26-16,-26 26 0,26-25 15,-26 51-15,26-26 16,0 0-16,-26 26 47,0 0-31,0 0-1,0 26-15,-26-26 16,26 0-16,-26 0 15,-25 26-15,-1-26 0,0 0 16,-51 25-16,25-25 0,-26 26 16,-25-26-16,-1 0 15,1 26-15,-1-26 0,1 0 16,-1 26-16,27-26 16,-27 0-16,27 0 0,-1 26 15,0-26-15,1 0 0,-1 26 16,1-26-16,25 0 15,0 26-15,-25-26 0,51 26 16,-26-26-16,27 26 0,-1-26 16,26 0-16,0 26 15,0-26-15,26 0 0,0 0 16,1 0-16,-1 0 0,0 0 16,26-26 77,0 0-61,-26 26-17,26-26 1,26 52-1,-26 0-15,26-26 0,0 26 16</inkml:trace>
+  <inkml:trace contextRef="#ctx0" brushRef="#br0" timeOffset="707">3009 523 0,'26'0'0,"-26"-26"0,26 26 16,0 0-16,-26-26 15,26 26-15,0 0 31,0 26-31,0 0 16,0 0-16,-26 0 0,26 0 16,-1 26-16,1-26 15,0 25-15,0-25 0,0 26 16,-26-26-16,26 0 16,-26 26-16,26-52 0,-26 26 15,26-26-15,0-26 16,-26 0-1,26 0-15,0 0 0,0-26 16,-1 26-16,-25-25 16,26-1-16,0 26 0,0-26 15,-26 26-15,26 0 0,-26 0 16,0 0-16,0 0 16,0 52-1</inkml:trace>
+  <inkml:trace contextRef="#ctx0" brushRef="#br0" timeOffset="1279">1584 1871 0,'0'-26'16,"0"0"-16,-26 0 16,0 0-1,0 0-15,0 26 16,0 0-16,0 26 15,0-26-15,0 26 16,1-26-16,-1 52 0,26-26 16,-26 0-16,26 26 15,0-26-15,0 25 0,0-25 16,0 26-16,0-26 0,26 0 16,0 0-16,-1 0 15,1 0-15,26-26 0,0 0 16,0 0-16,0 0 15,0-26-15,-1 0 0,1 26 16,0-26-16,-26 0 0,26 26 16,-52-26-16,0 0 15</inkml:trace>
+  <inkml:trace contextRef="#ctx0" brushRef="#br0" timeOffset="2221">1610 2778 0,'26'0'15,"-26"-26"-15,0 0 0,0 0 16,0 0 0,-26 0-1,0 26-15,0 0 16,0 0-16,0 0 16,0 0-16,0 26 0,0-26 15,0 26-15,26 26 16,-26-26-16,1 26 0,25-26 15,-26 26-15,26-1 0,0 1 16,0 0-16,26 0 16,-26 0-16,25-26 0,1 0 15,0 0-15,0-1 0,0 1 16,0-26-16,0 0 16,26 0-16,-26 0 0,0 0 15,0-26-15,-1 1 0,1 25 16</inkml:trace>
+  <inkml:trace contextRef="#ctx0" brushRef="#br0" timeOffset="3360">2024 3037 0,'0'-26'31,"26"26"-31,-26-26 16,0 0-1,0 1-15,0-1 16,0 0-16,0 0 16,0 0-16,-26 26 0,26-26 15,-26 26-15,1 0 16,25 26-16,-26 0 15,26 0-15,0 0 16,-26 0-16,26-1 0,0 27 16,0-26-16,0 0 0,0 26 15,0-26-15,26 0 16,-26 0-16,26-26 16,-1 0-1,1 0 1,-26-26-16,26 0 0,0 26 15,-26-26-15,0 0 16,26 0-16,-26 0 16,0 0-1,0 52 1,0 0 0,26 0-16,-26 0 15,26 0-15,0 0 0,-26 0 16,26 0-16,0 0 15,0-26-15,-26 25 0,26-25 16,-1 0-16,1 0 16,0-25-16,-26-1 15,26 0-15,0 0 0,-26 0 16,26-26-16,-26 26 16,26-26-16,-26-25 0,0 25 15,0 0-15,0-26 0,0 26 16,-26 0-16,26 1 15,-26 25-15,26 0 0,-26 26 16,26 26 0,0 0-16,0 25 0,0 1 15,0 0-15,0 26 0,0-26 16,0 25-16,0-25 16,26 0-16,-26 0 0,26 0 15,-26-26-15,0 0 0,26 0 16,-26-1-1,26-25-15,-26-25 16,0-1-16,-26-26 16,26 26-16,-26 0 15,26 0-15,-26 0 0,0 0 16,26 0-16,0 0 16,-26 26-16,52 0 31,0 26-31,0-26 15,0 0-15,0 0 0,26 0 16,-26 0-16,26 0 16,-1 0-16,-25 0 0,26 0 15,0 0-15,0 0 16,-26-26-16,26 26 0,-27-26 16,1 26-16,0-25 0,0 25 15,-26-26 1,-26 0-16,0 26 15,0 0 1,1 0-16,-1 0 0,0 0 16,0 0-16,26 26 15,-26 0-15,0-1 0,26 1 16,0 0-16,0 26 0,0-26 16,0 26-16,26-26 15,0 26-15,0-26 0,0-26 16,25 25-16,-25-25 0,26 0 15</inkml:trace>
+  <inkml:trace contextRef="#ctx0" brushRef="#br0" timeOffset="4056">2076 2000 0,'-26'-25'16,"26"-1"-1,0 52 16,0-1-15,26 1-16,-26 0 16,0 0-16,0 0 0,26 0 15,-26 0 1</inkml:trace>
+  <inkml:trace contextRef="#ctx0" brushRef="#br0" timeOffset="4235">2050 1715 0,'-26'-26'16,"26"1"-16,0-1 0,0 52 47,26-1-32</inkml:trace>
+  <inkml:trace contextRef="#ctx0" brushRef="#br0" timeOffset="4469">2258 1689 0,'26'0'0,"-26"-25"15,25 25 1,-25 25-1,26-25-15,-26 26 16,0 0-16,26 0 16,0 0-16,-26 0 0,26 26 15,0-26-15,-26 0 0,26 26 16,-26-27-16,0 1 16,0 0-16,26 0 0,-26 0 15,0 0 1</inkml:trace>
+  <inkml:trace contextRef="#ctx0" brushRef="#br0" timeOffset="5149">2413 2104 0,'-26'-26'16,"0"0"-16,26 0 15,-26 0-15,0 26 0,26-25 16,-25-1-16,25 0 16,25 26-1,1 0 1,0 0-16,0 0 15,0 0-15,0 0 0,26 0 16,-26 0-16,0 0 16,26 0-16,-26-26 0,-1 26 15,1 0-15,0-26 16,0 26-16,0-26 16,0 26 30,-26 26-30,0 0 0,26-26-16,0 26 15,0 0 1,0-26-16,0 0 16,0 0-1,-1 0 1,-25-26-16,26 26 0,-26-26 15,0 0-15,26 0 16,-26 0-16,0 0 16,0 0-16,0 0 15,26 52 1,-26 0-16,0 0 16,26 0-16,-26 26 15,26 0-15,0-1 0,0 27 16,-26-26-16,26 0 15,-26 0-15,0 0 0,0-1 16,0-25-16,0 26 0,-26-26 16,0 0-1,0-26-15,0 0 0,0 0 16,0-26-16,0 0 16,26 0-16,-26-26 0,26 26 15,0-25-15,0-1 0,0 0 16,26 0-16,0 0 15,0 26-15,0 0 0,0 26 16,0 0-16,0 0 16,0 0-16,0 0 0</inkml:trace>
+  <inkml:trace contextRef="#ctx0" brushRef="#br0" timeOffset="6846">677 1975 0,'-26'0'16,"26"-26"15,26 26-15,0 0-16,-1 0 15,27 0-15,-26-26 16,26 26-16</inkml:trace>
+  <inkml:trace contextRef="#ctx0" brushRef="#br0" timeOffset="7327">677 3374 0,'26'-26'15,"-1"26"1,1 0-16,0-26 16,26 26-16,-26 0 0,26-26 15</inkml:trace>
+</inkml:ink>
+</file>
+
+<file path=ppt/ink/ink6.xml><?xml version="1.0" encoding="utf-8"?>
+<inkml:ink xmlns:inkml="http://www.w3.org/2003/InkML">
+  <inkml:definitions>
+    <inkml:context xml:id="ctx0">
+      <inkml:inkSource xml:id="inkSrc0">
+        <inkml:traceFormat>
+          <inkml:channel name="X" type="integer" max="1920" units="cm"/>
+          <inkml:channel name="Y" type="integer" max="1080" units="cm"/>
+          <inkml:channel name="T" type="integer" max="2.14748E9" units="dev"/>
+        </inkml:traceFormat>
+        <inkml:channelProperties>
+          <inkml:channelProperty channel="X" name="resolution" value="55.81395" units="1/cm"/>
+          <inkml:channelProperty channel="Y" name="resolution" value="55.6701" units="1/cm"/>
+          <inkml:channelProperty channel="T" name="resolution" value="1" units="1/dev"/>
+        </inkml:channelProperties>
+      </inkml:inkSource>
+      <inkml:timestamp xml:id="ts0" timeString="2020-12-21T05:54:22.944"/>
+    </inkml:context>
+    <inkml:brush xml:id="br0">
+      <inkml:brushProperty name="width" value="0.05" units="cm"/>
+      <inkml:brushProperty name="height" value="0.05" units="cm"/>
+      <inkml:brushProperty name="fitToCurve" value="1"/>
+    </inkml:brush>
+  </inkml:definitions>
+  <inkml:trace contextRef="#ctx0" brushRef="#br0">207 525 0,'-26'-26'16,"26"0"-1,0 52 1,0 26-16,26-26 16,-26 26-16,26 26 0,0-26 15,-26 51-15,26-25 0,-26 26 16,26-1-16,-26 1 15,0 26-15,0-27 0,-26 27 16,26 25-16,-26-25 16,0 0-16,0 25 0,0-25 15,0-1-15,0 1 0,0-26 16,26-1-16,-26 1 16,26 0-16,-26-27 0,26 1 15,0 0-15,-25-26 16,25-1-16,0 1 0,0 0 15,0-26-15,-26 0 0,26 0 16,26 0 0,-1-26-1,1-26-15,26 26 16,0-26-16,0 26 0,26-26 16,25 26-16,-25 0 0,52-26 15,-1 26 1,1 0-16,51-26 0,1 26 0,-1-26 15,26 26-15,27 0 0,25-26 16,-26 26-16,26 0 16,1 0-16,-27 0 0,0 0 15,-26 0-15,-25 0 16,-1 0-16,-51 0 0,-1 0 16,-25 0-16,-26 0 0,0 0 15,-27 0-15,-25 0 16,0 0-16,0-26 0,0 26 15,-26-25 1,0-1 0,0 0-1,0 0-15,0 0 16,0 0-16,0-26 0,0 26 16,-26-26-16,26-25 15,0 25-15,0-26 0,0 0 16,0-25-16,-26-1 15,26 0-15,0 1 0,0-1 16,0-26-16,0 27 0,0-1 16,0-26-16,0 27 15,0-1-15,26-26 0,-26 27 16,0-1-16,0 0 0,26 1 16,-26-1-16,0 0 15,0 1-15,0-1 0,0 26 16,0 1-16,-26-1 0,26 26 15,0 0-15,0 0 16,-26 0-16,26 27 0,0-1 16,-26 0-1,26 0-15,-26 26 16,1 0 0,-1 0-1,0-26 1,0 26-16,0 0 15,0 0-15,0-26 16,-26 26-16,26 0 16,-26 0-16,1 0 0,-1 0 15,-26 0-15,26 0 0,-51 0 16,-1 0-16,0 26 16,1-26-16,-27 26 0,-26 0 15,27-26-15,-53 26 16,27 0-16,-27-1 0,1 1 15,0-26-15,-1 26 0,27 0 16,-1-26-16,1 26 16,-1-26-16,27 26 0,-1-26 15,0 0-15,1 26 16,25-26-16,0 0 0,1 26 16,25-26-16,0 26 0,26-26 15,1 0-15,25 26 16,0-26-16,0 0 0,0 0 15,26 26-15,0 0 47,0-1-31,-26-25-16,0 26 16,0 0-16,26 0 31,-26-26-31,52 0 31,0 0-15</inkml:trace>
+  <inkml:trace contextRef="#ctx0" brushRef="#br0" timeOffset="576">699 681 0,'0'-26'16,"-26"26"-16,26-26 15,26 26 16,0 26-31,0-26 16,0 0 0,0 26-16,0-26 0,0 0 15,0 0-15,0 26 0,0-26 16,0 26-16,0-26 16,-1 0-16,-25 26 0,26-26 15,-26 25 1,-26-25-1,1 0 1,-1 26-16,0-26 16,0 0-16,0 26 0,0-26 15,0 0-15,0 0 16,26 26-16,-26-26 0,26 26 16,0 0 15</inkml:trace>
+  <inkml:trace contextRef="#ctx0" brushRef="#br0" timeOffset="1271">1114 1070 0,'0'-26'15,"26"26"17,0 0-32,0 0 0,0 0 15,26 0-15,-26 0 0,25 0 16,-25 0-16,26 26 15,-26-26-15,0 0 0,0 0 16,0 26-16,0-26 16,-52 0 15,0 25-31,0-25 16,0 0-16,0 0 0,0 0 15,0 26-15,0-26 16,0 0-16,1 26 0,-1-26 15,0 26-15,0-26 16,26 26 0,-26 0-1</inkml:trace>
+  <inkml:trace contextRef="#ctx0" brushRef="#br0" timeOffset="1775">1321 1614 0,'0'-26'16,"0"0"0,26 26-16,0 0 31,-26-26-31,26 26 0,0 0 16,0 0-1,0 26-15,26-26 0,-26 0 16,0 26-16,0-26 0,-1 0 15,1 26 1,0-26-16,0 0 16,-52 0 31,0 0-32,26 26-15,-26-26 16,1 26-16,-1-26 15,0 26-15,0 0 0,0-1 16,0 1-16,26 0 0,-26 0 16,0 0-16,26 0 15,-26 0-15,0-26 0</inkml:trace>
+</inkml:ink>
+</file>
+
+<file path=ppt/ink/ink7.xml><?xml version="1.0" encoding="utf-8"?>
+<inkml:ink xmlns:inkml="http://www.w3.org/2003/InkML">
+  <inkml:definitions>
+    <inkml:context xml:id="ctx0">
+      <inkml:inkSource xml:id="inkSrc0">
+        <inkml:traceFormat>
+          <inkml:channel name="X" type="integer" max="1920" units="cm"/>
+          <inkml:channel name="Y" type="integer" max="1080" units="cm"/>
+          <inkml:channel name="T" type="integer" max="2.14748E9" units="dev"/>
+        </inkml:traceFormat>
+        <inkml:channelProperties>
+          <inkml:channelProperty channel="X" name="resolution" value="55.81395" units="1/cm"/>
+          <inkml:channelProperty channel="Y" name="resolution" value="55.6701" units="1/cm"/>
+          <inkml:channelProperty channel="T" name="resolution" value="1" units="1/dev"/>
+        </inkml:channelProperties>
+      </inkml:inkSource>
+      <inkml:timestamp xml:id="ts0" timeString="2020-12-21T05:54:29.887"/>
+    </inkml:context>
+    <inkml:brush xml:id="br0">
+      <inkml:brushProperty name="width" value="0.05" units="cm"/>
+      <inkml:brushProperty name="height" value="0.05" units="cm"/>
+      <inkml:brushProperty name="fitToCurve" value="1"/>
+    </inkml:brush>
+  </inkml:definitions>
+  <inkml:trace contextRef="#ctx0" brushRef="#br0">104 861 0,'0'-26'0,"0"0"31,0 52 32,0 0-48,0 0-15,25 0 16,-25 26-16,0-26 0,26 26 16,-26 25-16,26-25 15,-26 26-15,0 0 0,26 0 16,-26-27-16,0 27 0,0 0 15,0 0-15,0-1 16,0-25-16,0 26 0,-26-26 16,26 0-16,0-26 15,0-1-15,0 1 0,0 0 16,0 0-16,26-26 47,-26-26-32,26 26-15,0 0 16,0 0-16,0 0 0,0-26 16,0 26-16,0 0 15,0 0-15,-1 0 0,27-26 16,0 26-16,0 0 0,0 0 16,0 0-16,25 0 15,1 0-15,26 0 0,-26-25 16,25 25-16,27 0 15,-1 0-15,1-26 0,0 26 16,-1 0-16,27-26 0,-27 26 16,27-26-16,-27 26 15,27-26-15,-1 26 0,1-26 16,-1 26-16,1-26 16,-1 26-16,1 0 0,0-26 15,-1 26-15,1-26 0,-1 26 16,1-26-16,-1 0 15,1 0-15,-1 26 0,1-25 16,-1-1-16,1 0 16,-27 0-16,27 0 0,-27 0 15,1 0-15,-1 26 16,-25-26-16,0 26 0,0-26 16,-1 26-16,1-26 0,0 26 15,-27-26-15,27 26 16,-26 0-16,-1-26 0,1 26 15,-26 0-15,26 0 16,-26 0-16,-1 0 0,27 0 16,-52 0-16,26 0 0,0 0 15,0 0-15,0 0 16,-1-25-16,1 25 0,0 0 16,-26 0-16,0 0 0,26 0 15,-26 0-15,0 0 16,-26-26-1,-26 26 1,0-26 0,0 26-16,0 0 15,26-26 17,0 0-17,26 26-15,-26-26 16,0 0-16,0 0 0,0 0 15,0 0-15,0 0 16,0-25-16,0 25 0,26-26 16,-26 26-16,0-26 15,0 26-15,0-26 0,26 0 16,-26 26-16,0-25 0,26-1 16,-26 26-16,0-26 15,0 26-15,0-26 0,0 0 16,0 27-16,0-1 15,0-26-15,0 26 0,0-26 16,0 26-16,0 0 0,0 0 16,0-26-16,0 27 15,-26-1-15,26 0 0,0 0 16,0 0 0,-26 0-1,0 26 1,0 0-1,0 0 1,0 0-16,0 0 16,0 0-16,-26 26 0,26-26 15,-25 0-15,-1 0 0,-26 26 16,26-26-16,-26 0 16,1 26-16,-27-26 0,0 0 15,1 26-15,-1-26 0,-26 0 16,1 26-16,25-26 15,-25 0-15,-1 25 0,0-25 16,-25 26-16,25-26 16,-25 26-16,-1-26 0,27 26 15,-27-26-15,1 26 16,25-26-16,-26 26 0,27 0 16,-1-26-16,1 26 0,-1-26 15,1 26-15,25-26 16,0 26-16,1-26 0,-1 26 15,0-26-15,0 26 16,27-26-16,-27 25 0,26-25 16,-25 0-16,25 26 0,0-26 15,0 26-15,-25-26 16,25 0-16,0 26 0,0-26 16,27 0-16,-27 26 0,0-26 15,26 0-15,-26 26 16,27-26-16,-1 0 0,-26 26 15,26-26-15,0 0 16,-25 26-16,25-26 0,0 26 16,-26-26-16,26 26 0,1-26 15,-1 0-15,0 0 16,0 0-16,0 26 0,26-26 16,0 0-16,0 0 15,1 0-15,-1-26 16,0 26-1,0 0 1,0 0-16,0 0 16,0 0-16,0 0 15,0 0-15,0 0 0,0 0 16,0 0-16,0 0 0,1 0 16,-1 0-16,0 0 15,0 0-15,0 0 0,0 26 16,0-26-1,0 0-15,0 0 0,0 0 16,26 26-16,-26-26 16,26 25-1,-26-25-15,26 26 16,-25 0 0,-1 0-16,0-26 15,0 26-15,0-26 16,0 0-1,0 26-15,0-26 0,0 0 16,0 0 0,0 0-16,0 0 15,1 0-15,-1 26 0,0-26 16,0 0 0,0 0-16</inkml:trace>
+  <inkml:trace contextRef="#ctx0" brushRef="#br0" timeOffset="1025">6894 628 0,'0'-26'0,"-26"26"16,0-26-1,0 26 1,26 26-1,26-26-15,-26 26 16,26 0-16,0 0 0,0 0 16,-26 0-16,26 0 15,0 25-15,0-25 0,-26 26 16,26-26-16,-26 0 16,26 26-16,-26-26 0,26 0 15,-26 0-15,25-26 16,1 0-1,-26-26-15,26-26 16,-26 26-16,26-26 16,0 0-16,0 0 0,-26 1 15,26-1-15,0 0 0,0 0 16,0 0-16,0 0 16,-26 26-16,26-25 0,-26 25 15,26 26-15,-1 0 16,-25 26-1</inkml:trace>
+  <inkml:trace contextRef="#ctx0" brushRef="#br0" timeOffset="1792">1892 2365 0,'-26'-26'0,"26"0"16,0 52 15,0 25-15,26-25-16,-26 26 16,26-26-16,-26 26 0,26 0 15,-26 0-15,0-1 16,26 1-16,-26 0 0,0 0 15,0-26-15,26 0 0,-26 0 16</inkml:trace>
+  <inkml:trace contextRef="#ctx0" brushRef="#br0" timeOffset="2195">1918 2624 0,'-26'0'15,"26"-26"-15,26 26 16,0 0 0,0 0-16,25 0 15,-25 0-15,26 0 16,0 0-16,-26 0 0,26 0 16,-26-26-16,26 26 0,-26 0 15,-26-26-15,25 26 16,-25-26-16,-25 0 15,-1 26 1,26-26-16,-26 26 0,0-26 16,0 0-16,0 0 15,26 52 32,26 0-47,0 26 0,-26-26 16,26 0-16,0 26 0,0 0 15,-1-26-15,1 25 16,0 1-16,0-26 0,0 0 16,-26 0-16,26 0 15</inkml:trace>
+  <inkml:trace contextRef="#ctx0" brushRef="#br0" timeOffset="2519">2851 2390 0,'-26'0'16,"26"-25"-16,0 50 31,26-25-15,-26 26-16,26 0 15,-26 26-15,26-26 0,-26 26 16,26-26-16,0 26 16,-26-26-16,25 25 0,1-25 15,-26 0-15,26 0 16,-26 0-16,0 0 0</inkml:trace>
+  <inkml:trace contextRef="#ctx0" brushRef="#br0" timeOffset="2890">3784 2313 0,'-26'0'31,"0"0"-31,26-26 0,-26 26 16,0-26-16,0 26 15,0 0-15,1 0 16,25 26-16,-26-26 0,0 26 15,0 0-15,0 0 16,26-1-16,-26 27 0,26 0 16,0-26-16,26 26 0,0 0 15,0-26-15,26 25 16,-27-25-16,27 0 0,0 0 16,26-26-16,-26 0 15,25 0-15,-25 0 0,0 0 16,-26-26-16</inkml:trace>
+  <inkml:trace contextRef="#ctx0" brushRef="#br0" timeOffset="3591">3732 2546 0,'-26'0'0,"0"26"15,26 0 1,26-26-16,0 0 15,0 0-15,0 0 0,26 0 16,0 0-16,-1-26 0,1 26 16,0-26-16,0 0 15,0 26-15,0-26 0,-1 0 16,-25 26-16,0-26 0,-26 0 16,26 26-16,-26-26 15,0 1-15,26 50 63,-26 1-63,26 26 15,-26-26-15,26 0 0,-26 26 16,0-26-16,26 0 16,-26 0-16,0 0 0,0-1 15,0 1 1,-26-52 15,26 1-31,0-1 16,0 0-16,0-26 0,0 26 15,0-26-15,0 0 16,0 0-16,0 1 0,0-1 16,0 0-16,0 0 0,0 26 15,26 0-15,0 0 16,0 26-16,0 0 0,0 0 15,25 0-15,-25 0 0,0 26 16,0-26-16,0 26 16,0 0-16,0 0 0,-26 0 15,0 0-15,-26 0 16,0 0-16,0 0 0,0 0 16,0-1-16,-26 1 0,27-26 15,-27 26-15,26 0 16,0-26-16,0 26 0,26 0 15,0 0 1,26-26-16,0 26 0,0 0 16,26 0-16,-27 26 0,27-27 15,0 1-15,-26 26 16,0-26-16</inkml:trace>
+  <inkml:trace contextRef="#ctx0" brushRef="#br0" timeOffset="4953">2255 3557 0,'0'-26'16,"0"0"0,0 0-1,26 26-15,-26 26 32,26 26-32,-26-26 15,26 26-15,-26-1 16,25 1-16,-25 0 0,26 0 15,-26 0-15,26 0 0,-26-1 16,26-25-16,-26 0 16,26 0-16,0-26 15</inkml:trace>
+  <inkml:trace contextRef="#ctx0" brushRef="#br0" timeOffset="5140">2384 3531 0,'-26'-26'16,"26"-26"-16,-25 26 0,25 0 16,0 0-16,25 26 15,1-26-15,0 26 16,0 0-16,0 0 0,26 0 16,-26 0-16,26 0 15,-26 0-15,25 0 0,-25 0 16,0 26-16</inkml:trace>
+  <inkml:trace contextRef="#ctx0" brushRef="#br0" timeOffset="5325">2436 3764 0,'-26'26'0,"52"-26"31,0 0-16,0 0-15,0 0 0,0 0 16,0 0-16,26 0 16,-1 0-16,-25-26 0,26 26 15,0-26-15</inkml:trace>
+  <inkml:trace contextRef="#ctx0" brushRef="#br0" timeOffset="5651">3032 3479 0,'-26'-26'0,"0"26"16,1-26-16,-1 26 15,52 26 17,-26 0-17,25 0-15,1 0 0,-26 26 16,26-26-16,-26 25 15,26 1-15,-26-26 0,0 26 16,0-26-16,0 26 16,0-26-16,0 0 0,0 0 15,0-1-15,0 1 16,26-26 0,0 0-16,0-26 0,0 26 15,26-25-15,0 25 16,-1-26-16,27 0 0,-26 26 15</inkml:trace>
+  <inkml:trace contextRef="#ctx0" brushRef="#br0" timeOffset="6111">3654 3609 0,'-26'-26'0,"1"0"16,-1 0-16,26 0 15,0 0-15,-26 26 16,52 26 0,-26 0-16,26 26 15,-1-26-15,-25 25 16,26-25-16,0 26 0,-26 0 16,0-26-16,0 0 15,26 0-15,-26 0 0,0 0 16,0 0-16,0-52 31,0 0-31,0 0 16,0-26-16,0 0 15,0 0-15,-26 0 0,26 1 16,0-27-16,0 26 0,0 0 16,26 0-16,-26 26 15,26 0-15,0 26 0,26 0 16,-26 0-16,26 26 15,-26 26-15,25-26 0,1 26 16,-26 0-16,0 0 0,0 0 16,0-27-16,0 27 15,0-26-15,-26 26 0,0-26 16,0 0-16,0 0 16,-26-26-16</inkml:trace>
+  <inkml:trace contextRef="#ctx0" brushRef="#br0" timeOffset="6736">3758 3660 0,'0'-25'0,"-26"25"15,0-26-15,52 26 32,0 0-17,0 0-15,26 0 0,-26 0 16,26 0-16,-1 0 15,1-26-15,0 26 0,0-26 16,0 0-16,0 26 16,-1-26-16,-25 0 0,0 0 15,0 26-15,-26-26 0,0 0 16,0 0 0,-26 0-16,26 0 15,-26 26 1,26-25-16,26 25 15,-26 25 1,26-25-16,-26 26 16,26-26-16,0 0 0,0 26 15,26-26-15,-26 0 16,0 0-16,-1 0 0,1 0 16,0 0-16,0 0 0,0-26 15,-26 52 32,-26-26-47,0 0 16,0 0-16,0 0 15,1 0 1,25-26 0,-26 26-1,26-26 1,0 52-1,0 0-15,26 0 16,-26 0-16,25 0 0,1 26 16,0 0-16,-26 26 15,26-27-15,0 1 0,0 0 16,0 26-16,-26-26 0,26-1 16,-26 1-16</inkml:trace>
+</inkml:ink>
+</file>
+
+<file path=ppt/ink/ink8.xml><?xml version="1.0" encoding="utf-8"?>
+<inkml:ink xmlns:inkml="http://www.w3.org/2003/InkML">
+  <inkml:definitions>
+    <inkml:context xml:id="ctx0">
+      <inkml:inkSource xml:id="inkSrc0">
+        <inkml:traceFormat>
+          <inkml:channel name="X" type="integer" max="1920" units="cm"/>
+          <inkml:channel name="Y" type="integer" max="1080" units="cm"/>
+          <inkml:channel name="T" type="integer" max="2.14748E9" units="dev"/>
+        </inkml:traceFormat>
+        <inkml:channelProperties>
+          <inkml:channelProperty channel="X" name="resolution" value="55.81395" units="1/cm"/>
+          <inkml:channelProperty channel="Y" name="resolution" value="55.6701" units="1/cm"/>
+          <inkml:channelProperty channel="T" name="resolution" value="1" units="1/dev"/>
+        </inkml:channelProperties>
+      </inkml:inkSource>
+      <inkml:timestamp xml:id="ts0" timeString="2020-12-21T05:54:45.493"/>
+    </inkml:context>
+    <inkml:brush xml:id="br0">
+      <inkml:brushProperty name="width" value="0.05" units="cm"/>
+      <inkml:brushProperty name="height" value="0.05" units="cm"/>
+      <inkml:brushProperty name="fitToCurve" value="1"/>
+    </inkml:brush>
+  </inkml:definitions>
+  <inkml:trace contextRef="#ctx0" brushRef="#br0">0 0 0,'0'26'47,"0"0"-47,26-26 15,-26 52-15,26-26 16,-26 0-16,26 26 0,0-1 15,-26 1-15,26 26 16,0-26-16,-26 26 0,26-27 16,-26 27-16,0 0 0,26-26 15,-26 26-15,0-1 16,0-25-16,0 26 0,26 0 16,-26-27-16,0 27 15,0-26-15,26 26 0,-26-26 16,0 25-16,0-25 0,0 0 15,25 0-15,-25 0 16,0 0-16,0-1 0,0 1 16,0-26-16,0 26 0,0-26 15,0 26-15,0-26 16,0 0-16,26 25 0,-26-25 16,0 0-16,0 0 15,0 0-15,0 0 0,0 0 16,26-26-16,-26 26 0,0 0 15,0 0 1,0 0-16,0 0 16,0-1-1,0 1-15,0 0 16,26-26-16,-26 26 16,0 0-1,0 0 1,0 0-1,0 0 1,0-52 47</inkml:trace>
+  <inkml:trace contextRef="#ctx0" brushRef="#br0" timeOffset="293">52 2514 0,'26'0'47,"0"0"-31,0 26-1,0-26-15,0 0 16,0 26-16,0-26 16,0 0-16,-26 26 0,25-26 15,-25 26 1,26-26-16</inkml:trace>
+  <inkml:trace contextRef="#ctx0" brushRef="#br0" timeOffset="653">571 2359 0,'0'-26'0,"-26"26"78,26 26-78,-26 0 0,0 0 16,26 0-16,-26-1 15,0 1-15,0 0 16,26 0-16,-26-26 16,26 26-16,-26 0 15</inkml:trace>
+</inkml:ink>
+</file>
+
+<file path=ppt/ink/ink9.xml><?xml version="1.0" encoding="utf-8"?>
+<inkml:ink xmlns:inkml="http://www.w3.org/2003/InkML">
+  <inkml:definitions>
+    <inkml:context xml:id="ctx0">
+      <inkml:inkSource xml:id="inkSrc0">
+        <inkml:traceFormat>
+          <inkml:channel name="X" type="integer" max="1920" units="cm"/>
+          <inkml:channel name="Y" type="integer" max="1080" units="cm"/>
+          <inkml:channel name="T" type="integer" max="2.14748E9" units="dev"/>
+        </inkml:traceFormat>
+        <inkml:channelProperties>
+          <inkml:channelProperty channel="X" name="resolution" value="55.81395" units="1/cm"/>
+          <inkml:channelProperty channel="Y" name="resolution" value="55.6701" units="1/cm"/>
+          <inkml:channelProperty channel="T" name="resolution" value="1" units="1/dev"/>
+        </inkml:channelProperties>
+      </inkml:inkSource>
+      <inkml:timestamp xml:id="ts0" timeString="2020-12-21T05:52:07.491"/>
+    </inkml:context>
+    <inkml:brush xml:id="br0">
+      <inkml:brushProperty name="width" value="0.05" units="cm"/>
+      <inkml:brushProperty name="height" value="0.05" units="cm"/>
+      <inkml:brushProperty name="fitToCurve" value="1"/>
+    </inkml:brush>
+  </inkml:definitions>
+  <inkml:trace contextRef="#ctx0" brushRef="#br0">5500 1658 0,'0'-26'16,"0"1"-1,0 50 17,26-25-17,-26 26-15,26 0 16,-26 26-16,26 0 0,0 0 15,-26 0-15,26 0 16,0-1-16,-26 1 0,26 26 16,-26-26-16,25 0 0,-25-26 15,0 25-15,0-25 16,0 0-16,0 0 0,0 0 16</inkml:trace>
+  <inkml:trace contextRef="#ctx0" brushRef="#br0" timeOffset="450">5785 2021 0,'-26'0'16,"26"-26"0,26 26-1,0 0-15,0-26 16,26 26-16,-26-25 15,26 25-15,-1-26 0,1 26 16,0-26-16,-26 26 0,26-26 16,-26 26-16,0 0 15,0-26-15,0 26 0,-26-26 16,0 0 0,0 0-16,-26 0 15,0 0-15,26-26 0,-26 26 16,0 1-16,26-27 15,-26 26-15,26 0 0,-26 0 16,52 26 0,-26 26-16,26 26 15,0 0-15,0-1 0,0 27 16,0-26-16,-1 26 16,1 0-16,0-27 0,-26 1 15,26 0-15,-26 0 16,26 0-16,-26 0 0,0-27 15,26 1-15,-26 0 0,0 0 16,26-26 0</inkml:trace>
+  <inkml:trace contextRef="#ctx0" brushRef="#br0" timeOffset="684">6692 1814 0,'26'0'16,"-26"26"0,0 0-16,26 0 15,-26 0-15,0 0 16,26 25-16,-26-25 0,26 26 16,-26 0-16,26 0 0,-26-26 15,26 26-15,-26-27 16,0 1-16,26 0 0</inkml:trace>
+  <inkml:trace contextRef="#ctx0" brushRef="#br0" timeOffset="834">6744 1529 0,'26'26'0,"-26"0"0,0 0 16,26-26-16</inkml:trace>
+  <inkml:trace contextRef="#ctx0" brushRef="#br0" timeOffset="1290">7081 1866 0,'0'26'0,"0"0"15,26-26 1,-26 26 0,26-26-16,-26 25 0,26 1 15,0 0-15,0-26 16,-26 26-16,26-26 15,0 0-15,-1 0 16,1-26-16,0 26 16,0-26-16,-26 0 0,26 1 15,-26-1-15,26 0 0,-26-26 16,0 26-16,-26 0 16,0 0-16,0 0 0,26 0 15,-26 0-15,0 26 0,1 0 16,-1 0-16,0 0 15,26 26-15,-26 0 0,26 26 16,0 0-16,0 0 16,0 0-16,0-1 0,0 1 15,0 0-15,26 0 0,-26 0 16,26-26-16,0 0 16,-1-1-16,-25 1 0,26 0 15,0-26-15,0 0 16,0 0-16,0 0 0</inkml:trace>
+  <inkml:trace contextRef="#ctx0" brushRef="#br0" timeOffset="3469">7729 1710 0,'-26'0'15,"0"0"1,26-26-16,-26 26 0,26-26 16,26 26 15,0 0 0,-26 26 63,0 0 47,0-52 62,0 52-110,26-26 157,0 0-203,0 0 47,-26-26-78,0 0 31,0 0-32,-26 26 1,0 0-1,26 26 1,-26 0-16,26 0 16,-26 26-16,26-26 15,0 26-15,0 0 0,0 0 16,-26-27-16,26 27 16,0-26-16,26 26 0,-26-26 15,0 0-15,26 0 16,0 0-16,0-26 15,-26 26-15,26-26 16,0 0 0,0-26-16,0 26 15,0-26 1,-1 26-16,-25-26 16,26 26-16,-26-26 15,26 26 16,-26-26-31,0 0 63,0 0-47,0 0-16,0 0 15,0 0 1,0 1-16,0-1 0,0 0 15,0 0-15,0 0 16,-26 0-16,26 0 0,0 0 16,0 0 265,0 0-265,0 0-1,0 0 16,0 52 32,26 0-47,-26 0-16,26 26 0,-26-26 15,26 26-15,0 0 0,0-26 16,-26 25-16,26 1 15,0-26-15,0 26 0,0-26 16,0 0-16,0 0 16,-1-26-16,-25 26 0,26-26 15</inkml:trace>
+  <inkml:trace contextRef="#ctx0" brushRef="#br0" timeOffset="4398">8351 1788 0,'-26'-26'15,"26"0"1,0 0 0,26 26-1,0 0 1,0 0-16,0 26 0,0 0 16,26 0-16,-26 0 15,-1 0-15,1 26 0,0 0 16,0-27-16,-26 27 0,26 0 15,-26-26-15,0 0 16,0 0-16,-26 0 0,26 0 16,-26 0-1,0-26-15,0-26 16,26 0 0,-25 0-16,25-26 0,0 0 15,0 0-15,0 1 0,25-1 16,-25-26-16,0 26 15,26 0-15,-26 0 0,26 26 16,0 1-16,0 25 0,0 0 16,0 0-16,26 0 15,-26 25-15,26 1 0,-27-26 16,27 26-16,-26 0 16,26 0-16,-26-26 0,0 26 15,0 0 1,0-26-16,-26-26 15,-26 0 1,26 0 0,-26 26-16,26-26 0,-26 0 15,26 0-15,-26 1 0,26-1 16,-26 0-16,0 26 16,26 26-16,-26 0 15,26-1-15,0 27 0,-26 0 16,26 26-16,0 0 15,0-26-15,0 25 0,0-25 16,0 0-16,0 0 16,0-26-16,26 0 0,-26 0 15,26-1-15,0-25 16,0 0-16,0-25 16,-26-1-16,26 0 0,0 0 15,-26 0-15,26-26 16,0 0-16,-26 26 0,26-26 15,-26 27-15,25-1 16,-25 0-16,26 26 16,0 0-16,-26 26 0,26 0 15,-26-1-15,26 27 16,-26-26-16,26 26 0,-26-26 16,26 0-16,-26 0 0,26 0 15,-26 0-15</inkml:trace>
+  <inkml:trace contextRef="#ctx0" brushRef="#br0" timeOffset="4740">9362 1607 0,'0'-26'0,"26"52"15,-26-1 1,26 1-16,0 0 0,0 26 15,0 0-15,-1-26 16,1 26-16,0 0 0,-26-26 16,26 25-16,-26-25 15,0 0-15,0 0 0,-26-52 47,26 0-47,0 0 0,0 0 16,0-25-16,0-27 15,0 26-15,0 0 0,0-26 16,26 27-16,0-1 0,0 26 16,0 0-16,26 0 15,-26 26-15,26 0 0,-1 26 16,1 0-16</inkml:trace>
+  <inkml:trace contextRef="#ctx0" brushRef="#br0" timeOffset="5953">10321 1788 0,'0'-26'16,"-26"0"-1,26 0-15,-26-26 16,26 26-16,0 1 16,0-1-16,-26-26 0,26 26 15,0 0-15,-26 26 16,0 0-1,26 26-15,0 26 0,-26 0 16,26-1-16,-26 27 16,26 0-16,0-26 0,0 26 15,0-27-15,26 1 0,-26 0 16,26-26-16,-26 0 16,26 0-16,0-26 0,0 0 15,0 0-15,0 0 16,0-26-16,0 0 0,26 0 15,-27-26-15,1 0 16,0 1-16,-26-27 0,26 0 16,-26-26-16,0 27 0,-26-27 15,0 0-15,26 26 16,-26 1-16,1-1 0,25 26 16,-26 26-16,26 0 0,26 78 31,-26-26-31,25 52 0,-25-26 15,26 25-15,0 27 16,0-26-16,-26 25 0,26-25 16,-26 0-16,26 0 0,-26-26 15,0-1-15,26-25 16,-26 26-16,0-26 0,0-52 31,0-26-15,26 1-16,-26-1 0,0 0 15,26 0-15,0 0 16,0 0-16,-26 0 0,26 1 16,0 25-16,25 26 15,-25 0-15,0 0 0,0 0 16,0 26-16,0 0 0,0 25 16,0-25-16,-26 26 15,26-26-15,-26 26 0,26-26 16,-26 0-16,0 0 15,26 0-15,-26 0 16,25-26-16,-25-26 16,26 26-16,0-26 15,-26 0-15,26 26 0,0-26 16,0 0-16,0 0 16,0 26-16,0-26 15,0 26 1,0 0-1,0 0 1,-26 26-16,25 0 16,1-26-16,0 26 15,0-26-15,0 0 0,0 26 16,0-26-16,0 0 16,0-26-16,0 0 0,-26 0 15,0 0-15,26 0 16,-26 0-16,0-26 0,0 26 15,0-25-15,-26-1 0,26 0 16,0 26-16,-26 0 16,26 0-16,0 52 15,0 0 1,0 26-16,0 26 0,26-1 16,-26 1-16,26 26 0,0-26 15,-1 25-15,1 1 16,0 0-16,0-27 0,-26 27 15,0-26-15,0-26 16,-26 25-16,0-25 0,0 0 16,-25-26-16,-27 0 0,26-26 15,-26 0-15,1-26 16,25 0-16,-26-52 0,26 1 16,0-1-16,26 0 0,0-26 15,26 1-15,0 25 16,26 0-16,0 26 0,26 1 15,0 25-15,0 26 16,0 0-16,-1 0 0,1 26 16</inkml:trace>
+  <inkml:trace contextRef="#ctx0" brushRef="#br0" timeOffset="6726">7962 3058 0,'0'-26'0,"26"0"0,0 0 15,-26-26-15,26 26 16,0 1-16,0 25 16,-26 25-1,0 1 1,0 0-16,0 0 16,0 0-16,0 0 0,0 0 15,0 0-15,0 0 16,-26 0-16,26 0 15,-26-26-15,0 26 16,0 0 0,-26-1-16,1 27 0,-1 0 15,-52 52-15,0-1 16,-25 1-16,-27 52 0,-51-27 16,0 53-16,-53-27 0,1 27 15,-26-1-15,26 0 16,0 1-16,25-27 0,27 1 15,26-27-15,51 1 16,26-26-16,27-26 0,51-1 16,-26-25-16,52-26 0,0 0 15,0 0-15</inkml:trace>
+  <inkml:trace contextRef="#ctx0" brushRef="#br0" timeOffset="7085">4956 5157 0,'-26'-26'15,"26"-25"-15,-26 25 0,26 0 16,0 0-1,0 52 1,0 0-16,-26 26 16,0-1-16,26 1 15,-26 26-15,0 0 16,0-1-16,0 1 0,1-26 16,25 26-16,-26 0 0,26-27 15,0 1-15,0-26 0,26 0 16,-26 0-16,51 0 15,-25 0-15,26-26 0,0 0 16,26 0-16,-1-26 16,1 0-16,26 0 0</inkml:trace>
+  <inkml:trace contextRef="#ctx0" brushRef="#br0" timeOffset="7657">9362 3058 0,'0'-26'0,"-26"0"16,26 0-16,0 0 0,26 26 15,0 0 1,0 26-16,26 0 16,25 26-16,1 0 15,0 26-15,51-1 0,1 27 16,26 0-16,-1-1 0,26 1 15,1 26-15,-27-27 16,27 27-16,-1-26 0,-25 25 16,25-25-16,-25 25 15,-1-25-15,-25 0 0,-1-26 16,-25 25-16,0-25 0,-1-26 16,-25 0-16,-26-26 15,0-1-15,-26-25 0,0-25 16</inkml:trace>
+  <inkml:trace contextRef="#ctx0" brushRef="#br0" timeOffset="7999">12705 4276 0,'0'-26'15,"26"0"-15,-26 0 16,26 26-1,-26 26 1,26 0 0,-26 0-16,0 0 0,26 26 15,-26 0-15,26 0 0,0-1 16,-26 27-16,26-26 16,0 26-16,-26-26 0,26 25 15,0 1-15,-1-26 0,-25 26 16,26-26-16,0 25 15,-26-25-15,26 0 0,-26 0 16,-26 0-16,0-26 16,0 25-16,-51-25 0,-1 0 15,-52 0-15,-25 0 0,-27-26 16,-25 26-16,-52 26 16</inkml:trace>
+  <inkml:trace contextRef="#ctx0" brushRef="#br0" timeOffset="8951">3090 6609 0,'0'-26'16,"0"0"-1,0 0-15,26 52 32,-26 0-32,26 0 15,-1 26-15,1-1 16,0 27-16,0 0 0,0 0 16,0 0-16,0 25 15,-26-25-15,26-26 0,-26 26 16,0-27-16,0 27 0,26-52 15,-26 26-15,0-26 16,0 0-16,0 0 0</inkml:trace>
+  <inkml:trace contextRef="#ctx0" brushRef="#br0" timeOffset="9493">3375 7101 0,'26'0'31,"0"0"-31,0 0 16,25 0-16,-25 0 0,52-26 16,-26 26-16,26 0 15,-1-26-15,1 26 0,0-25 16,-26 25-16,0 0 15,-1-26-15,-25 26 0,26 0 16,-52-26-16,26 26 0,-26-26 16,0 0-16,0 0 15,0 0-15,0 0 0,0 0 16,-26 0-16,0-26 16,26 26-16,-26-25 0,26 25 15,-26-26-15,0 26 0,26 0 16,0 0-16,-25 0 15,25 52 1,25 0 0,-25 0-16,26 26 0,-26 0 15,26-1-15,-26 1 0,26 26 16,0 0-16,-26-26 16,26 25-16,0 1 0,0-26 15,-26 26-15,26-26 16,0-1-16,0 1 0,-26 0 15,26 0-15,-26-26 0,26 0 16,-26 0-16,0 0 16,0 0-16,0-1 15,0-50 1</inkml:trace>
+  <inkml:trace contextRef="#ctx0" brushRef="#br0" timeOffset="11031">12835 6324 0,'0'-26'0,"-26"0"16,26 0-16,0 0 15,0 0 1,0 0-16,26 52 31,-26 0-31,26 26 16,0 0-16,0 25 0,-26 1 15,26 0-15,0 0 16,-26-1-16,25 1 0,1 0 16,-26 0-16,0-26 0,0-1 15,0 1-15,26-26 16,-52-52 15,26 0-31,-26 0 0,1-25 16</inkml:trace>
+  <inkml:trace contextRef="#ctx0" brushRef="#br0" timeOffset="11234">12809 6505 0,'-26'-78'16,"0"27"-16,0-1 15,26 0-15,0 0 0,0 26 16,26 0-16,-26 0 0,52 0 16,-26 0-16,26 1 15,0-1-15,-1 26 0,1-26 16,26 0-16,-26 26 15,26-26-15,-26 26 0,-27 0 16,27 0-16,-26 0 0,0 0 16,-26 26-16,0 0 15,0 0-15,-26 25 16</inkml:trace>
+  <inkml:trace contextRef="#ctx0" brushRef="#br0" timeOffset="11456">12913 6635 0,'26'0'15,"0"0"1,-1-26 0,1 0-16,26 26 0,-26-26 15,26 26-15,0-26 16,-26 0-16,26 26 0,-1 0 15,-25 0-15,26 0 0,-26 0 16,0 0-16,-26 26 16,26-26-16</inkml:trace>
+  <inkml:trace contextRef="#ctx0" brushRef="#br0" timeOffset="11769">13587 5961 0,'0'-26'0,"0"0"16,0 0-16,26 26 31,-26 26-31,25 0 16,-25 26-16,26 0 0,0-1 15,-26 27-15,26 26 16,0-26-16,-26 25 0,0 1 16,0 0-16,26-27 0,-26 27 15,0-26-15,0 0 16,0-27-16,0 1 0,0-26 16,0 0-16,0 0 15</inkml:trace>
+  <inkml:trace contextRef="#ctx0" brushRef="#br0" timeOffset="12668">14597 6609 0,'26'0'0,"-26"-26"15,0 0 1,0 0-16,26 0 16,-26 0-1,0 0-15,0 0 0,-26 26 16,0-26-16,26 1 16,-25-1-16,-1 0 0,0 26 15,0 0-15,0-26 0,-26 26 16,26 26-16,0-26 15,0 52-15,0-27 0,26 27 16,-26-26-16,0 52 16,26-26-16,0 0 0,0-1 15,0 1-15,0 0 0,0-26 16,0 26-16,26-26 16,-26 0-16,26 0 0,0-26 15,0 0-15,0 0 16,0 0-16,0-26 0,26 26 15,-26-26-15,0-26 0,0 26 16,-1 0-16,1-26 16,0 26-16,0-25 0,-26 25 15,0-26-15,0 26 16,26-26-16,-26 26 0,0 0 16,0 52-1,0 0 1,0 0-16,0 0 0,26 26 15,-26 0-15,26-27 0,-26 27 16,26 0-16,0-26 16,-26 0-16,26 26 0,0-26 15,0-26-15,-1 26 16,1-26-16,0 0 0,0 0 16,0-26-16,0-26 15,0 26-15,0-26 16,0 0-16,-26-25 0,26 25 15,-26-26-15,0 0 16,0 0-16,0 1 0,0 25 16,-26-26-16,26 26 0,-26 0 15,26 1-15,-26-1 16,26 26-16,0 0 0,0 0 16,-26 26-16,52 26 31,-26 0-31,26 26 0,-26 0 15,0-1-15,26 1 16,-26 26-16,26 0 0,-26-26 16,26 25-16,-26 1 15,26-26-15,-26 0 0,0 0 16,25-1-16,-25 1 0,0-26 16,0 0-16,0 0 15,-25-52 1,25 0-1</inkml:trace>
+  <inkml:trace contextRef="#ctx0" brushRef="#br0" timeOffset="12919">15064 6505 0,'0'-26'16,"-26"26"-16,26-26 16,-26 26-16,26-26 0,26 0 31,0 26-16,0 0-15,0 0 0,0-25 16,0 25-16,25 0 16,-25-26-16,26 0 0,-26 26 15,0-26-15,26 26 0,-26-26 16,0 26 0,-52 0 15</inkml:trace>
+  <inkml:trace contextRef="#ctx0" brushRef="#br0" timeOffset="13732">15945 5831 0,'-26'0'16,"52"26"0,-26 0-16,26 0 15,-26 26-15,26 0 16,0 0-16,-26 25 0,26-25 15,-26 26-15,26 0 16,-26-1-16,0 1 0,0 0 16,26 0-16,-26-27 15,0 27-15,0-52 0,0 26 16,0-26-16,0 0 0,0-52 31,0 0-31,0 0 0,-26-26 16,26-26-16,0 27 0,-26-27 15,0-26-15,26 26 16,-26-25-16,0 25 0,0-26 16,0 27-16,0-1 15,26-26-15,0 52 0,0-25 16,0-1-16,0 26 0,52 0 16,-26 26-16,26-26 15,0 26-15,0 1 0,-1 25 16,27 0-16,-26 25 15,26 1-15,-26 0 0,-1 0 16,1 26-16,-26 0 0,0 26 16,0-26-16,-26-1 15,0 27-15,-26-26 0,0 26 16,0-26-16,-26-1 0,27 1 16,-53 0-16,26 0 15,0-26-15,0 0 0,0 0 16,1 0-16,-1-26 15,26 0-15,0 0 0,0 0 16,0 0-16,26-26 0,0 0 16,0 0-1,0 0-15,26 26 0,0-26 16,0 26-16,26 26 16,0 0-16,-27 0 0,27 0 15,0 25-15,0 1 16,0 0-16,0 0 0,-1 0 15,-25 26-15,26-27 0,-26-25 16,0 26-16,26-26 16,-26 26-16,0-26 0,0-26 15,0 26-15,-1-26 16</inkml:trace>
+  <inkml:trace contextRef="#ctx0" brushRef="#br0" timeOffset="14185">16878 6350 0,'-26'0'15,"26"26"1,26-26 0,0 25-1,0-25 1,0 0-16,0 0 0,0 0 15,26 0-15,-26 0 16,25 0-16,-25 0 0,26-25 16,-26 25-16,0-26 0,-26 0 15,26 26-15,-26-26 16,0 0-16,0 0 0,0 0 16,-26 0-16,0 0 15,0 0-15,0 26 0,-26-26 16,27 0-16,-27 26 0,0 0 15,26 0-15,0 26 16,0 0-16,0 0 0,0 0 16,26 26-16,0 0 15,0 26-15,0-27 0,0 27 16,26-26-16,0 26 0,0-26 16,0-1-16,26 1 15,-26-26-15,0 0 0,25 0 16,1-26-16,0 0 15,0 0-15,0-26 0,0-26 16</inkml:trace>
+  <inkml:trace contextRef="#ctx0" brushRef="#br0" timeOffset="14708">17578 5754 0,'-26'-26'16,"0"0"-16,26 0 15,-26 0-15,26 52 16,0 0 0,0 0-16,26 25 0,-26 1 15,26 0-15,-26 26 0,26-26 16,0 51-16,0-25 16,-26 0-16,26 26 0,0-27 15,0 27-15,0-26 16,-1 25-16,1-25 0,-26 0 15,26 0-15,0-26 0,0-1 16,-26 1-16,0-26 16,26 0-16,-26-52 31,-26 0-31,26-26 0,-26 1 16,26-27-16,0 0 0,-26 0 15,26 0-15,0-25 16,0 25-16,0 0 0,0 1 15,0-1-15,26 26 16,0 26-16,0-26 0,0 52 16,0 0-16,26 0 0,-26 0 15,25 26-15,-25 0 16,26 0-16,-26 0 0,0 0 16,-26 26-16,0-26 0,0-1 15,0 27-15,0-26 16,-52 0-16,26 0 0,0 0 15,-25 0-15,25-26 16,0 0-16,0 0 0,0 0 16,0-26-16</inkml:trace>
+  <inkml:trace contextRef="#ctx0" brushRef="#br0" timeOffset="16627">18278 6090 0,'26'0'16,"0"0"0,0 0-1,0 0-15,-1 0 16,27 26-16,-26-26 0,26 26 16,0 0-16,0 0 15,0 0-15,-27 0 0,1 0 16,0 0-16,0 0 15,-26 0-15,0 0 0,0-1 16,-26 1-16,0-26 0,0 26 16,1-26-16,-1 0 15,0 0-15,0 0 0,0-26 16,0 0 0,26 1-16,0-27 15,0 26-15,26 0 0,-26 0 16,26 0-16,0 0 15,0 0-15,25 0 0,-25 26 16,26 0-16,-26 0 0,26 0 16,-26 0-16,26 0 15,25 0-15,-25 0 0,0 0 16,26-26-16,-26 26 16,0-26-16,25 26 0,-25-25 15,0-1-15,0 26 0,-26-26 16,0 0-16,0 0 15,-26 0-15,0 0 16,-26 0-16,26 0 16,-26 0-16,-26 26 0,26-26 15,0 26-15,-26 0 0,26 0 16,0 26-16,0 0 16,1 0-16,-1 0 0,0 0 15,0 26-15,26 0 16,0-26-16,0 25 0,0 1 15,26-26-15,0 0 0,0 26 16,-1-52-16,1 26 16,0 0-16,26-26 0,0 0 15,-26-26-15,26 26 16,0-26-16,-1 0 0,1 0 16,0 0-16,-26-26 0,26 26 15,-26-25-15,0-1 16,-26 0-16,26 26 0,0-26 15,-1 26-15,-25 0 16,26 0-16,0 0 0,0 26 16,0 0-16,26 26 0,-26 0 15,0 0-15,0 0 16,0 26-16,0-26 0,-26 26 16,0 0-16,0-1 15,0-25-15,-26 26 0,0 0 16,0-26-16,-26 0 0,26 0 15,0 0-15,0-26 16,-26 0-16,26 0 0,1 0 16,-1-26-1,0 0-15,26-26 0,-26 26 16,26-26-16,0 0 0,-26 26 16,26-25-16,0 25 15,26 26-15,-26-26 0,26 26 16,-26 26-16,26 0 15,-26 25-15,26-25 16,-26 0-16,25 26 0,1-26 16,-26 26-16,26-26 15,0 0-15,0 0 0,0 0 16,0-26-16,26 0 16,-26 25-16,26-25 0,-1 0 15,-25-25-15,26-1 0,0 0 16,0 0-16,-26 0 15,26-26-15,-27 26 0,1-26 16,0 0-16,-26 1 16,0-1-16,0 0 0,0 0 15,0 26-15,0-26 0,0 26 16,-26 26-16,0 26 31,26 0-31,-25 0 0,25 0 16,0 26-16,-26 0 15,26-26-15,0 26 0,0-1 16,0-25-16,26 0 16,-26 26-16,25-26 0,1-26 15,0 26-15,26-26 16,-26 26-16,0-26 0,26 0 16,-26-26-16,26 0 0,-26 0 15,-1 0-15,1 0 16,0 0-16,0-26 0,-26 1 15,0 25-15,0-26 16,0 0-16,0 0 0,0 26 16,0 0-16,0 0 0,0 1 15,0 50 1,26 1-16,0 0 16,-26 0-16,26 26 0,0-26 15,-26 26-15,26 0 16,-26-26-16,26 25 0,-26-25 15,0 0-15,0 0 16,26 0-16,-26 0 16,0-52 15,0-26-31,0 26 16,26 0-16,-26-25 15,25 25-15,-25-26 0,26 26 16,0-26-16,-26 26 0,26 26 15,0 0-15,0 0 16,0 26-16,0 0 16,0 0-16,0 0 15,-26 0-15,26 0 0,0 25 16,-1-25-16,1 0 0,0-26 16,-26 26-16,26-26 15,0 0-15,0 0 0,0 0 16,0 0-16,0-26 0,0 0 15,0-25-15,-26 25 16,26-26-16,-1-26 0,-25 26 16,0-26-16,0 1 15,-25-27-15,25 26 0,-26 0 16,0-25-16,0 51 16,0 0-16,26 0 0,-26 26 15,0 52-15,26 26 16,-26 0-16,26 0 15,0 26-15,0-1 0,0 1 16,0 0-16,0 0 16,26-1-16,-26 1 0,26-26 15,-26 0-15,26 0 0,0-1 16,-26-25-16,26 0 16</inkml:trace>
+  <inkml:trace contextRef="#ctx0" brushRef="#br0" timeOffset="17239">21647 5883 0,'-26'-26'0,"26"0"15,0 0-15,26 26 0,0 0 16,0 0 0,0-26-16,26 26 0,-26 0 15,0 0-15,0 0 16,25 0-16,-25-25 0,0 25 15,0-26-15,0 26 16,0-26-16,0 0 0,0 0 16,0 26-16,0-26 0,26 0 15,-52 0-15,25 0 16,1 0-16,0 0 16,-26 0-16,-26 26 15,0 0 1,1 26-16,-1 0 0,0 0 15,-26 0-15,26 0 16,0 26-16,0-26 0,0 26 16,0-1-16,26-25 0,0 26 15,0-26-15,0 0 16,0 26-16,26-26 0,0 0 16,0-26-16,0 26 15,26-26-15,-26 0 0,26 0 16,-27 0-16,27 0 0,-26-26 15,26 0-15,-26 0 16,-26 0-16,26 0 0,0-26 16,-26 26-16,26-26 15,-26 27-15,0-1 0,0 0 16,0 0-16,0 0 0,26 26 16,-26 26-1,0 0-15,0 0 0,0 0 16,26 25-16,-26 1 15,0-26-15,25 26 0,-25-26 16,0 0-16,26 0 0,-26 0 16,0 0-16,26-26 15,0 0-15,0-26 16</inkml:trace>
+  <inkml:trace contextRef="#ctx0" brushRef="#br0" timeOffset="17485">22788 5261 0,'-26'-52'0,"26"0"16,-26 26-16,26 1 15,0-1-15,-26 26 0,26 26 16,0 25 0,0 1-16,0 0 0,26 0 15,-26 26-15,0-1 16,0 1-16,26-26 0,-26 26 15,0 0-15,26-27 0,-26 1 16,0 0-16,0-26 16,0 0-16,0 0 0,0 0 15</inkml:trace>
+  <inkml:trace contextRef="#ctx0" brushRef="#br0" timeOffset="17816">22710 5831 0,'-26'-26'15,"26"0"-15,26 1 32,0 25-32,0 0 15,0 0-15,25 0 16,-25 0-16,26-26 0,26 26 16,-26 0-16,0-26 0,-26 26 15,25-26-15,-25 26 16,0-26-16,0 26 0,0-26 15,-26 0 1,0 0-16,0 52 31,-26 0-31,26 0 16,0 0-16,0 26 0,0-1 16,0 1-16,0 0 15,0 0-15,0 0 0,26-26 16,-26 26-16,0-27 0,0 1 15,0 0-15,0 0 16</inkml:trace>
+  <inkml:trace contextRef="#ctx0" brushRef="#br0" timeOffset="17986">23202 5157 0,'-26'0'0,"26"26"16,-26 0-16,26 0 15,0 0-15,0 26 0,0-26 16</inkml:trace>
+  <inkml:trace contextRef="#ctx0" brushRef="#br0" timeOffset="18836">23669 5494 0,'26'0'0,"-26"-26"16,26 26-16,-26 26 31,-26 0-31,26 26 16,-26 0-16,26 0 15,-26 0-15,26-1 0,-26 27 16,26-26-16,0 0 16,26 0-16,0-26 0,0 25 15,0-25-15,0 0 16,25 0-16,-25-26 0,26 0 16,-26 0-16,26 0 0,-26-26 15,0 0-15,0-25 16,0 25-16,0-26 0,-26 0 15,0-26-15,0 26 0,-26-25 16,26 25-16,-26-26 16,0 26-16,26 26 0,-26-26 15,0 26-15,0 26 16,0 0-16,0 0 0,0 26 16,26 26-16,-26-26 15,26 0-15,0 26 16,-26-26-16,26 0 0,0 0 15,0 0-15,26 0 16,-26-1-16,26 1 0,0-26 16,0 0-16,0 0 15,0 0-15,0-26 16,26 1-16,-26-1 0,0 0 16,-1 0-16,1 0 15,26-26-15,-26 26 0,0-26 16,0 26-16,0 0 0,26 0 15,-26 26-15,0 0 16,-1 26-16,1-26 0,0 26 16,0 26-16,-26-26 15,26 0-15,-26 26 0,0-26 16,0 26-16,0-26 0,0-1 16,0 1-16,0 0 15,0 0-15,0-52 47,26 0-47,-26 0 16,26 1-16,-26-27 15,26 0-15,0 0 0,0 26 16,0-26-16,0 26 16,0 0-16,25 0 0,-25 26 15,0 26-15,0 0 0,0 26 16,0 0-16,0 0 15,-26 0-15,26 25 0,-26-25 16,26 0-16,-26 0 16,0 0-16,-26-26 0</inkml:trace>
+  <inkml:trace contextRef="#ctx0" brushRef="#br0" timeOffset="23163">18330 414 0,'26'0'15,"-26"-26"48,0 0-32,0 1 0,-26 25-15,0 0 0,0 0-16,0 0 15,-26 0 1,26 25-16,0-25 0,0 26 16,0 0-16,0-26 15,1 26-15,-1 0 0,0 0 16,26 0-16,-26 0 0,26 26 15,0-26-15,0 0 16,0 0-16,0-1 0,0 27 16,0-26-16,26 0 15,0-26-15,-26 26 0,26 0 16,-1-26-16,1 0 0,0 26 16,0-26-16,0 0 15,26-26-15,-26 26 0,26 0 16,-26-26-16</inkml:trace>
+  <inkml:trace contextRef="#ctx0" brushRef="#br0" timeOffset="23649">18693 544 0,'-26'0'0,"0"0"31,0 26 0,26 0-15,0 0-16,0 0 15,0 0-15,0-1 0,0 1 16,0 0-16,0 0 16,26 0-16,0 0 15,0 0-15,-1-26 16,1 0-16,0 0 16,0-26-16,0 0 0,0 26 15,0-26-15,-26 0 16,26 0-16,0 0 0,-26 1 15,0-1-15,0 0 0,0 0 16,0 0-16,-26 0 16,0 0-16,0 26 15,0 0 1,0 0-16,0 26 16,26 0-1</inkml:trace>
+  <inkml:trace contextRef="#ctx0" brushRef="#br0" timeOffset="24381">19185 466 0,'0'-26'16,"-26"26"-1,26-26-15,0 52 47,0 0-47,0 0 31,0 0-15,0 0 109,26-26-125,-26 26 16,0 0-16,0 0 15,26-26-15,-26 26 0,0 0 16,26-1 0,0 1-16,0-26 15,0 26 1,-1-26-16,1 0 15,0-26-15,0 26 0,0-26 16,0 26-16,0-25 16,0 25-16,0-26 0,0 0 15,-26 0-15,0 0 16,0 0 0,0 0-16,0 0 0,-26 0 15,26 0-15,-26 0 16,0 0-16,26 0 0,-26 1 15,26-1-15,0 52 32,0-1-17,0 1-15,0 0 16,26 0-16,-26 0 16,0 0-16</inkml:trace>
+  <inkml:trace contextRef="#ctx0" brushRef="#br0" timeOffset="24907">19807 440 0,'0'-26'0,"-26"26"15,26-26 1,0 52 15,26-26-15,-26 26-16,0 0 0,26 0 16,-26 0-1,0 0-15,26 0 0,-26 0 16,0 0-1,0 0-15,0 0 16,0-52 31,0 0-31,0 0-16,0 0 0,26 0 15,-26 0-15,26 0 0,-26 0 16,26 0-16,0 0 15,-1 26 1,1 0 0,-26 26-16,26 0 0,-26 0 15,26 0-15,-26 0 0,0 0 16,26-26-16,-26 26 16,0 0-16,0 0 0,0 0 31</inkml:trace>
+  <inkml:trace contextRef="#ctx0" brushRef="#br0" timeOffset="25130">20274 233 0,'0'-26'0,"25"52"31,-25 0-31,0 26 16,26-26-16,-26 25 0,0-25 16,26 26-16,-26 0 0,0-26 15,26 26-15,-26-26 16,0 0-16,26 0 0,-26-1 16,0 1-16</inkml:trace>
+  <inkml:trace contextRef="#ctx0" brushRef="#br0" timeOffset="25820">20299 570 0,'0'-26'0,"0"0"0,26 0 16,0 0-16,-26 0 0,26 0 16,26 26-16,-26 0 15,0 0-15,26 0 0,-26 0 16,25 0-16,-25 0 0,26 0 15,-26 0-15,26 26 16,-26-26-16,0 26 0,0 0 16,-26 0-1,-26 0 1,0 0-16,26 0 16,-26-26-16,26 26 15,0 0-15,-26-26 0,26 26 16,0-1-16,26-25 15,0 26-15,0-26 16,0 0-16,26 0 16,-26 0-16,-1-26 15,27 1-15,-26 25 0,0-26 16,0 0-16,-26 0 16,26 0-16,-26 0 0,0 0 15,0 0-15,0 0 0,-26 0 16,26 0-16,-26 0 15,0 0-15,0 26 16,26 26 0,0 26-16,26-26 15,0 26-15,-26 0 0,26 0 16,0 0-16,0-1 16,26 1-16,-26 0 0,0 0 15,-26 0-15,25-26 0,-25 25 16,0-25-16,0 0 15,-25 0-15,-1 0 0,0-26 16,0 26-16,0-26 16,-26 0-16,26-26 0,-26 0 15,26 0-15,0 0 16,1 0-16,25-25 0,-26-1 16,26 26-16,0-26 0,26 26 15,-1-26-15,1 26 16,26 0-16,0 26 0,0-25 15,-26 25-15,26 0 16,-1 0-16,1 0 0</inkml:trace>
+  <inkml:trace contextRef="#ctx0" brushRef="#br0" timeOffset="27123">22166 570 0,'-26'0'15,"0"26"-15,0-26 16,0 26-16,0 0 0,-26-26 16,26 26-16,-26-26 0,26 25 15,-25 1-15,25-26 16,0 0-16,26 26 0,-26-26 15,0 0-15,26-26 16,26 0 0,-26 1-16,26 25 0,0-26 15,0-26-15,0 26 16,-1 0-16,1-26 0,26 26 16,-26-26-16,0 0 15,-26 27-15,26-27 0,-26 0 16,0 26-16,0-26 0,0 26 15,0 0-15,-26 0 16,0 0-16,0 26 16,0 0-16,0 26 15,0-26-15,26 26 0,-25 26 16,-1-26-16,26 0 0,0 26 16,0 0-16,26-26 15,-26 25-15,25-25 0,1 26 16,-26-26-16,26 0 15,0 0-15,0 0 0,0-26 16,0 26-16,0-26 0,0 0 16,0 0-1,0 0-15,-26-26 0,26 26 16,-26-26 0,-26 26-16,26-26 15,-26 26-15,0 0 16,26 26-1,0 0-15,0 0 16,0 0 0,0 0-16,26 0 0,-26-1 15,26-25-15,-26 26 0,26-26 16,0 26-16,25-26 16</inkml:trace>
+  <inkml:trace contextRef="#ctx0" brushRef="#br0" timeOffset="27397">23021 259 0,'-26'0'16,"0"-26"-16,-26 0 0,26 26 15,0 0-15,0 0 16,1 26-16,-1 0 0,26 0 15,-26 0-15,26 25 16,-26-25-16,26 26 0,0-26 16,0 26-16,0-26 0,26 0 15,0 0-15,0 0 16,-1 0-16,1-26 0,26 0 16,0 0-16,0 0 15,0 0-15,25-26 0</inkml:trace>
+  <inkml:trace contextRef="#ctx0" brushRef="#br0" timeOffset="27591">23539 337 0,'0'-26'0,"-26"26"0,0 0 16,1 0 0,25 26-1,0-1-15,0 1 0,0 0 16,0 0-16,0 0 0,0 0 15,0 0-15,0 0 16,25 0-16,-25 0 16,26 0-1</inkml:trace>
+  <inkml:trace contextRef="#ctx0" brushRef="#br0" timeOffset="27986">23798 103 0,'0'-26'16,"26"26"-1,-26 26-15,0 0 16,26 0-16,-26 26 15,0 0-15,26 0 0,-26-1 16,0 1-16,0 0 16,0 0-16,0-26 0,26 26 15,-26-26-15,0 0 0,0 0 16</inkml:trace>
+  <inkml:trace contextRef="#ctx0" brushRef="#br0" timeOffset="28712">23824 466 0,'-26'-26'0,"1"0"31,50 26-15,1 0-16,0 0 15,0 0-15,0 0 16,0 0-16,26 0 0,-26 0 15,26 0-15,-26-26 16,25 26-16,-25-26 0,26 26 16,-26-25-16,0 25 15,0 0-15,0-26 0,-26 0 16,0 0 0,-26 26 15,26 26-31,0 0 15,0 0-15,0-1 16,0 1-16,0 0 16,0 0-16,0 0 15,26 0-15,0 0 16,0-26-16,0 0 16,-1 0-16,1 0 15,0 0-15,26-26 0,-26 26 16,0-26-16,-26 0 15,26 0-15,0 0 0,-26 0 16,26 1-16,-26-1 16,0 0-16,0 52 31,26 0-31,0-1 0,-26 27 16,26 0-16,-1 26 15,1-26-15,0 26 0,-26-27 16,26 27-16,-26-26 15,0 0-15,-26-26 0,0 26 16,26-27-16,-51-25 16,25 26-16,0-26 0,-26 0 15,26-26-15,0 26 0,0-25 16,0-27-16,26 26 16,0-26-16,26 0 0,0 0 15,0 0-15,26 1 16,0-1-16,-1 26 0,1-26 15,0 52-15,0-26 0,0 26 16,-26 0-16,0 0 16,0 0-16,-26 26 0</inkml:trace>
+  <inkml:trace contextRef="#ctx0" brushRef="#br0" timeOffset="29047">23254 0 0,'26'0'31</inkml:trace>
+  <inkml:trace contextRef="#ctx0" brushRef="#br0" timeOffset="30670">16904 1814 0,'0'-26'15,"26"26"-15,-26-26 16,26 26 15,-26 26-31,0 0 16,0 0-16,0 0 15,0 0-15,0 0 0,0 25 16,0-25-16,0 0 0,-26 26 16,26-26-16,0 0 15,0 0-15,0 0 0,-26 0 16,26 0-1</inkml:trace>
+  <inkml:trace contextRef="#ctx0" brushRef="#br0" timeOffset="31303">17267 1866 0,'-26'-26'0,"26"0"15,-26 0-15,26 52 32,0 0-32,26-26 15,-26 26-15,0 26 0,0-26 16,0-1-16,0 1 16,0 26-16,0-26 0,0 0 15,0 0-15,-26 0 16,26 0-16,0 0 0,-26 0 15,52-26 17,-26-26-17,26 0-15,-26 0 0,26 0 16,0 0-16,-26-26 16,26 26-16,-26-26 0,26 27 15,-26-27-15,26 26 16,-26 0-16,0 0 0,0 0 15,26 26-15,0 26 16,-26 0 0,25 0-16,1 0 0,-26 0 15,26 0-15,0 25 16,0-25-16,-26 0 0,26 0 16,0-26-16,0 26 0,0 0 15,0-26 1,0-26-1,-26 0-15,26 26 16,-26-26-16,0-26 0,25 26 16,-25 1-16,0-27 0,26 0 15,-26 26-15,0-26 16,0 0-16,0 26 0,0 0 16,0 0-16,0 52 31,0 0-31,0 0 0,0 0 15,0 26-15</inkml:trace>
+  <inkml:trace contextRef="#ctx0" brushRef="#br0" timeOffset="31754">17448 2462 0,'-25'0'16,"-1"0"0,26 26 30,26-26-46,-26 26 0,0 0 16,0 0 0,25-1-16,-25 1 0,0 0 15,0 0-15,0 0 0,26 0 16,-26 0 0,26 0-16,0-26 15,0 0 1,0 0-16,0 0 0,0 0 15,26-26-15,-26 26 0,25 0 16,-25-26-16,26 26 16,-26 0-16,0 0 0,0 0 15,0 0 1</inkml:trace>
+  <inkml:trace contextRef="#ctx0" brushRef="#br0" timeOffset="32503">18200 2514 0,'-26'0'31,"26"26"-31,0 0 16,0-1-16,0 1 15,0 0-15,0 0 16,0 0-16,0 0 0,0 0 16,0 0-16,0 0 15,0 0-15,0 0 16,0 0-16,0-52 47,0 0-32,0 0-15,0 0 0,0 0 16,0 0-16,26 0 0,-26-26 16,0 0-16,26 27 15,0-27-15,-26 26 0,26 0 16,0 0-16,0 0 15,0 26-15,0 0 0,-1 26 16,1 0-16,-26 0 16,26 0-16,-26 0 15,0 0-15,26-1 0,-26 1 16,0 0-16,0 0 16,26 0-16,-26 0 15,0 0 1,0-52-1,0 0 1,0 0 0,26 0-16,0 0 15,-26-25-15,26 25 0,0-26 16,0 26-16,0 0 16,0 0-16,-1 26 0,1-26 15,0 26-15,0 0 16,0 26-16,-26 0 0,26 0 15,-26 0-15,26 0 0,-26 0 16,0 25-16,26-25 16,-26 0-16,0 0 0,0 0 15,0 0-15,0 0 16,0 0-16,-26-26 16,26 26-16</inkml:trace>
+  <inkml:trace contextRef="#ctx0" brushRef="#br0" timeOffset="32947">19081 2384 0,'0'-26'0,"26"26"15,-26 26 1,0 0-1,26 0-15,-26 0 16,0 0-16,26 26 0,-26-26 16,26-1-16,-26 1 0,0 26 15,26-26-15,-26 0 16,0 0-16,0 0 0,26-26 16,-26 26-16,26-26 15,0 0 1,0-26-1,-1 26-15,1-26 16,0 0-16,-26-26 0,26 26 16,-26-26-16,26 27 15,-26-27-15,0 26 0,0 0 16,0 0-16,-26 0 0,26 0 16,-26 26-1,26 26 1,0 0-1,26 0 1</inkml:trace>
+  <inkml:trace contextRef="#ctx0" brushRef="#br0" timeOffset="33542">19548 2410 0,'26'0'16,"-26"26"31,26 0-32,-26 0-15,0 0 0,0 0 16,0 25-16,0-25 16,0 0-16,0 0 0,0 26 15,0-26-15,0 0 16,0 0-1,0-52 1,0 0 0,0 0-16,26 0 15,-26-26-15,26 26 0,-26 0 16,25-25-16,-25-1 16,26 26-16,-26-26 0,0 26 15,26 0-15,-26 0 16,26 26-16,0 0 15,-26 26-15,26 0 16,-26 0-16,0 0 16,0 0-16,0 0 0,26 0 15,-26 0-15,0 0 16,0-52 31,26 0-32,-26 0-15,26 0 16,-26 0-16,26 0 0,-26 0 16,26 0-16,-26 0 0,26 26 15,-1 0-15,-25 26 16,26 0-16,0 0 0,0 0 16,0 26-16,0 0 15,0-1-15,0 1 0,0 0 16,-26 0-16,0-26 0</inkml:trace>
+  <inkml:trace contextRef="#ctx0" brushRef="#br0" timeOffset="34186">17578 2747 0,'0'-26'16,"26"26"0,-26-26-16,-26 52 31,26 0-31,-26 0 16,26 26-16,0-26 15,0 0-15,0-1 16,0 27-16,0 0 0,0-26 15,0 26-15,0 0 0,26-26 16,-26 26-16,0-27 16,26 1-16,-26 0 0,26 0 15,0-26-15,-26 26 16,26-26-16,26 0 16,-27 0-16,1 0 0,26-26 0,0 26 15,-26-26-15,26 26 16,0-26-16,-26 26 0,25-26 15,-25 26-15,0-25 16</inkml:trace>
+  <inkml:trace contextRef="#ctx0" brushRef="#br0" timeOffset="34448">18485 3084 0,'-26'0'0,"26"-26"15,26 26 1,0 26 0,-26 0-1,26 0-15,-26 0 0,0 0 16,0 0-16,26 25 15,-26-25-15,0 0 0,0 26 16,0-26-16</inkml:trace>
+  <inkml:trace contextRef="#ctx0" brushRef="#br0" timeOffset="34802">18382 3214 0,'-26'-26'16,"26"0"-16,-26 0 0,26 0 15,0 0-15,26 0 0,0 0 16,-1 26-16,1 0 16,0 0-16,26 0 0,-26 0 15,26 26-15,0 0 16,0 0-16,-1 0 0,-25 26 15,26-26-15,-26 25 0,0-25 16,0 26-16,-26-26 16,0 26-16,-26-26 0,0 0 15,0 0-15,0 0 0,-26-26 16,1 25-16,-1-25 16,0 26-16,0-26 0,0 0 15,26 0-15,-26 0 16,27 0-16,-1-26 0,26 1 15,-26 25-15</inkml:trace>
+  <inkml:trace contextRef="#ctx0" brushRef="#br0" timeOffset="35138">19237 3188 0,'26'-26'0,"-26"0"0,0 0 16,0 0-16,-26 0 0,26 0 15,-26 26-15,0 0 16,0 26 0,26 0-16,-26 0 15,0 26-15,26 0 0,-26-1 16,26 1-16,0-26 0,0 26 15,0 0-15,0-26 16,0 0-16,0 0 0,26-1 16,0-25-16,0 26 15,0-26-15,0 0 0,26 0 16,-26 0-16,25-26 0,-25 1 16,0-1-16,26 26 15</inkml:trace>
+  <inkml:trace contextRef="#ctx0" brushRef="#br0" timeOffset="35282">19366 3291 0,'-26'-26'0,"-25"26"0,25 0 16,0-26-16,0 26 15,0 0-15,0 0 0,52 0 32,0 0-32,0 0 15,0 0-15,26 0 0,-27 0 16</inkml:trace>
+  <inkml:trace contextRef="#ctx0" brushRef="#br0" timeOffset="35576">19729 3084 0,'0'-26'16,"26"26"31,-26 26-32,0 0 1,0 0-16,0 0 16,0 0-16,0 0 0,-26 25 15,26-25-15,0 26 0,-26-26 16,26 0-16,0 0 16,0 0-16,0 0 0,26 0 15,0 0 1,26-26-16,-26 0 0,26 0 15,0 0-15,-1 0 0,27 0 16,-26-26-16,0 26 16</inkml:trace>
+  <inkml:trace contextRef="#ctx0" brushRef="#br0" timeOffset="36344">17578 3421 0,'0'-26'16,"-26"0"-1,52 26 32,-26 26-31,0 0-16,0 0 16,0 0-16,0 26 0,0-27 15,0 27-15,0 0 16,0 0-16,0 0 0,-26 0 15,26-1-15,0 1 0,-26 0 16,26 0-16,0-26 16,0 26-16,0-26 0,0 0 15,0-1-15,0 1 16,26-26-16,0 26 0,0-26 16,0 26-16,0-26 0,26 0 15,-1 0-15,27 0 16,-26-26-16,0 26 0,26-26 15,-27 26-15,1 0 0,0-26 16,0 26-16,-26 0 16,0-25-16,0 25 0</inkml:trace>
+  <inkml:trace contextRef="#ctx0" brushRef="#br0" timeOffset="36799">18459 3913 0,'-26'0'0,"52"0"31,0 0-31,0-26 16,0 26-16,26 0 15,-26-26-15,26 26 0,-1 0 16,-25 0-16,26-25 0,0 25 16,-26 0-16,0 0 15,0 0-15,0 0 16,-52 0 15,0 25-15,0-25-1,0 26 1,0-26 15</inkml:trace>
+  <inkml:trace contextRef="#ctx0" brushRef="#br0" timeOffset="39847">18511 3965 0,'-26'0'16,"26"26"31,0 0-32,0 0 1,0 0-16,0 0 0,0 0 16,0 0-16,0-1 0,-26 1 15,26 0-15,0 0 16,0 0-16,0 0 0,0 0 15,0 0 1,0-52 15,0 0-15,0 0-16,0 0 16,0 0-16,0 0 0,0 0 15,0-25-15,26 25 16,-26-26-16,0 0 0,26 26 15,-26-26-15,0 26 16,26 0-16,0 1 0,-26-1 16,26 26-16,0-26 0,0 26 15,0 0-15,0 0 16,-1 26-16,1-26 0,-26 26 16,26-26-16,0 25 15,0 1-15,-26 0 0,26 0 16,-26 0-16,0 0 15,-26 0 1,0 0-16,0-26 16,26 26-16,-26-26 15,0 0-15,1 0 0,25 26 16,-26-26-16,52 0 47,-1-26-47,27 26 15,-26 0-15,0 0 16,0 0-16,0 26 0,0-26 16,0 26-16,0 0 15,0-26-15,0 25 0,-26 1 16,0 0-16,-26 0 16,0-26-1,0 26-15,-26 0 0,0-26 16,26 26-16,-26-26 15,1 0-15,25 26 0,-26-26 16,26 0-16,0 0 16,0-26-16,0 0 15</inkml:trace>
+  <inkml:trace contextRef="#ctx0" brushRef="#br0" timeOffset="40208">19237 3913 0,'26'-26'16,"-26"52"46,0 0-62,0 0 0,0 0 16,0 0-16,0 0 16,0 0-16,0 26 0,0-26 15,0-1-15,0 1 16,0 0-16,0 0 0,0 0 16,0 0-1,26-26-15,0 26 16,-1-26-16,1 0 0,0 0 15,26 0-15,-26 0 16,26-26-16,-26 26 0,26 0 16,-26-26-16</inkml:trace>
+  <inkml:trace contextRef="#ctx0" brushRef="#br0" timeOffset="40820">19859 4017 0,'-26'-26'0,"0"26"16,26 26 15,0 0-31,0 0 16,0 0-1,0 0-15,0 0 0,0-1 16,0 1-16,0 0 15,0 0-15,0 0 0,0 0 16,26-26 0,-26-26 15,0 0-15,0 0-16,0 0 0,0-25 15,26 25-15,-26-26 0,0 26 16,26-26-16,-26 0 15,26 0-15,-26 1 0,26 25 16,0 0-16,-1 0 16,1 26-16,0 0 0,0 0 15,0 0-15,0 26 16,0 0-16,0-26 0,-26 51 16,26-25-16,-26 0 0,0 0 15,-26 0-15,0 0 16,0 0-16,0-26 0,-26 26 15,26 0-15,0-26 0,-25 26 16,25-26-16,0 0 16,0 0-16,52 0 47,0 0-47,0 0 0,0 0 15,-1 26-15,1 0 16,0-1-16,0-25 15,52 78-15,-52-52 0,0 0 16,-26 26-16</inkml:trace>
+  <inkml:trace contextRef="#ctx0" brushRef="#br0" timeOffset="42038">17241 4613 0,'-26'0'16,"26"-26"0,-26 26-1,26 26-15,0 0 16,0 0-16,0 0 0,0 0 15,0 0-15,26 26 16,0-27-16,-26 27 0,26-26 16,0 0-16,-26 0 15,26 0-15,0-26 0,-26 26 16,26-26-16,0 0 0,0 0 16,-1 0-1,1 0-15,0-26 16,0 0-16,0 0 15,26-26-15,-26 26 0,0-25 16,0-1-16,0 0 0,0 26 16,-26-26-16,0 0 15,25 26-15,-25 0 0,0 1 16,-25 25 0,-1 25-1,26 1-15,0 0 16,0 0-16</inkml:trace>
+  <inkml:trace contextRef="#ctx0" brushRef="#br0" timeOffset="42423">18122 4587 0,'26'-26'0,"0"26"16,-26-26-1,0 0-15,-26 26 16,26-25 0,-26 25-16,0 0 15,0 25-15,1 1 16,-1 0 0,0 0-16,0 0 0,26 0 15,-26 0-15,26 0 16,0 0-16,26 0 0,0 0 15,0 0-15,0-1 16,-1-25-16,27 26 0,-26 0 16,0-26-16,0 0 0,0 26 15,0-26-15,-26 26 16,-26-26 0,0 0-16,-26 26 0,0-26 15,1 26-15,-1-26 16,-26 26-16,26-26 0,0 26 15</inkml:trace>
+  <inkml:trace contextRef="#ctx0" brushRef="#br0" timeOffset="42861">17837 5131 0,'26'0'15,"-26"26"1,26 0 0,-26 0-1,26-26-15,-26 26 0,26 0 16,0 0-16,-26 0 15,26 0-15,0 0 0,0 0 16,-1-26-16,1 26 0,0-1 16,0-25-16,26 26 15,-26-26-15,26 0 0,0 0 16,0 0-16,-1 0 16,27 0-16,-26-26 0,26 26 15,-1 0-15,1-25 0,-26 25 16,26 0-16,-26-26 15,-1 26-15,-25 0 0,0 0 16,0-26-16,-52 26 31,26-26-15</inkml:trace>
+  <inkml:trace contextRef="#ctx0" brushRef="#br0" timeOffset="45044">16412 2021 0,'-26'0'0,"0"0"15,0 26 1,0 0 0,0 0-16,0 0 0,0 26 15,0-26-15,0 26 16,1-1-16,-27 1 0,26 0 16,0-26-16,-26 26 15,26 0-15,-26-26 0,26 25 16,0 1-16,26 0 0,-25 0 15,25 0-15,0 25 16,25 1-16,1 0 0,0 26 16,0-1-16,0-25 15,0 26-15,26-1 0,-26-25 16,0 26-16,0-26 0,0-1 16,-1-25-16,1 0 15,0 26-15,0-52 0,0 26 16,0-27-16,0 27 15,0-26-15,0 0 0,0 0 16,0 0-16,0 0 16,-26 0-16,25-26 15,1 26-15,0 0 16,0-26-16,26 0 0,-26 0 16,26 0-16,0-26 15,-1 26-15,1-26 0,0 26 16,0-26-16,0 0 15</inkml:trace>
+  <inkml:trace contextRef="#ctx0" brushRef="#br0" timeOffset="45698">16049 3680 0,'0'-26'15,"0"0"-15,0 0 16,0 0-1,-26 26-15,0 0 16,0 0-16,-26 0 16,26 0-16,-51 26 0,25-26 15,-26 26-15,-26 26 16,-25-26-16,-1 0 0,1 26 16,-53-26-16,1 25 0,-27 1 15,-25 0-15,0 0 16,-26 0-16,-1 26 0,1-27 15,-26 1-15,0 26 16,0-26-16,0 26 0,26-27 16,-52 27-16,26 0 0,-1 0 15,1-1-15,-26 1 16,26 0-16,0 0 0,26-1 16,0 1-16,0 0 15,51-26-15,1 26 0,0-27 16,25 1-16,27 0 15,25 0-15,0-26 0,27 26 16,-1-26-16,26 0 0,26-1 16,27 1-16,-1-26 15,0 26-15,52 0 16,0-26 0,-1 0-16,1 0 15,0 0-15,0 0 16,-52 0-1,0 0 1,0 26-16,1-26 0</inkml:trace>
+  <inkml:trace contextRef="#ctx0" brushRef="#br0" timeOffset="46041">7599 5235 0,'-25'0'0,"-1"26"16,0-26-16,0 26 0,0 0 15,0 0-15,0 0 0,0 26 16,-26-27-16,26 27 15,0 0-15,-25-26 0,25 26 16,0-26-16,0 26 16,0-26-16,26 0 0,0-1 15,0 1-15,52 0 16,-26-26-16,26 0 16,-1 26-16,27-26 0,-26 0 15,26 0-15,-1 26 16,1-26-16,0 26 0</inkml:trace>
+  <inkml:trace contextRef="#ctx0" brushRef="#br0" timeOffset="49687">16049 7905 0,'0'-26'16,"0"0"-16,26 0 0,-26 0 15,26 26 1,-26 26-16,0 0 16,26 26-16,-26-26 15,0 25-15,0 1 0,0 0 16,26 0-16,-26 26 0,0-26 16,0-1-16,0 27 15,0-26-15,0 0 0,0 0 16,0 0-16,0-1 15,0-25-15,0 0 16</inkml:trace>
+  <inkml:trace contextRef="#ctx0" brushRef="#br0" timeOffset="49987">16723 7957 0,'0'-26'0,"0"0"15,26 26 1,-26 26 0,0 0-16,0-1 15,0 1-15,-26 0 0,26 26 16,-26 0-16,26 0 15,-26 0-15,26 0 0,-26-27 16,26 27-16,0 0 16,0-26-16,0 0 0,0 0 15,0 0-15</inkml:trace>
+  <inkml:trace contextRef="#ctx0" brushRef="#br0" timeOffset="50430">16723 8008 0,'-26'-26'0,"26"1"16,26 25 15,0 25-31,0 1 16,25 0-16,-25 0 0,0 0 15,26 0-15,0 26 16,-26 0-16,26-26 0,-26 26 16,25-1-16,-25 1 0,26-26 15,-26 26-15,0-26 16,0 0-16,0 0 16,0-52-1,0 0-15,-26-26 16,0 26-16,26-26 0,-26-25 15,26 25-15,-26 0 16,0-26-16,0 0 0,0 26 16,0-25-16,-26 25 15,26 0-15,0 0 0,-26 26 16,26 0-16,0 52 31,26 0-31,-26 0 16,0 0-16,26 0 15,-26 0-15,0 0 0</inkml:trace>
+  <inkml:trace contextRef="#ctx0" brushRef="#br0" timeOffset="50753">18122 8112 0,'-26'0'32,"0"0"-17,52 0 1,0 0-16,0 0 16,0 0-16,26-26 0,0 26 15,0-26-15,0 26 0,-1 0 16,27-26-16,-52 26 15,26-26-15,-26 26 0,0 0 16,0 0-16,-26-26 16,-26 52 15</inkml:trace>
+  <inkml:trace contextRef="#ctx0" brushRef="#br0" timeOffset="51533">19185 7801 0,'0'-26'16,"0"52"15,0 0-31,0 0 16,0 0-16,0 26 15,0-26-15,0 25 0,0-25 16,0 26-16,-26-26 0,26 26 15,0-26-15,0 0 16,0 0-16,-26 0 0,26 0 16,0-1-1,0-50 1,0-1-16,0 0 16,0 0-1,0-26-15,0 26 0,0-26 16,26 0-16,-26 0 15,0-25-15,26 25 0,0 0 16,-26 0-16,26 26 0,0-26 16,0 27-16,25 25 15,-25 0-15,0 25 0,0-25 16,0 26-16,0 26 0,0-26 16,-26 26-16,26 0 15,-26 0-15,26-26 0,-26 25 16,0-25-16,0 0 15,0 0-15,0 0 0,0 0 16,0-52 15,0 0-15,0 0-16,0 0 16,0-26-16,26 1 0,-26-1 15,26 0-15,-26 0 0,26 0 16,0 26-16,-1-25 15,27 25-15,-26 26 0,0 0 16,0 0-16,26 26 16,-26-1-16,0 1 0,0 26 15,0 0-15,-1 0 0,-25-26 16,26 26-16,-26-1 16,26 1-16,-26-26 0,0 0 15,0 0-15,0 0 16,0 0-16</inkml:trace>
+  <inkml:trace contextRef="#ctx0" brushRef="#br0" timeOffset="51948">20377 7646 0,'26'0'15,"-26"25"-15,0 1 16,0 0 0,0 0-16,0 26 0,26-26 15,-26 26-15,0 0 16,26-26-16,-26 25 0,26 1 16,-26-26-16,26 26 15,0-26-15,0 0 0,-26 0 16,26-26-16,-1 0 0,1 0 15,26-26-15,-26 26 16,0-52-16,0 26 0,0-26 16,0 26-16,0-26 15,0 1-15,0-1 0,-26-26 16,0 52-16,0-26 0,-26 0 16,26 27-16,-26-1 15,26 0-15,-26 0 16,26 52-1,0 0 1,26-26-16</inkml:trace>
+  <inkml:trace contextRef="#ctx0" brushRef="#br0" timeOffset="52728">21233 7723 0,'0'-26'16,"0"52"31,0 0-31,0 0-16,0 26 0,0-26 15,25 26-15,-25 0 16,0-1-16,0-25 0,0 0 15,0 0-15,0 0 0,0 0 16,0-52 0,26 0-1,-26 0-15,0 0 16,0 0-16,0-25 16,26-1-16,-26 0 0,26 0 15,-26 0-15,26 0 16,0 1-16,0-1 0,-26 26 15,26-26-15,0 26 0,0 26 16,0 0-16,0 0 16,-1 0-16,-25 26 0,26 0 15,0 26-15,-26 0 16,26-27-16,-26 27 0,26 0 16,-26 0-16,26-26 0,-26 0 15,0 0-15,26 0 16,-26 0-16,0-52 31,26 0-31,-26 0 16,0 0-16,26-26 0,-26 26 15,26-26-15,-26 0 16,26 1-16,0-1 0,-1 0 16,1 26-16,0 0 15,26 0-15,-26 26 0,0 0 16,0 0-16,26 0 0,-26 26 15,0-26-15,0 26 16,-1 0-16,1-26 16,0 0 15,-26-26-31,0 0 16,0 0-1,26 26 1,-26 26-1,0 0-15,26 0 0,-26 0 16,0 26-16,0 0 0,0 25 16,0 1-16,0 0 15,0-26-15,0 25 0</inkml:trace>
+  <inkml:trace contextRef="#ctx0" brushRef="#br0" timeOffset="161967">420 8138 0,'-26'0'0,"0"0"32,26 26-17,0 0-15,0 0 0,0 0 16,0 26-16,0-1 0,26 1 15,-26 26-15,0-26 16,0 0-16,26-1 0,-26 1 16,0 0-16,0 0 15</inkml:trace>
+  <inkml:trace contextRef="#ctx0" brushRef="#br0" timeOffset="162362">83 8397 0,'-26'-26'16,"0"-26"-16,26 27 16,-26-1-16,26 0 0,0 0 15,0 0-15,26 0 0,0 26 16,0-26-16,26 26 15,-26 0-15,26-26 0,0 26 16,-1 0-16,27 0 16,-26 26-16,0 0 0,0 0 15,0 0-15,-27 0 0,1 0 16,0 25-16,0 1 16,-26-26-16,0 26 0,-26-26 15,0 26-15,0 0 16,-25-26-16,25-1 0,-26 27 15,0-26-15,0 0 0,0 0 16,26 0-16,-25-26 16,25 26-16,0-26 0,0 0 15,0 0-15,0 0 16</inkml:trace>
+  <inkml:trace contextRef="#ctx0" brushRef="#br0" timeOffset="162650">1094 8112 0,'-26'0'15,"26"26"1,0 0 0,0 26-16,0-26 15,26 26-15,-26-1 0,0 1 16,26-26-16,-26 26 16,0 0-16,0 0 0,0-26 15,0-1-15,0 1 0</inkml:trace>
+  <inkml:trace contextRef="#ctx0" brushRef="#br0" timeOffset="163010">964 8164 0,'0'-52'16,"-26"26"-16,26 0 0,0 0 15,0 0-15,0 0 0,26 1 16,26 25 0,0 0-16,0 0 0,0 0 15,0 25-15,25 1 0,1 0 16,-26 0-16,0 0 16,0 26-16,-27 0 0,1-26 15,0 26-15,-26-1 16,-26 1-16,0 0 0,1 0 15,-27 0-15,0 0 0,0-26 16,0 25-16,0-25 16,1 0-16,25-26 0,0 26 15,-26-26-15,26 0 16,26-26-16,0 0 16,0 0-16</inkml:trace>
+  <inkml:trace contextRef="#ctx0" brushRef="#br0" timeOffset="163400">2079 8242 0,'52'-26'0,"-52"0"15,26 0-15,0 0 16,-26 0-16,25 0 15,1 26 1,0-26-16,0 26 0,0 0 16,26 26-16,0-26 0,-26 26 15,26 0-15,-27 0 16,1 0-16,-26 26 0,0-26 16,0 25-16,0 1 15,-26 0-15,-25 0 0,25 0 16,-26 0-16,0-26 15,26 25-15,-26-25 0,26 0 16,0 0-16,26 0 16,26-26-16,0 0 15,26-26-15,26 26 0,0-26 16,25 0-16,1 26 0,0-26 16,25 0-16,-25 26 15,26-25-15,-27 25 0</inkml:trace>
+  <inkml:trace contextRef="#ctx0" brushRef="#br0" timeOffset="163892">7003 8138 0,'26'-26'16,"-26"0"-16,0 0 15,26 26 1,0 0-16,0 26 15,-26 0-15,26 26 16,0-26-16,-26 26 16,26 0-16,-26-1 0,26 1 15,-26 26-15,0-26 16,0-26-16,0 26 0,0-1 16,-26-25-16,26 0 15,-26 0-15</inkml:trace>
+  <inkml:trace contextRef="#ctx0" brushRef="#br0" timeOffset="164251">6822 8319 0,'-26'-25'0,"0"-27"16,0 26-16,0 0 15,0 0-15,26-26 0,26 26 16,0 0-16,26 0 15,0 26-15,0 0 16,25 0-16,1 0 0,0 0 16,0 26-16,-1 0 15,-25 0-15,26 0 0,-26 0 16,0 26-16,-26-26 0,0 26 16,-26-1-16,0 1 15,0 0-15,-26-26 0,-26 26 16,0 0-16,0-26 15,-26 25-15,27-25 0,-1 0 16,0 0-16,0 0 0,0-26 16,26 0-16,-26 0 15,27 0-15,25-26 16,0-26-16,0 26 0,25-25 16</inkml:trace>
+  <inkml:trace contextRef="#ctx0" brushRef="#br0" timeOffset="164557">7936 8060 0,'0'-26'15,"0"0"1,0 52 15,26 0-15,-26 0-16,26 26 0,-26 0 15,0-26-15,26 26 0,-26-1 16,0 1-16,0 0 16,26 0-16,-26 0 0,0-26 15,0 26-15,0-27 16,26-25-16,-26 26 0</inkml:trace>
+  <inkml:trace contextRef="#ctx0" brushRef="#br0" timeOffset="164906">7885 8112 0,'0'-26'0,"-26"0"16,26 0-16,0 0 0,0 0 15,0 1-15,26 25 16,-1-26-16,1 26 0,26 0 16,0 0-16,0 0 0,0 0 15,0 0-15,-1 0 16,27 26-16,-26-1 0,0 1 16,0 0-16,-26 26 15,0-26-15,-1 26 0,-25 0 16,0 0-16,-25-1 0,-27 1 15,0 0-15,0 0 16,0-26-16,-26 26 0,27-26 16,-27 0-16,26-1 15,0-25-15,26 0 0,-26 0 16,26 0-16,26-25 0,-25 25 16,25-26-16,-26 0 15,26 0-15,0 0 0,0 0 16</inkml:trace>
+  <inkml:trace contextRef="#ctx0" brushRef="#br0" timeOffset="165524">8714 7957 0,'0'-26'0,"0"0"16,0 0-16,0 0 16,26 26-1,0 0-15,0-26 0,0 26 16,0 0-16,25 0 16,-25 0-16,26 0 0,-26 0 15,26 26-15,-26 0 16,0 0-16,0 0 0,-26 0 15,26-1-15,-26 1 0,0 0 16,0 26-16,-26-26 16,26 0-16,-26 0 0,0 0 15,0 0-15,0 0 0,0-26 16,0 26-16,0 0 16,0-26-16,26 25 15,26-50 16,0 25-31,0 0 16,0-26-16,0 26 16,0 0-16,0 0 0,26 0 15,-27 26-15,1-1 16,0 1-16,-26 0 0,26 0 16,-26 0-16,0 0 0,0 26 15,0-26-15,-26 0 16,0 0-16,-25 0 0,25-1 15,-26 1-15,26-26 16,-26 0-16,0 0 0,0 0 16,26 0-16,-25-26 0,25 26 15,0-25-15,0 25 16,0-26-16,26 0 0,-26 26 16,0 0-1,0 0-15</inkml:trace>
+</inkml:ink>
+</file>
+
 <file path=ppt/notesMasters/notesMaster1.xml><?xml version="1.0" encoding="utf-8"?>
 <p:notesMaster xmlns:a="http://schemas.openxmlformats.org/drawingml/2006/main" xmlns:r="http://schemas.openxmlformats.org/officeDocument/2006/relationships" xmlns:p="http://schemas.openxmlformats.org/presentationml/2006/main">
   <p:cSld>
@@ -204,7 +734,7 @@
           <a:p>
             <a:fld id="{4AF2A06D-4991-4208-8C88-4E8BAD69A8B8}" type="datetimeFigureOut">
               <a:rPr lang="en-US" smtClean="0"/>
-              <a:t>12/18/2020</a:t>
+              <a:t>12/21/2020</a:t>
             </a:fld>
             <a:endParaRPr lang="en-US"/>
           </a:p>
@@ -667,7 +1197,7 @@
                 <a:tabLst/>
                 <a:defRPr/>
               </a:pPr>
-              <a:t>7</a:t>
+              <a:t>8</a:t>
             </a:fld>
             <a:endParaRPr kumimoji="0" lang="en-US" sz="1200" b="0" i="0" u="none" strike="noStrike" kern="1200" cap="none" spc="0" normalizeH="0" baseline="0" noProof="0">
               <a:ln>
@@ -828,7 +1358,7 @@
           <a:p>
             <a:fld id="{E26E0DA5-0C76-4851-AA82-0B75261F9EB4}" type="datetimeFigureOut">
               <a:rPr lang="en-US" smtClean="0"/>
-              <a:t>12/18/2020</a:t>
+              <a:t>12/21/2020</a:t>
             </a:fld>
             <a:endParaRPr lang="en-US"/>
           </a:p>
@@ -996,7 +1526,7 @@
           <a:p>
             <a:fld id="{E26E0DA5-0C76-4851-AA82-0B75261F9EB4}" type="datetimeFigureOut">
               <a:rPr lang="en-US" smtClean="0"/>
-              <a:t>12/18/2020</a:t>
+              <a:t>12/21/2020</a:t>
             </a:fld>
             <a:endParaRPr lang="en-US"/>
           </a:p>
@@ -1174,7 +1704,7 @@
           <a:p>
             <a:fld id="{E26E0DA5-0C76-4851-AA82-0B75261F9EB4}" type="datetimeFigureOut">
               <a:rPr lang="en-US" smtClean="0"/>
-              <a:t>12/18/2020</a:t>
+              <a:t>12/21/2020</a:t>
             </a:fld>
             <a:endParaRPr lang="en-US"/>
           </a:p>
@@ -1501,7 +2031,7 @@
             <a:fld id="{9578D6DB-6798-42D2-B9AD-FC6F1C72FC30}" type="datetimeFigureOut">
               <a:rPr lang="en-US" smtClean="0"/>
               <a:pPr/>
-              <a:t>12/18/2020</a:t>
+              <a:t>12/21/2020</a:t>
             </a:fld>
             <a:endParaRPr lang="en-US"/>
           </a:p>
@@ -1743,7 +2273,7 @@
             <a:fld id="{425404F2-BE9A-4460-8815-8F645183555F}" type="datetimeFigureOut">
               <a:rPr lang="en-US" smtClean="0"/>
               <a:pPr/>
-              <a:t>12/18/2020</a:t>
+              <a:t>12/21/2020</a:t>
             </a:fld>
             <a:endParaRPr lang="en-US"/>
           </a:p>
@@ -1871,7 +2401,7 @@
             <a:fld id="{425404F2-BE9A-4460-8815-8F645183555F}" type="datetimeFigureOut">
               <a:rPr lang="en-US" smtClean="0"/>
               <a:pPr/>
-              <a:t>12/18/2020</a:t>
+              <a:t>12/21/2020</a:t>
             </a:fld>
             <a:endParaRPr lang="en-US"/>
           </a:p>
@@ -2121,7 +2651,7 @@
             <a:fld id="{425404F2-BE9A-4460-8815-8F645183555F}" type="datetimeFigureOut">
               <a:rPr lang="en-US" smtClean="0"/>
               <a:pPr/>
-              <a:t>12/18/2020</a:t>
+              <a:t>12/21/2020</a:t>
             </a:fld>
             <a:endParaRPr lang="en-US"/>
           </a:p>
@@ -2291,7 +2821,7 @@
             <a:fld id="{425404F2-BE9A-4460-8815-8F645183555F}" type="datetimeFigureOut">
               <a:rPr lang="en-US" smtClean="0"/>
               <a:pPr/>
-              <a:t>12/18/2020</a:t>
+              <a:t>12/21/2020</a:t>
             </a:fld>
             <a:endParaRPr lang="en-US"/>
           </a:p>
@@ -2578,7 +3108,7 @@
             <a:fld id="{425404F2-BE9A-4460-8815-8F645183555F}" type="datetimeFigureOut">
               <a:rPr lang="en-US" smtClean="0"/>
               <a:pPr/>
-              <a:t>12/18/2020</a:t>
+              <a:t>12/21/2020</a:t>
             </a:fld>
             <a:endParaRPr lang="en-US"/>
           </a:p>
@@ -2999,7 +3529,7 @@
             <a:fld id="{425404F2-BE9A-4460-8815-8F645183555F}" type="datetimeFigureOut">
               <a:rPr lang="en-US" smtClean="0"/>
               <a:pPr/>
-              <a:t>12/18/2020</a:t>
+              <a:t>12/21/2020</a:t>
             </a:fld>
             <a:endParaRPr lang="en-US"/>
           </a:p>
@@ -3124,7 +3654,7 @@
             <a:fld id="{425404F2-BE9A-4460-8815-8F645183555F}" type="datetimeFigureOut">
               <a:rPr lang="en-US" smtClean="0"/>
               <a:pPr/>
-              <a:t>12/18/2020</a:t>
+              <a:t>12/21/2020</a:t>
             </a:fld>
             <a:endParaRPr lang="en-US"/>
           </a:p>
@@ -3350,7 +3880,7 @@
           <a:p>
             <a:fld id="{E26E0DA5-0C76-4851-AA82-0B75261F9EB4}" type="datetimeFigureOut">
               <a:rPr lang="en-US" smtClean="0"/>
-              <a:t>12/18/2020</a:t>
+              <a:t>12/21/2020</a:t>
             </a:fld>
             <a:endParaRPr lang="en-US"/>
           </a:p>
@@ -3474,7 +4004,7 @@
             <a:fld id="{425404F2-BE9A-4460-8815-8F645183555F}" type="datetimeFigureOut">
               <a:rPr lang="en-US" smtClean="0"/>
               <a:pPr/>
-              <a:t>12/18/2020</a:t>
+              <a:t>12/21/2020</a:t>
             </a:fld>
             <a:endParaRPr lang="en-US"/>
           </a:p>
@@ -4021,7 +4551,7 @@
             <a:fld id="{425404F2-BE9A-4460-8815-8F645183555F}" type="datetimeFigureOut">
               <a:rPr lang="en-US" smtClean="0"/>
               <a:pPr/>
-              <a:t>12/18/2020</a:t>
+              <a:t>12/21/2020</a:t>
             </a:fld>
             <a:endParaRPr lang="en-US"/>
           </a:p>
@@ -4169,7 +4699,7 @@
             <a:fld id="{425404F2-BE9A-4460-8815-8F645183555F}" type="datetimeFigureOut">
               <a:rPr lang="en-US" smtClean="0"/>
               <a:pPr/>
-              <a:t>12/18/2020</a:t>
+              <a:t>12/21/2020</a:t>
             </a:fld>
             <a:endParaRPr lang="en-US"/>
           </a:p>
@@ -4402,7 +4932,7 @@
             <a:fld id="{425404F2-BE9A-4460-8815-8F645183555F}" type="datetimeFigureOut">
               <a:rPr lang="en-US" smtClean="0"/>
               <a:pPr/>
-              <a:t>12/18/2020</a:t>
+              <a:t>12/21/2020</a:t>
             </a:fld>
             <a:endParaRPr lang="en-US"/>
           </a:p>
@@ -4640,7 +5170,7 @@
             <a:fld id="{425404F2-BE9A-4460-8815-8F645183555F}" type="datetimeFigureOut">
               <a:rPr lang="en-US" smtClean="0"/>
               <a:pPr/>
-              <a:t>12/18/2020</a:t>
+              <a:t>12/21/2020</a:t>
             </a:fld>
             <a:endParaRPr lang="en-US"/>
           </a:p>
@@ -4822,7 +5352,7 @@
             <a:fld id="{425404F2-BE9A-4460-8815-8F645183555F}" type="datetimeFigureOut">
               <a:rPr lang="en-US" smtClean="0"/>
               <a:pPr/>
-              <a:t>12/18/2020</a:t>
+              <a:t>12/21/2020</a:t>
             </a:fld>
             <a:endParaRPr lang="en-US"/>
           </a:p>
@@ -5099,7 +5629,7 @@
             <a:fld id="{425404F2-BE9A-4460-8815-8F645183555F}" type="datetimeFigureOut">
               <a:rPr lang="en-US" smtClean="0"/>
               <a:pPr/>
-              <a:t>12/18/2020</a:t>
+              <a:t>12/21/2020</a:t>
             </a:fld>
             <a:endParaRPr lang="en-US"/>
           </a:p>
@@ -5353,7 +5883,7 @@
             <a:fld id="{425404F2-BE9A-4460-8815-8F645183555F}" type="datetimeFigureOut">
               <a:rPr lang="en-US" smtClean="0"/>
               <a:pPr/>
-              <a:t>12/18/2020</a:t>
+              <a:t>12/21/2020</a:t>
             </a:fld>
             <a:endParaRPr lang="en-US"/>
           </a:p>
@@ -5523,7 +6053,7 @@
             <a:fld id="{425404F2-BE9A-4460-8815-8F645183555F}" type="datetimeFigureOut">
               <a:rPr lang="en-US" smtClean="0"/>
               <a:pPr/>
-              <a:t>12/18/2020</a:t>
+              <a:t>12/21/2020</a:t>
             </a:fld>
             <a:endParaRPr lang="en-US"/>
           </a:p>
@@ -5703,7 +6233,7 @@
             <a:fld id="{425404F2-BE9A-4460-8815-8F645183555F}" type="datetimeFigureOut">
               <a:rPr lang="en-US" smtClean="0"/>
               <a:pPr/>
-              <a:t>12/18/2020</a:t>
+              <a:t>12/21/2020</a:t>
             </a:fld>
             <a:endParaRPr lang="en-US"/>
           </a:p>
@@ -5949,7 +6479,7 @@
           <a:p>
             <a:fld id="{E26E0DA5-0C76-4851-AA82-0B75261F9EB4}" type="datetimeFigureOut">
               <a:rPr lang="en-US" smtClean="0"/>
-              <a:t>12/18/2020</a:t>
+              <a:t>12/21/2020</a:t>
             </a:fld>
             <a:endParaRPr lang="en-US"/>
           </a:p>
@@ -6178,7 +6708,7 @@
           <a:p>
             <a:fld id="{E26E0DA5-0C76-4851-AA82-0B75261F9EB4}" type="datetimeFigureOut">
               <a:rPr lang="en-US" smtClean="0"/>
-              <a:t>12/18/2020</a:t>
+              <a:t>12/21/2020</a:t>
             </a:fld>
             <a:endParaRPr lang="en-US"/>
           </a:p>
@@ -6542,7 +7072,7 @@
           <a:p>
             <a:fld id="{E26E0DA5-0C76-4851-AA82-0B75261F9EB4}" type="datetimeFigureOut">
               <a:rPr lang="en-US" smtClean="0"/>
-              <a:t>12/18/2020</a:t>
+              <a:t>12/21/2020</a:t>
             </a:fld>
             <a:endParaRPr lang="en-US"/>
           </a:p>
@@ -6659,7 +7189,7 @@
           <a:p>
             <a:fld id="{E26E0DA5-0C76-4851-AA82-0B75261F9EB4}" type="datetimeFigureOut">
               <a:rPr lang="en-US" smtClean="0"/>
-              <a:t>12/18/2020</a:t>
+              <a:t>12/21/2020</a:t>
             </a:fld>
             <a:endParaRPr lang="en-US"/>
           </a:p>
@@ -6754,7 +7284,7 @@
           <a:p>
             <a:fld id="{E26E0DA5-0C76-4851-AA82-0B75261F9EB4}" type="datetimeFigureOut">
               <a:rPr lang="en-US" smtClean="0"/>
-              <a:t>12/18/2020</a:t>
+              <a:t>12/21/2020</a:t>
             </a:fld>
             <a:endParaRPr lang="en-US"/>
           </a:p>
@@ -7029,7 +7559,7 @@
           <a:p>
             <a:fld id="{E26E0DA5-0C76-4851-AA82-0B75261F9EB4}" type="datetimeFigureOut">
               <a:rPr lang="en-US" smtClean="0"/>
-              <a:t>12/18/2020</a:t>
+              <a:t>12/21/2020</a:t>
             </a:fld>
             <a:endParaRPr lang="en-US"/>
           </a:p>
@@ -7281,7 +7811,7 @@
           <a:p>
             <a:fld id="{E26E0DA5-0C76-4851-AA82-0B75261F9EB4}" type="datetimeFigureOut">
               <a:rPr lang="en-US" smtClean="0"/>
-              <a:t>12/18/2020</a:t>
+              <a:t>12/21/2020</a:t>
             </a:fld>
             <a:endParaRPr lang="en-US"/>
           </a:p>
@@ -7492,7 +8022,7 @@
           <a:p>
             <a:fld id="{E26E0DA5-0C76-4851-AA82-0B75261F9EB4}" type="datetimeFigureOut">
               <a:rPr lang="en-US" smtClean="0"/>
-              <a:t>12/18/2020</a:t>
+              <a:t>12/21/2020</a:t>
             </a:fld>
             <a:endParaRPr lang="en-US"/>
           </a:p>
@@ -8049,7 +8579,7 @@
             <a:fld id="{425404F2-BE9A-4460-8815-8F645183555F}" type="datetimeFigureOut">
               <a:rPr lang="en-US" smtClean="0"/>
               <a:pPr/>
-              <a:t>12/18/2020</a:t>
+              <a:t>12/21/2020</a:t>
             </a:fld>
             <a:endParaRPr lang="en-US"/>
           </a:p>
@@ -9314,6 +9844,699 @@
           <a:chExt cx="0" cy="0"/>
         </a:xfrm>
       </p:grpSpPr>
+      <mc:AlternateContent xmlns:mc="http://schemas.openxmlformats.org/markup-compatibility/2006">
+        <mc:Choice xmlns:p14="http://schemas.microsoft.com/office/powerpoint/2010/main" Requires="p14">
+          <p:contentPart p14:bwMode="auto" r:id="rId2">
+            <p14:nvContentPartPr>
+              <p14:cNvPr id="109" name="Ink 108">
+                <a:extLst>
+                  <a:ext uri="{FF2B5EF4-FFF2-40B4-BE49-F238E27FC236}">
+                    <a16:creationId xmlns:a16="http://schemas.microsoft.com/office/drawing/2014/main" id="{43D0DF6A-33E7-497C-834A-DBC95506C00C}"/>
+                  </a:ext>
+                </a:extLst>
+              </p14:cNvPr>
+              <p14:cNvContentPartPr/>
+              <p14:nvPr/>
+            </p14:nvContentPartPr>
+            <p14:xfrm>
+              <a:off x="6595171" y="3461481"/>
+              <a:ext cx="2325240" cy="457560"/>
+            </p14:xfrm>
+          </p:contentPart>
+        </mc:Choice>
+        <mc:Fallback>
+          <p:pic>
+            <p:nvPicPr>
+              <p:cNvPr id="109" name="Ink 108">
+                <a:extLst>
+                  <a:ext uri="{FF2B5EF4-FFF2-40B4-BE49-F238E27FC236}">
+                    <a16:creationId xmlns:a16="http://schemas.microsoft.com/office/drawing/2014/main" id="{43D0DF6A-33E7-497C-834A-DBC95506C00C}"/>
+                  </a:ext>
+                </a:extLst>
+              </p:cNvPr>
+              <p:cNvPicPr/>
+              <p:nvPr/>
+            </p:nvPicPr>
+            <p:blipFill>
+              <a:blip r:embed="rId3"/>
+              <a:stretch>
+                <a:fillRect/>
+              </a:stretch>
+            </p:blipFill>
+            <p:spPr>
+              <a:xfrm>
+                <a:off x="6586171" y="3452481"/>
+                <a:ext cx="2342880" cy="475200"/>
+              </a:xfrm>
+              <a:prstGeom prst="rect">
+                <a:avLst/>
+              </a:prstGeom>
+            </p:spPr>
+          </p:pic>
+        </mc:Fallback>
+      </mc:AlternateContent>
+      <mc:AlternateContent xmlns:mc="http://schemas.openxmlformats.org/markup-compatibility/2006">
+        <mc:Choice xmlns:p14="http://schemas.microsoft.com/office/powerpoint/2010/main" Requires="p14">
+          <p:contentPart p14:bwMode="auto" r:id="rId4">
+            <p14:nvContentPartPr>
+              <p14:cNvPr id="123" name="Ink 122">
+                <a:extLst>
+                  <a:ext uri="{FF2B5EF4-FFF2-40B4-BE49-F238E27FC236}">
+                    <a16:creationId xmlns:a16="http://schemas.microsoft.com/office/drawing/2014/main" id="{75C97510-6F3C-4656-94AE-A460AFBC0599}"/>
+                  </a:ext>
+                </a:extLst>
+              </p14:cNvPr>
+              <p14:cNvContentPartPr/>
+              <p14:nvPr/>
+            </p14:nvContentPartPr>
+            <p14:xfrm>
+              <a:off x="6792451" y="5448681"/>
+              <a:ext cx="1978560" cy="521280"/>
+            </p14:xfrm>
+          </p:contentPart>
+        </mc:Choice>
+        <mc:Fallback>
+          <p:pic>
+            <p:nvPicPr>
+              <p:cNvPr id="123" name="Ink 122">
+                <a:extLst>
+                  <a:ext uri="{FF2B5EF4-FFF2-40B4-BE49-F238E27FC236}">
+                    <a16:creationId xmlns:a16="http://schemas.microsoft.com/office/drawing/2014/main" id="{75C97510-6F3C-4656-94AE-A460AFBC0599}"/>
+                  </a:ext>
+                </a:extLst>
+              </p:cNvPr>
+              <p:cNvPicPr/>
+              <p:nvPr/>
+            </p:nvPicPr>
+            <p:blipFill>
+              <a:blip r:embed="rId5"/>
+              <a:stretch>
+                <a:fillRect/>
+              </a:stretch>
+            </p:blipFill>
+            <p:spPr>
+              <a:xfrm>
+                <a:off x="6783451" y="5439681"/>
+                <a:ext cx="1996200" cy="538920"/>
+              </a:xfrm>
+              <a:prstGeom prst="rect">
+                <a:avLst/>
+              </a:prstGeom>
+            </p:spPr>
+          </p:pic>
+        </mc:Fallback>
+      </mc:AlternateContent>
+      <mc:AlternateContent xmlns:mc="http://schemas.openxmlformats.org/markup-compatibility/2006">
+        <mc:Choice xmlns:p14="http://schemas.microsoft.com/office/powerpoint/2010/main" Requires="p14">
+          <p:contentPart p14:bwMode="auto" r:id="rId6">
+            <p14:nvContentPartPr>
+              <p14:cNvPr id="124" name="Ink 123">
+                <a:extLst>
+                  <a:ext uri="{FF2B5EF4-FFF2-40B4-BE49-F238E27FC236}">
+                    <a16:creationId xmlns:a16="http://schemas.microsoft.com/office/drawing/2014/main" id="{EC0702BB-CA96-4CAF-A80C-FD76DA5A9DA4}"/>
+                  </a:ext>
+                </a:extLst>
+              </p14:cNvPr>
+              <p14:cNvContentPartPr/>
+              <p14:nvPr/>
+            </p14:nvContentPartPr>
+            <p14:xfrm>
+              <a:off x="6578251" y="4058721"/>
+              <a:ext cx="2230200" cy="1176840"/>
+            </p14:xfrm>
+          </p:contentPart>
+        </mc:Choice>
+        <mc:Fallback>
+          <p:pic>
+            <p:nvPicPr>
+              <p:cNvPr id="124" name="Ink 123">
+                <a:extLst>
+                  <a:ext uri="{FF2B5EF4-FFF2-40B4-BE49-F238E27FC236}">
+                    <a16:creationId xmlns:a16="http://schemas.microsoft.com/office/drawing/2014/main" id="{EC0702BB-CA96-4CAF-A80C-FD76DA5A9DA4}"/>
+                  </a:ext>
+                </a:extLst>
+              </p:cNvPr>
+              <p:cNvPicPr/>
+              <p:nvPr/>
+            </p:nvPicPr>
+            <p:blipFill>
+              <a:blip r:embed="rId7"/>
+              <a:stretch>
+                <a:fillRect/>
+              </a:stretch>
+            </p:blipFill>
+            <p:spPr>
+              <a:xfrm>
+                <a:off x="6569251" y="4049721"/>
+                <a:ext cx="2247840" cy="1194480"/>
+              </a:xfrm>
+              <a:prstGeom prst="rect">
+                <a:avLst/>
+              </a:prstGeom>
+            </p:spPr>
+          </p:pic>
+        </mc:Fallback>
+      </mc:AlternateContent>
+      <mc:AlternateContent xmlns:mc="http://schemas.openxmlformats.org/markup-compatibility/2006">
+        <mc:Choice xmlns:p14="http://schemas.microsoft.com/office/powerpoint/2010/main" Requires="p14">
+          <p:contentPart p14:bwMode="auto" r:id="rId8">
+            <p14:nvContentPartPr>
+              <p14:cNvPr id="133" name="Ink 132">
+                <a:extLst>
+                  <a:ext uri="{FF2B5EF4-FFF2-40B4-BE49-F238E27FC236}">
+                    <a16:creationId xmlns:a16="http://schemas.microsoft.com/office/drawing/2014/main" id="{AA531433-33D7-4475-A912-45F4DBFB3298}"/>
+                  </a:ext>
+                </a:extLst>
+              </p14:cNvPr>
+              <p14:cNvContentPartPr/>
+              <p14:nvPr/>
+            </p14:nvContentPartPr>
+            <p14:xfrm>
+              <a:off x="7016731" y="6148881"/>
+              <a:ext cx="1875600" cy="504720"/>
+            </p14:xfrm>
+          </p:contentPart>
+        </mc:Choice>
+        <mc:Fallback>
+          <p:pic>
+            <p:nvPicPr>
+              <p:cNvPr id="133" name="Ink 132">
+                <a:extLst>
+                  <a:ext uri="{FF2B5EF4-FFF2-40B4-BE49-F238E27FC236}">
+                    <a16:creationId xmlns:a16="http://schemas.microsoft.com/office/drawing/2014/main" id="{AA531433-33D7-4475-A912-45F4DBFB3298}"/>
+                  </a:ext>
+                </a:extLst>
+              </p:cNvPr>
+              <p:cNvPicPr/>
+              <p:nvPr/>
+            </p:nvPicPr>
+            <p:blipFill>
+              <a:blip r:embed="rId9"/>
+              <a:stretch>
+                <a:fillRect/>
+              </a:stretch>
+            </p:blipFill>
+            <p:spPr>
+              <a:xfrm>
+                <a:off x="7007731" y="6139881"/>
+                <a:ext cx="1893240" cy="522360"/>
+              </a:xfrm>
+              <a:prstGeom prst="rect">
+                <a:avLst/>
+              </a:prstGeom>
+            </p:spPr>
+          </p:pic>
+        </mc:Fallback>
+      </mc:AlternateContent>
+      <mc:AlternateContent xmlns:mc="http://schemas.openxmlformats.org/markup-compatibility/2006">
+        <mc:Choice xmlns:p14="http://schemas.microsoft.com/office/powerpoint/2010/main" Requires="p14">
+          <p:contentPart p14:bwMode="auto" r:id="rId10">
+            <p14:nvContentPartPr>
+              <p14:cNvPr id="148" name="Ink 147">
+                <a:extLst>
+                  <a:ext uri="{FF2B5EF4-FFF2-40B4-BE49-F238E27FC236}">
+                    <a16:creationId xmlns:a16="http://schemas.microsoft.com/office/drawing/2014/main" id="{62578A02-9DEA-403A-921E-A89493E8D598}"/>
+                  </a:ext>
+                </a:extLst>
+              </p14:cNvPr>
+              <p14:cNvContentPartPr/>
+              <p14:nvPr/>
+            </p14:nvContentPartPr>
+            <p14:xfrm>
+              <a:off x="493531" y="3431961"/>
+              <a:ext cx="1411920" cy="1215000"/>
+            </p14:xfrm>
+          </p:contentPart>
+        </mc:Choice>
+        <mc:Fallback>
+          <p:pic>
+            <p:nvPicPr>
+              <p:cNvPr id="148" name="Ink 147">
+                <a:extLst>
+                  <a:ext uri="{FF2B5EF4-FFF2-40B4-BE49-F238E27FC236}">
+                    <a16:creationId xmlns:a16="http://schemas.microsoft.com/office/drawing/2014/main" id="{62578A02-9DEA-403A-921E-A89493E8D598}"/>
+                  </a:ext>
+                </a:extLst>
+              </p:cNvPr>
+              <p:cNvPicPr/>
+              <p:nvPr/>
+            </p:nvPicPr>
+            <p:blipFill>
+              <a:blip r:embed="rId11"/>
+              <a:stretch>
+                <a:fillRect/>
+              </a:stretch>
+            </p:blipFill>
+            <p:spPr>
+              <a:xfrm>
+                <a:off x="484531" y="3422961"/>
+                <a:ext cx="1429560" cy="1232640"/>
+              </a:xfrm>
+              <a:prstGeom prst="rect">
+                <a:avLst/>
+              </a:prstGeom>
+            </p:spPr>
+          </p:pic>
+        </mc:Fallback>
+      </mc:AlternateContent>
+      <mc:AlternateContent xmlns:mc="http://schemas.openxmlformats.org/markup-compatibility/2006">
+        <mc:Choice xmlns:p14="http://schemas.microsoft.com/office/powerpoint/2010/main" Requires="p14">
+          <p:contentPart p14:bwMode="auto" r:id="rId12">
+            <p14:nvContentPartPr>
+              <p14:cNvPr id="153" name="Ink 152">
+                <a:extLst>
+                  <a:ext uri="{FF2B5EF4-FFF2-40B4-BE49-F238E27FC236}">
+                    <a16:creationId xmlns:a16="http://schemas.microsoft.com/office/drawing/2014/main" id="{3250FFB7-751F-4D60-A771-F2242D306730}"/>
+                  </a:ext>
+                </a:extLst>
+              </p14:cNvPr>
+              <p14:cNvContentPartPr/>
+              <p14:nvPr/>
+            </p14:nvContentPartPr>
+            <p14:xfrm>
+              <a:off x="625291" y="5008041"/>
+              <a:ext cx="1652400" cy="1271880"/>
+            </p14:xfrm>
+          </p:contentPart>
+        </mc:Choice>
+        <mc:Fallback>
+          <p:pic>
+            <p:nvPicPr>
+              <p:cNvPr id="153" name="Ink 152">
+                <a:extLst>
+                  <a:ext uri="{FF2B5EF4-FFF2-40B4-BE49-F238E27FC236}">
+                    <a16:creationId xmlns:a16="http://schemas.microsoft.com/office/drawing/2014/main" id="{3250FFB7-751F-4D60-A771-F2242D306730}"/>
+                  </a:ext>
+                </a:extLst>
+              </p:cNvPr>
+              <p:cNvPicPr/>
+              <p:nvPr/>
+            </p:nvPicPr>
+            <p:blipFill>
+              <a:blip r:embed="rId13"/>
+              <a:stretch>
+                <a:fillRect/>
+              </a:stretch>
+            </p:blipFill>
+            <p:spPr>
+              <a:xfrm>
+                <a:off x="616291" y="4999041"/>
+                <a:ext cx="1670040" cy="1289520"/>
+              </a:xfrm>
+              <a:prstGeom prst="rect">
+                <a:avLst/>
+              </a:prstGeom>
+            </p:spPr>
+          </p:pic>
+        </mc:Fallback>
+      </mc:AlternateContent>
+      <mc:AlternateContent xmlns:mc="http://schemas.openxmlformats.org/markup-compatibility/2006">
+        <mc:Choice xmlns:p14="http://schemas.microsoft.com/office/powerpoint/2010/main" Requires="p14">
+          <p:contentPart p14:bwMode="auto" r:id="rId14">
+            <p14:nvContentPartPr>
+              <p14:cNvPr id="169" name="Ink 168">
+                <a:extLst>
+                  <a:ext uri="{FF2B5EF4-FFF2-40B4-BE49-F238E27FC236}">
+                    <a16:creationId xmlns:a16="http://schemas.microsoft.com/office/drawing/2014/main" id="{D581E5F0-29C9-4458-AD90-051A24FBBB83}"/>
+                  </a:ext>
+                </a:extLst>
+              </p14:cNvPr>
+              <p14:cNvContentPartPr/>
+              <p14:nvPr/>
+            </p14:nvContentPartPr>
+            <p14:xfrm>
+              <a:off x="2426011" y="3179601"/>
+              <a:ext cx="2784960" cy="1467360"/>
+            </p14:xfrm>
+          </p:contentPart>
+        </mc:Choice>
+        <mc:Fallback>
+          <p:pic>
+            <p:nvPicPr>
+              <p:cNvPr id="169" name="Ink 168">
+                <a:extLst>
+                  <a:ext uri="{FF2B5EF4-FFF2-40B4-BE49-F238E27FC236}">
+                    <a16:creationId xmlns:a16="http://schemas.microsoft.com/office/drawing/2014/main" id="{D581E5F0-29C9-4458-AD90-051A24FBBB83}"/>
+                  </a:ext>
+                </a:extLst>
+              </p:cNvPr>
+              <p:cNvPicPr/>
+              <p:nvPr/>
+            </p:nvPicPr>
+            <p:blipFill>
+              <a:blip r:embed="rId15"/>
+              <a:stretch>
+                <a:fillRect/>
+              </a:stretch>
+            </p:blipFill>
+            <p:spPr>
+              <a:xfrm>
+                <a:off x="2417011" y="3170601"/>
+                <a:ext cx="2802600" cy="1485000"/>
+              </a:xfrm>
+              <a:prstGeom prst="rect">
+                <a:avLst/>
+              </a:prstGeom>
+            </p:spPr>
+          </p:pic>
+        </mc:Fallback>
+      </mc:AlternateContent>
+      <mc:AlternateContent xmlns:mc="http://schemas.openxmlformats.org/markup-compatibility/2006">
+        <mc:Choice xmlns:p14="http://schemas.microsoft.com/office/powerpoint/2010/main" Requires="p14">
+          <p:contentPart p14:bwMode="auto" r:id="rId16">
+            <p14:nvContentPartPr>
+              <p14:cNvPr id="173" name="Ink 172">
+                <a:extLst>
+                  <a:ext uri="{FF2B5EF4-FFF2-40B4-BE49-F238E27FC236}">
+                    <a16:creationId xmlns:a16="http://schemas.microsoft.com/office/drawing/2014/main" id="{BE5F3648-77A3-4BF0-B497-043D31BE571D}"/>
+                  </a:ext>
+                </a:extLst>
+              </p14:cNvPr>
+              <p14:cNvContentPartPr/>
+              <p14:nvPr/>
+            </p14:nvContentPartPr>
+            <p14:xfrm>
+              <a:off x="1800691" y="3946761"/>
+              <a:ext cx="205920" cy="942840"/>
+            </p14:xfrm>
+          </p:contentPart>
+        </mc:Choice>
+        <mc:Fallback>
+          <p:pic>
+            <p:nvPicPr>
+              <p:cNvPr id="173" name="Ink 172">
+                <a:extLst>
+                  <a:ext uri="{FF2B5EF4-FFF2-40B4-BE49-F238E27FC236}">
+                    <a16:creationId xmlns:a16="http://schemas.microsoft.com/office/drawing/2014/main" id="{BE5F3648-77A3-4BF0-B497-043D31BE571D}"/>
+                  </a:ext>
+                </a:extLst>
+              </p:cNvPr>
+              <p:cNvPicPr/>
+              <p:nvPr/>
+            </p:nvPicPr>
+            <p:blipFill>
+              <a:blip r:embed="rId17"/>
+              <a:stretch>
+                <a:fillRect/>
+              </a:stretch>
+            </p:blipFill>
+            <p:spPr>
+              <a:xfrm>
+                <a:off x="1791691" y="3937761"/>
+                <a:ext cx="223560" cy="960480"/>
+              </a:xfrm>
+              <a:prstGeom prst="rect">
+                <a:avLst/>
+              </a:prstGeom>
+            </p:spPr>
+          </p:pic>
+        </mc:Fallback>
+      </mc:AlternateContent>
+      <mc:AlternateContent xmlns:mc="http://schemas.openxmlformats.org/markup-compatibility/2006">
+        <mc:Choice xmlns:p14="http://schemas.microsoft.com/office/powerpoint/2010/main" Requires="p14">
+          <p:contentPart p14:bwMode="auto" r:id="rId18">
+            <p14:nvContentPartPr>
+              <p14:cNvPr id="185" name="Ink 184">
+                <a:extLst>
+                  <a:ext uri="{FF2B5EF4-FFF2-40B4-BE49-F238E27FC236}">
+                    <a16:creationId xmlns:a16="http://schemas.microsoft.com/office/drawing/2014/main" id="{3ADF36F6-D582-4825-AB60-4F9E28998BCE}"/>
+                  </a:ext>
+                </a:extLst>
+              </p14:cNvPr>
+              <p14:cNvContentPartPr/>
+              <p14:nvPr/>
+            </p14:nvContentPartPr>
+            <p14:xfrm>
+              <a:off x="763171" y="130761"/>
+              <a:ext cx="9015840" cy="3174120"/>
+            </p14:xfrm>
+          </p:contentPart>
+        </mc:Choice>
+        <mc:Fallback>
+          <p:pic>
+            <p:nvPicPr>
+              <p:cNvPr id="185" name="Ink 184">
+                <a:extLst>
+                  <a:ext uri="{FF2B5EF4-FFF2-40B4-BE49-F238E27FC236}">
+                    <a16:creationId xmlns:a16="http://schemas.microsoft.com/office/drawing/2014/main" id="{3ADF36F6-D582-4825-AB60-4F9E28998BCE}"/>
+                  </a:ext>
+                </a:extLst>
+              </p:cNvPr>
+              <p:cNvPicPr/>
+              <p:nvPr/>
+            </p:nvPicPr>
+            <p:blipFill>
+              <a:blip r:embed="rId19"/>
+              <a:stretch>
+                <a:fillRect/>
+              </a:stretch>
+            </p:blipFill>
+            <p:spPr>
+              <a:xfrm>
+                <a:off x="754171" y="121761"/>
+                <a:ext cx="9033480" cy="3191760"/>
+              </a:xfrm>
+              <a:prstGeom prst="rect">
+                <a:avLst/>
+              </a:prstGeom>
+            </p:spPr>
+          </p:pic>
+        </mc:Fallback>
+      </mc:AlternateContent>
+      <mc:AlternateContent xmlns:mc="http://schemas.openxmlformats.org/markup-compatibility/2006">
+        <mc:Choice xmlns:p14="http://schemas.microsoft.com/office/powerpoint/2010/main" Requires="p14">
+          <p:contentPart p14:bwMode="auto" r:id="rId20">
+            <p14:nvContentPartPr>
+              <p14:cNvPr id="217" name="Ink 216">
+                <a:extLst>
+                  <a:ext uri="{FF2B5EF4-FFF2-40B4-BE49-F238E27FC236}">
+                    <a16:creationId xmlns:a16="http://schemas.microsoft.com/office/drawing/2014/main" id="{5E758E60-04EA-4749-973F-C9467A47D599}"/>
+                  </a:ext>
+                </a:extLst>
+              </p14:cNvPr>
+              <p14:cNvContentPartPr/>
+              <p14:nvPr/>
+            </p14:nvContentPartPr>
+            <p14:xfrm>
+              <a:off x="2335291" y="4693041"/>
+              <a:ext cx="3599640" cy="1191600"/>
+            </p14:xfrm>
+          </p:contentPart>
+        </mc:Choice>
+        <mc:Fallback>
+          <p:pic>
+            <p:nvPicPr>
+              <p:cNvPr id="217" name="Ink 216">
+                <a:extLst>
+                  <a:ext uri="{FF2B5EF4-FFF2-40B4-BE49-F238E27FC236}">
+                    <a16:creationId xmlns:a16="http://schemas.microsoft.com/office/drawing/2014/main" id="{5E758E60-04EA-4749-973F-C9467A47D599}"/>
+                  </a:ext>
+                </a:extLst>
+              </p:cNvPr>
+              <p:cNvPicPr/>
+              <p:nvPr/>
+            </p:nvPicPr>
+            <p:blipFill>
+              <a:blip r:embed="rId21"/>
+              <a:stretch>
+                <a:fillRect/>
+              </a:stretch>
+            </p:blipFill>
+            <p:spPr>
+              <a:xfrm>
+                <a:off x="2326291" y="4684041"/>
+                <a:ext cx="3617280" cy="1209240"/>
+              </a:xfrm>
+              <a:prstGeom prst="rect">
+                <a:avLst/>
+              </a:prstGeom>
+            </p:spPr>
+          </p:pic>
+        </mc:Fallback>
+      </mc:AlternateContent>
+      <mc:AlternateContent xmlns:mc="http://schemas.openxmlformats.org/markup-compatibility/2006">
+        <mc:Choice xmlns:p14="http://schemas.microsoft.com/office/powerpoint/2010/main" Requires="p14">
+          <p:contentPart p14:bwMode="auto" r:id="rId22">
+            <p14:nvContentPartPr>
+              <p14:cNvPr id="218" name="Ink 217">
+                <a:extLst>
+                  <a:ext uri="{FF2B5EF4-FFF2-40B4-BE49-F238E27FC236}">
+                    <a16:creationId xmlns:a16="http://schemas.microsoft.com/office/drawing/2014/main" id="{854EEBCD-3EEB-4E44-B872-DB650820A77B}"/>
+                  </a:ext>
+                </a:extLst>
+              </p14:cNvPr>
+              <p14:cNvContentPartPr/>
+              <p14:nvPr/>
+            </p14:nvContentPartPr>
+            <p14:xfrm>
+              <a:off x="4355611" y="3862521"/>
+              <a:ext cx="263520" cy="635400"/>
+            </p14:xfrm>
+          </p:contentPart>
+        </mc:Choice>
+        <mc:Fallback>
+          <p:pic>
+            <p:nvPicPr>
+              <p:cNvPr id="218" name="Ink 217">
+                <a:extLst>
+                  <a:ext uri="{FF2B5EF4-FFF2-40B4-BE49-F238E27FC236}">
+                    <a16:creationId xmlns:a16="http://schemas.microsoft.com/office/drawing/2014/main" id="{854EEBCD-3EEB-4E44-B872-DB650820A77B}"/>
+                  </a:ext>
+                </a:extLst>
+              </p:cNvPr>
+              <p:cNvPicPr/>
+              <p:nvPr/>
+            </p:nvPicPr>
+            <p:blipFill>
+              <a:blip r:embed="rId23"/>
+              <a:stretch>
+                <a:fillRect/>
+              </a:stretch>
+            </p:blipFill>
+            <p:spPr>
+              <a:xfrm>
+                <a:off x="4346611" y="3853521"/>
+                <a:ext cx="281160" cy="653040"/>
+              </a:xfrm>
+              <a:prstGeom prst="rect">
+                <a:avLst/>
+              </a:prstGeom>
+            </p:spPr>
+          </p:pic>
+        </mc:Fallback>
+      </mc:AlternateContent>
+      <mc:AlternateContent xmlns:mc="http://schemas.openxmlformats.org/markup-compatibility/2006">
+        <mc:Choice xmlns:p14="http://schemas.microsoft.com/office/powerpoint/2010/main" Requires="p14">
+          <p:contentPart p14:bwMode="auto" r:id="rId24">
+            <p14:nvContentPartPr>
+              <p14:cNvPr id="219" name="Ink 218">
+                <a:extLst>
+                  <a:ext uri="{FF2B5EF4-FFF2-40B4-BE49-F238E27FC236}">
+                    <a16:creationId xmlns:a16="http://schemas.microsoft.com/office/drawing/2014/main" id="{ACACF771-8E7A-4846-BE09-46D10718FE35}"/>
+                  </a:ext>
+                </a:extLst>
+              </p14:cNvPr>
+              <p14:cNvContentPartPr/>
+              <p14:nvPr/>
+            </p14:nvContentPartPr>
+            <p14:xfrm>
+              <a:off x="5803531" y="4553361"/>
+              <a:ext cx="393480" cy="1036440"/>
+            </p14:xfrm>
+          </p:contentPart>
+        </mc:Choice>
+        <mc:Fallback>
+          <p:pic>
+            <p:nvPicPr>
+              <p:cNvPr id="219" name="Ink 218">
+                <a:extLst>
+                  <a:ext uri="{FF2B5EF4-FFF2-40B4-BE49-F238E27FC236}">
+                    <a16:creationId xmlns:a16="http://schemas.microsoft.com/office/drawing/2014/main" id="{ACACF771-8E7A-4846-BE09-46D10718FE35}"/>
+                  </a:ext>
+                </a:extLst>
+              </p:cNvPr>
+              <p:cNvPicPr/>
+              <p:nvPr/>
+            </p:nvPicPr>
+            <p:blipFill>
+              <a:blip r:embed="rId25"/>
+              <a:stretch>
+                <a:fillRect/>
+              </a:stretch>
+            </p:blipFill>
+            <p:spPr>
+              <a:xfrm>
+                <a:off x="5794531" y="4544361"/>
+                <a:ext cx="411120" cy="1054080"/>
+              </a:xfrm>
+              <a:prstGeom prst="rect">
+                <a:avLst/>
+              </a:prstGeom>
+            </p:spPr>
+          </p:pic>
+        </mc:Fallback>
+      </mc:AlternateContent>
+      <mc:AlternateContent xmlns:mc="http://schemas.openxmlformats.org/markup-compatibility/2006">
+        <mc:Choice xmlns:p14="http://schemas.microsoft.com/office/powerpoint/2010/main" Requires="p14">
+          <p:contentPart p14:bwMode="auto" r:id="rId26">
+            <p14:nvContentPartPr>
+              <p14:cNvPr id="224" name="Ink 223">
+                <a:extLst>
+                  <a:ext uri="{FF2B5EF4-FFF2-40B4-BE49-F238E27FC236}">
+                    <a16:creationId xmlns:a16="http://schemas.microsoft.com/office/drawing/2014/main" id="{2AC46303-38B2-4A6B-BA50-6EC76D8F0EE1}"/>
+                  </a:ext>
+                </a:extLst>
+              </p14:cNvPr>
+              <p14:cNvContentPartPr/>
+              <p14:nvPr/>
+            </p14:nvContentPartPr>
+            <p14:xfrm>
+              <a:off x="521971" y="2702241"/>
+              <a:ext cx="2389680" cy="2430000"/>
+            </p14:xfrm>
+          </p:contentPart>
+        </mc:Choice>
+        <mc:Fallback>
+          <p:pic>
+            <p:nvPicPr>
+              <p:cNvPr id="224" name="Ink 223">
+                <a:extLst>
+                  <a:ext uri="{FF2B5EF4-FFF2-40B4-BE49-F238E27FC236}">
+                    <a16:creationId xmlns:a16="http://schemas.microsoft.com/office/drawing/2014/main" id="{2AC46303-38B2-4A6B-BA50-6EC76D8F0EE1}"/>
+                  </a:ext>
+                </a:extLst>
+              </p:cNvPr>
+              <p:cNvPicPr/>
+              <p:nvPr/>
+            </p:nvPicPr>
+            <p:blipFill>
+              <a:blip r:embed="rId27"/>
+              <a:stretch>
+                <a:fillRect/>
+              </a:stretch>
+            </p:blipFill>
+            <p:spPr>
+              <a:xfrm>
+                <a:off x="512971" y="2693241"/>
+                <a:ext cx="2407320" cy="2447640"/>
+              </a:xfrm>
+              <a:prstGeom prst="rect">
+                <a:avLst/>
+              </a:prstGeom>
+            </p:spPr>
+          </p:pic>
+        </mc:Fallback>
+      </mc:AlternateContent>
+    </p:spTree>
+    <p:extLst>
+      <p:ext uri="{BB962C8B-B14F-4D97-AF65-F5344CB8AC3E}">
+        <p14:creationId xmlns:p14="http://schemas.microsoft.com/office/powerpoint/2010/main" val="64651022"/>
+      </p:ext>
+    </p:extLst>
+  </p:cSld>
+  <p:clrMapOvr>
+    <a:masterClrMapping/>
+  </p:clrMapOvr>
+</p:sld>
+</file>
+
+<file path=ppt/slides/slide4.xml><?xml version="1.0" encoding="utf-8"?>
+<p:sld xmlns:a="http://schemas.openxmlformats.org/drawingml/2006/main" xmlns:r="http://schemas.openxmlformats.org/officeDocument/2006/relationships" xmlns:p="http://schemas.openxmlformats.org/presentationml/2006/main">
+  <p:cSld>
+    <p:spTree>
+      <p:nvGrpSpPr>
+        <p:cNvPr id="1" name=""/>
+        <p:cNvGrpSpPr/>
+        <p:nvPr/>
+      </p:nvGrpSpPr>
+      <p:grpSpPr>
+        <a:xfrm>
+          <a:off x="0" y="0"/>
+          <a:ext cx="0" cy="0"/>
+          <a:chOff x="0" y="0"/>
+          <a:chExt cx="0" cy="0"/>
+        </a:xfrm>
+      </p:grpSpPr>
       <p:sp>
         <p:nvSpPr>
           <p:cNvPr id="11" name="Title 10"/>
@@ -9501,120 +10724,6 @@
 </p:sld>
 </file>
 
-<file path=ppt/slides/slide4.xml><?xml version="1.0" encoding="utf-8"?>
-<p:sld xmlns:a="http://schemas.openxmlformats.org/drawingml/2006/main" xmlns:r="http://schemas.openxmlformats.org/officeDocument/2006/relationships" xmlns:p="http://schemas.openxmlformats.org/presentationml/2006/main">
-  <p:cSld>
-    <p:spTree>
-      <p:nvGrpSpPr>
-        <p:cNvPr id="1" name=""/>
-        <p:cNvGrpSpPr/>
-        <p:nvPr/>
-      </p:nvGrpSpPr>
-      <p:grpSpPr>
-        <a:xfrm>
-          <a:off x="0" y="0"/>
-          <a:ext cx="0" cy="0"/>
-          <a:chOff x="0" y="0"/>
-          <a:chExt cx="0" cy="0"/>
-        </a:xfrm>
-      </p:grpSpPr>
-      <p:sp>
-        <p:nvSpPr>
-          <p:cNvPr id="2" name="Title 3">
-            <a:extLst>
-              <a:ext uri="{FF2B5EF4-FFF2-40B4-BE49-F238E27FC236}">
-                <a16:creationId xmlns:a16="http://schemas.microsoft.com/office/drawing/2014/main" id="{F07FC580-E2AB-4C55-8C95-D5E077A1D127}"/>
-              </a:ext>
-            </a:extLst>
-          </p:cNvPr>
-          <p:cNvSpPr txBox="1">
-            <a:spLocks/>
-          </p:cNvSpPr>
-          <p:nvPr/>
-        </p:nvSpPr>
-        <p:spPr>
-          <a:xfrm>
-            <a:off x="261764" y="188640"/>
-            <a:ext cx="11292008" cy="711081"/>
-          </a:xfrm>
-          <a:prstGeom prst="rect">
-            <a:avLst/>
-          </a:prstGeom>
-        </p:spPr>
-        <p:txBody>
-          <a:bodyPr/>
-          <a:lstStyle>
-            <a:lvl1pPr algn="l" defTabSz="914400" rtl="0" eaLnBrk="1" latinLnBrk="0" hangingPunct="1">
-              <a:lnSpc>
-                <a:spcPct val="90000"/>
-              </a:lnSpc>
-              <a:spcBef>
-                <a:spcPct val="0"/>
-              </a:spcBef>
-              <a:buNone/>
-              <a:defRPr sz="4400" kern="1200">
-                <a:solidFill>
-                  <a:schemeClr val="tx1"/>
-                </a:solidFill>
-                <a:latin typeface="+mj-lt"/>
-                <a:ea typeface="+mj-ea"/>
-                <a:cs typeface="+mj-cs"/>
-              </a:defRPr>
-            </a:lvl1pPr>
-          </a:lstStyle>
-          <a:p>
-            <a:endParaRPr lang="en-US" b="1" dirty="0"/>
-          </a:p>
-        </p:txBody>
-      </p:sp>
-      <p:sp>
-        <p:nvSpPr>
-          <p:cNvPr id="7" name="TextBox 6">
-            <a:extLst>
-              <a:ext uri="{FF2B5EF4-FFF2-40B4-BE49-F238E27FC236}">
-                <a16:creationId xmlns:a16="http://schemas.microsoft.com/office/drawing/2014/main" id="{17EB74BE-8011-4153-8F37-3BEF9C1F4CC0}"/>
-              </a:ext>
-            </a:extLst>
-          </p:cNvPr>
-          <p:cNvSpPr txBox="1"/>
-          <p:nvPr/>
-        </p:nvSpPr>
-        <p:spPr>
-          <a:xfrm>
-            <a:off x="3512128" y="2507734"/>
-            <a:ext cx="6174508" cy="1323439"/>
-          </a:xfrm>
-          <a:prstGeom prst="rect">
-            <a:avLst/>
-          </a:prstGeom>
-          <a:noFill/>
-        </p:spPr>
-        <p:txBody>
-          <a:bodyPr wrap="square">
-            <a:spAutoFit/>
-          </a:bodyPr>
-          <a:lstStyle/>
-          <a:p>
-            <a:r>
-              <a:rPr lang="en-US" sz="8000" b="1" dirty="0"/>
-              <a:t>End of Day 11</a:t>
-            </a:r>
-          </a:p>
-        </p:txBody>
-      </p:sp>
-    </p:spTree>
-    <p:extLst>
-      <p:ext uri="{BB962C8B-B14F-4D97-AF65-F5344CB8AC3E}">
-        <p14:creationId xmlns:p14="http://schemas.microsoft.com/office/powerpoint/2010/main" val="3867772902"/>
-      </p:ext>
-    </p:extLst>
-  </p:cSld>
-  <p:clrMapOvr>
-    <a:masterClrMapping/>
-  </p:clrMapOvr>
-</p:sld>
-</file>
-
 <file path=ppt/slides/slide5.xml><?xml version="1.0" encoding="utf-8"?>
 <p:sld xmlns:a="http://schemas.openxmlformats.org/drawingml/2006/main" xmlns:r="http://schemas.openxmlformats.org/officeDocument/2006/relationships" xmlns:p="http://schemas.openxmlformats.org/presentationml/2006/main">
   <p:cSld>
@@ -9634,6 +10743,120 @@
       </p:grpSpPr>
       <p:sp>
         <p:nvSpPr>
+          <p:cNvPr id="2" name="Title 3">
+            <a:extLst>
+              <a:ext uri="{FF2B5EF4-FFF2-40B4-BE49-F238E27FC236}">
+                <a16:creationId xmlns:a16="http://schemas.microsoft.com/office/drawing/2014/main" id="{F07FC580-E2AB-4C55-8C95-D5E077A1D127}"/>
+              </a:ext>
+            </a:extLst>
+          </p:cNvPr>
+          <p:cNvSpPr txBox="1">
+            <a:spLocks/>
+          </p:cNvSpPr>
+          <p:nvPr/>
+        </p:nvSpPr>
+        <p:spPr>
+          <a:xfrm>
+            <a:off x="261764" y="188640"/>
+            <a:ext cx="11292008" cy="711081"/>
+          </a:xfrm>
+          <a:prstGeom prst="rect">
+            <a:avLst/>
+          </a:prstGeom>
+        </p:spPr>
+        <p:txBody>
+          <a:bodyPr/>
+          <a:lstStyle>
+            <a:lvl1pPr algn="l" defTabSz="914400" rtl="0" eaLnBrk="1" latinLnBrk="0" hangingPunct="1">
+              <a:lnSpc>
+                <a:spcPct val="90000"/>
+              </a:lnSpc>
+              <a:spcBef>
+                <a:spcPct val="0"/>
+              </a:spcBef>
+              <a:buNone/>
+              <a:defRPr sz="4400" kern="1200">
+                <a:solidFill>
+                  <a:schemeClr val="tx1"/>
+                </a:solidFill>
+                <a:latin typeface="+mj-lt"/>
+                <a:ea typeface="+mj-ea"/>
+                <a:cs typeface="+mj-cs"/>
+              </a:defRPr>
+            </a:lvl1pPr>
+          </a:lstStyle>
+          <a:p>
+            <a:endParaRPr lang="en-US" b="1" dirty="0"/>
+          </a:p>
+        </p:txBody>
+      </p:sp>
+      <p:sp>
+        <p:nvSpPr>
+          <p:cNvPr id="7" name="TextBox 6">
+            <a:extLst>
+              <a:ext uri="{FF2B5EF4-FFF2-40B4-BE49-F238E27FC236}">
+                <a16:creationId xmlns:a16="http://schemas.microsoft.com/office/drawing/2014/main" id="{17EB74BE-8011-4153-8F37-3BEF9C1F4CC0}"/>
+              </a:ext>
+            </a:extLst>
+          </p:cNvPr>
+          <p:cNvSpPr txBox="1"/>
+          <p:nvPr/>
+        </p:nvSpPr>
+        <p:spPr>
+          <a:xfrm>
+            <a:off x="3512128" y="2507734"/>
+            <a:ext cx="6174508" cy="1323439"/>
+          </a:xfrm>
+          <a:prstGeom prst="rect">
+            <a:avLst/>
+          </a:prstGeom>
+          <a:noFill/>
+        </p:spPr>
+        <p:txBody>
+          <a:bodyPr wrap="square">
+            <a:spAutoFit/>
+          </a:bodyPr>
+          <a:lstStyle/>
+          <a:p>
+            <a:r>
+              <a:rPr lang="en-US" sz="8000" b="1" dirty="0"/>
+              <a:t>End of Day 11</a:t>
+            </a:r>
+          </a:p>
+        </p:txBody>
+      </p:sp>
+    </p:spTree>
+    <p:extLst>
+      <p:ext uri="{BB962C8B-B14F-4D97-AF65-F5344CB8AC3E}">
+        <p14:creationId xmlns:p14="http://schemas.microsoft.com/office/powerpoint/2010/main" val="3867772902"/>
+      </p:ext>
+    </p:extLst>
+  </p:cSld>
+  <p:clrMapOvr>
+    <a:masterClrMapping/>
+  </p:clrMapOvr>
+</p:sld>
+</file>
+
+<file path=ppt/slides/slide6.xml><?xml version="1.0" encoding="utf-8"?>
+<p:sld xmlns:a="http://schemas.openxmlformats.org/drawingml/2006/main" xmlns:r="http://schemas.openxmlformats.org/officeDocument/2006/relationships" xmlns:p="http://schemas.openxmlformats.org/presentationml/2006/main">
+  <p:cSld>
+    <p:spTree>
+      <p:nvGrpSpPr>
+        <p:cNvPr id="1" name=""/>
+        <p:cNvGrpSpPr/>
+        <p:nvPr/>
+      </p:nvGrpSpPr>
+      <p:grpSpPr>
+        <a:xfrm>
+          <a:off x="0" y="0"/>
+          <a:ext cx="0" cy="0"/>
+          <a:chOff x="0" y="0"/>
+          <a:chExt cx="0" cy="0"/>
+        </a:xfrm>
+      </p:grpSpPr>
+      <p:sp>
+        <p:nvSpPr>
           <p:cNvPr id="2" name="Title 1">
             <a:extLst>
               <a:ext uri="{FF2B5EF4-FFF2-40B4-BE49-F238E27FC236}">
@@ -9695,7 +10918,7 @@
 </p:sld>
 </file>
 
-<file path=ppt/slides/slide6.xml><?xml version="1.0" encoding="utf-8"?>
+<file path=ppt/slides/slide7.xml><?xml version="1.0" encoding="utf-8"?>
 <p:sld xmlns:a="http://schemas.openxmlformats.org/drawingml/2006/main" xmlns:r="http://schemas.openxmlformats.org/officeDocument/2006/relationships" xmlns:p="http://schemas.openxmlformats.org/presentationml/2006/main">
   <p:cSld>
     <p:spTree>
@@ -9805,7 +11028,7 @@
 </p:sld>
 </file>
 
-<file path=ppt/slides/slide7.xml><?xml version="1.0" encoding="utf-8"?>
+<file path=ppt/slides/slide8.xml><?xml version="1.0" encoding="utf-8"?>
 <p:sld xmlns:a="http://schemas.openxmlformats.org/drawingml/2006/main" xmlns:r="http://schemas.openxmlformats.org/officeDocument/2006/relationships" xmlns:p="http://schemas.openxmlformats.org/presentationml/2006/main">
   <p:cSld>
     <p:bg>
